--- a/javascript_for_me.pptx
+++ b/javascript_for_me.pptx
@@ -209,7 +209,7 @@
           <a:p>
             <a:fld id="{A0D61E68-9DFE-4964-BBDE-D0077A01C9F1}" type="datetimeFigureOut">
               <a:rPr lang="zh-TW" altLang="en-US" smtClean="0"/>
-              <a:t>2025/1/10</a:t>
+              <a:t>2025/1/24</a:t>
             </a:fld>
             <a:endParaRPr lang="zh-TW" altLang="en-US"/>
           </a:p>
@@ -623,7 +623,7 @@
           <a:p>
             <a:fld id="{5C5B5AF6-9BFF-4FDF-835B-9095DB9C394C}" type="datetimeFigureOut">
               <a:rPr lang="zh-TW" altLang="en-US" smtClean="0"/>
-              <a:t>2025/1/10</a:t>
+              <a:t>2025/1/24</a:t>
             </a:fld>
             <a:endParaRPr lang="zh-TW" altLang="en-US"/>
           </a:p>
@@ -821,7 +821,7 @@
           <a:p>
             <a:fld id="{5C5B5AF6-9BFF-4FDF-835B-9095DB9C394C}" type="datetimeFigureOut">
               <a:rPr lang="zh-TW" altLang="en-US" smtClean="0"/>
-              <a:t>2025/1/10</a:t>
+              <a:t>2025/1/24</a:t>
             </a:fld>
             <a:endParaRPr lang="zh-TW" altLang="en-US"/>
           </a:p>
@@ -1029,7 +1029,7 @@
           <a:p>
             <a:fld id="{5C5B5AF6-9BFF-4FDF-835B-9095DB9C394C}" type="datetimeFigureOut">
               <a:rPr lang="zh-TW" altLang="en-US" smtClean="0"/>
-              <a:t>2025/1/10</a:t>
+              <a:t>2025/1/24</a:t>
             </a:fld>
             <a:endParaRPr lang="zh-TW" altLang="en-US"/>
           </a:p>
@@ -1227,7 +1227,7 @@
           <a:p>
             <a:fld id="{5C5B5AF6-9BFF-4FDF-835B-9095DB9C394C}" type="datetimeFigureOut">
               <a:rPr lang="zh-TW" altLang="en-US" smtClean="0"/>
-              <a:t>2025/1/10</a:t>
+              <a:t>2025/1/24</a:t>
             </a:fld>
             <a:endParaRPr lang="zh-TW" altLang="en-US"/>
           </a:p>
@@ -1502,7 +1502,7 @@
           <a:p>
             <a:fld id="{5C5B5AF6-9BFF-4FDF-835B-9095DB9C394C}" type="datetimeFigureOut">
               <a:rPr lang="zh-TW" altLang="en-US" smtClean="0"/>
-              <a:t>2025/1/10</a:t>
+              <a:t>2025/1/24</a:t>
             </a:fld>
             <a:endParaRPr lang="zh-TW" altLang="en-US"/>
           </a:p>
@@ -1767,7 +1767,7 @@
           <a:p>
             <a:fld id="{5C5B5AF6-9BFF-4FDF-835B-9095DB9C394C}" type="datetimeFigureOut">
               <a:rPr lang="zh-TW" altLang="en-US" smtClean="0"/>
-              <a:t>2025/1/10</a:t>
+              <a:t>2025/1/24</a:t>
             </a:fld>
             <a:endParaRPr lang="zh-TW" altLang="en-US"/>
           </a:p>
@@ -2179,7 +2179,7 @@
           <a:p>
             <a:fld id="{5C5B5AF6-9BFF-4FDF-835B-9095DB9C394C}" type="datetimeFigureOut">
               <a:rPr lang="zh-TW" altLang="en-US" smtClean="0"/>
-              <a:t>2025/1/10</a:t>
+              <a:t>2025/1/24</a:t>
             </a:fld>
             <a:endParaRPr lang="zh-TW" altLang="en-US"/>
           </a:p>
@@ -2320,7 +2320,7 @@
           <a:p>
             <a:fld id="{5C5B5AF6-9BFF-4FDF-835B-9095DB9C394C}" type="datetimeFigureOut">
               <a:rPr lang="zh-TW" altLang="en-US" smtClean="0"/>
-              <a:t>2025/1/10</a:t>
+              <a:t>2025/1/24</a:t>
             </a:fld>
             <a:endParaRPr lang="zh-TW" altLang="en-US"/>
           </a:p>
@@ -2433,7 +2433,7 @@
           <a:p>
             <a:fld id="{5C5B5AF6-9BFF-4FDF-835B-9095DB9C394C}" type="datetimeFigureOut">
               <a:rPr lang="zh-TW" altLang="en-US" smtClean="0"/>
-              <a:t>2025/1/10</a:t>
+              <a:t>2025/1/24</a:t>
             </a:fld>
             <a:endParaRPr lang="zh-TW" altLang="en-US"/>
           </a:p>
@@ -2744,7 +2744,7 @@
           <a:p>
             <a:fld id="{5C5B5AF6-9BFF-4FDF-835B-9095DB9C394C}" type="datetimeFigureOut">
               <a:rPr lang="zh-TW" altLang="en-US" smtClean="0"/>
-              <a:t>2025/1/10</a:t>
+              <a:t>2025/1/24</a:t>
             </a:fld>
             <a:endParaRPr lang="zh-TW" altLang="en-US"/>
           </a:p>
@@ -3032,7 +3032,7 @@
           <a:p>
             <a:fld id="{5C5B5AF6-9BFF-4FDF-835B-9095DB9C394C}" type="datetimeFigureOut">
               <a:rPr lang="zh-TW" altLang="en-US" smtClean="0"/>
-              <a:t>2025/1/10</a:t>
+              <a:t>2025/1/24</a:t>
             </a:fld>
             <a:endParaRPr lang="zh-TW" altLang="en-US"/>
           </a:p>
@@ -3273,7 +3273,7 @@
           <a:p>
             <a:fld id="{5C5B5AF6-9BFF-4FDF-835B-9095DB9C394C}" type="datetimeFigureOut">
               <a:rPr lang="zh-TW" altLang="en-US" smtClean="0"/>
-              <a:t>2025/1/10</a:t>
+              <a:t>2025/1/24</a:t>
             </a:fld>
             <a:endParaRPr lang="zh-TW" altLang="en-US"/>
           </a:p>
@@ -10101,6 +10101,295 @@
           </p:sp>
         </p:grpSp>
       </p:grpSp>
+      <p:grpSp>
+        <p:nvGrpSpPr>
+          <p:cNvPr id="2" name="群組 1">
+            <a:extLst>
+              <a:ext uri="{FF2B5EF4-FFF2-40B4-BE49-F238E27FC236}">
+                <a16:creationId xmlns:a16="http://schemas.microsoft.com/office/drawing/2014/main" id="{5D741B49-1FBF-0CCB-BD86-0AD34D010AF6}"/>
+              </a:ext>
+            </a:extLst>
+          </p:cNvPr>
+          <p:cNvGrpSpPr/>
+          <p:nvPr/>
+        </p:nvGrpSpPr>
+        <p:grpSpPr>
+          <a:xfrm>
+            <a:off x="111160" y="53700"/>
+            <a:ext cx="6773008" cy="860178"/>
+            <a:chOff x="111160" y="53700"/>
+            <a:chExt cx="6773008" cy="860178"/>
+          </a:xfrm>
+        </p:grpSpPr>
+        <p:sp>
+          <p:nvSpPr>
+            <p:cNvPr id="3" name="文字方塊 2">
+              <a:extLst>
+                <a:ext uri="{FF2B5EF4-FFF2-40B4-BE49-F238E27FC236}">
+                  <a16:creationId xmlns:a16="http://schemas.microsoft.com/office/drawing/2014/main" id="{2FB846D8-1701-5394-5741-AD4167869026}"/>
+                </a:ext>
+              </a:extLst>
+            </p:cNvPr>
+            <p:cNvSpPr txBox="1"/>
+            <p:nvPr/>
+          </p:nvSpPr>
+          <p:spPr>
+            <a:xfrm>
+              <a:off x="111160" y="53700"/>
+              <a:ext cx="6773008" cy="830997"/>
+            </a:xfrm>
+            <a:prstGeom prst="rect">
+              <a:avLst/>
+            </a:prstGeom>
+            <a:solidFill>
+              <a:schemeClr val="tx1"/>
+            </a:solidFill>
+          </p:spPr>
+          <p:txBody>
+            <a:bodyPr wrap="none" rtlCol="0">
+              <a:spAutoFit/>
+            </a:bodyPr>
+            <a:lstStyle/>
+            <a:p>
+              <a:r>
+                <a:rPr lang="en-US" altLang="zh-TW" sz="4800" dirty="0">
+                  <a:solidFill>
+                    <a:schemeClr val="bg1"/>
+                  </a:solidFill>
+                  <a:latin typeface="HGPSoeiKakupoptai" panose="040B0A00000000000000" pitchFamily="82" charset="-128"/>
+                  <a:ea typeface="HGPSoeiKakupoptai" panose="040B0A00000000000000" pitchFamily="82" charset="-128"/>
+                  <a:cs typeface="ADLaM Display" panose="02010000000000000000" pitchFamily="2" charset="0"/>
+                </a:rPr>
+                <a:t>JavaScript Event Loop</a:t>
+              </a:r>
+            </a:p>
+          </p:txBody>
+        </p:sp>
+        <p:cxnSp>
+          <p:nvCxnSpPr>
+            <p:cNvPr id="4" name="直線接點 3">
+              <a:extLst>
+                <a:ext uri="{FF2B5EF4-FFF2-40B4-BE49-F238E27FC236}">
+                  <a16:creationId xmlns:a16="http://schemas.microsoft.com/office/drawing/2014/main" id="{33C3EE17-33A6-343C-301C-4DAD29876850}"/>
+                </a:ext>
+              </a:extLst>
+            </p:cNvPr>
+            <p:cNvCxnSpPr>
+              <a:cxnSpLocks/>
+            </p:cNvCxnSpPr>
+            <p:nvPr/>
+          </p:nvCxnSpPr>
+          <p:spPr>
+            <a:xfrm>
+              <a:off x="175095" y="913878"/>
+              <a:ext cx="6502796" cy="0"/>
+            </a:xfrm>
+            <a:prstGeom prst="line">
+              <a:avLst/>
+            </a:prstGeom>
+            <a:ln w="57150">
+              <a:solidFill>
+                <a:schemeClr val="bg1">
+                  <a:lumMod val="95000"/>
+                </a:schemeClr>
+              </a:solidFill>
+              <a:headEnd type="none" w="med" len="med"/>
+              <a:tailEnd type="none" w="med" len="med"/>
+            </a:ln>
+          </p:spPr>
+          <p:style>
+            <a:lnRef idx="2">
+              <a:schemeClr val="accent1"/>
+            </a:lnRef>
+            <a:fillRef idx="0">
+              <a:schemeClr val="accent1"/>
+            </a:fillRef>
+            <a:effectRef idx="1">
+              <a:schemeClr val="accent1"/>
+            </a:effectRef>
+            <a:fontRef idx="minor">
+              <a:schemeClr val="tx1"/>
+            </a:fontRef>
+          </p:style>
+        </p:cxnSp>
+      </p:grpSp>
+      <p:sp>
+        <p:nvSpPr>
+          <p:cNvPr id="5" name="文字方塊 4">
+            <a:extLst>
+              <a:ext uri="{FF2B5EF4-FFF2-40B4-BE49-F238E27FC236}">
+                <a16:creationId xmlns:a16="http://schemas.microsoft.com/office/drawing/2014/main" id="{A4D679C0-CE9C-4454-AD23-D46B259BD16E}"/>
+              </a:ext>
+            </a:extLst>
+          </p:cNvPr>
+          <p:cNvSpPr txBox="1"/>
+          <p:nvPr/>
+        </p:nvSpPr>
+        <p:spPr>
+          <a:xfrm>
+            <a:off x="2177249" y="1000926"/>
+            <a:ext cx="10006265" cy="461665"/>
+          </a:xfrm>
+          <a:prstGeom prst="rect">
+            <a:avLst/>
+          </a:prstGeom>
+          <a:noFill/>
+          <a:ln>
+            <a:noFill/>
+          </a:ln>
+        </p:spPr>
+        <p:txBody>
+          <a:bodyPr wrap="none" rtlCol="0">
+            <a:spAutoFit/>
+          </a:bodyPr>
+          <a:lstStyle>
+            <a:defPPr>
+              <a:defRPr lang="zh-TW"/>
+            </a:defPPr>
+            <a:lvl1pPr>
+              <a:defRPr sz="4800">
+                <a:solidFill>
+                  <a:schemeClr val="bg1"/>
+                </a:solidFill>
+                <a:latin typeface="ADLaM Display" panose="02010000000000000000" pitchFamily="2" charset="0"/>
+                <a:ea typeface="ADLaM Display" panose="02010000000000000000" pitchFamily="2" charset="0"/>
+                <a:cs typeface="ADLaM Display" panose="02010000000000000000" pitchFamily="2" charset="0"/>
+              </a:defRPr>
+            </a:lvl1pPr>
+          </a:lstStyle>
+          <a:p>
+            <a:r>
+              <a:rPr lang="en-US" altLang="zh-TW" sz="2400" dirty="0">
+                <a:latin typeface="HGPSoeiKakupoptai" panose="040B0A00000000000000" pitchFamily="82" charset="-128"/>
+                <a:ea typeface="HGPSoeiKakupoptai" panose="040B0A00000000000000" pitchFamily="82" charset="-128"/>
+              </a:rPr>
+              <a:t>For enabling non-blocking execution despite being single-threaded.</a:t>
+            </a:r>
+            <a:endParaRPr lang="zh-TW" altLang="en-US" sz="2400" dirty="0">
+              <a:latin typeface="HGPSoeiKakupoptai" panose="040B0A00000000000000" pitchFamily="82" charset="-128"/>
+              <a:ea typeface="HGPSoeiKakupoptai" panose="040B0A00000000000000" pitchFamily="82" charset="-128"/>
+            </a:endParaRPr>
+          </a:p>
+        </p:txBody>
+      </p:sp>
+      <p:sp>
+        <p:nvSpPr>
+          <p:cNvPr id="18" name="文字方塊 17">
+            <a:extLst>
+              <a:ext uri="{FF2B5EF4-FFF2-40B4-BE49-F238E27FC236}">
+                <a16:creationId xmlns:a16="http://schemas.microsoft.com/office/drawing/2014/main" id="{9D686AF7-471A-E48D-CE01-F860E286A432}"/>
+              </a:ext>
+            </a:extLst>
+          </p:cNvPr>
+          <p:cNvSpPr txBox="1"/>
+          <p:nvPr/>
+        </p:nvSpPr>
+        <p:spPr>
+          <a:xfrm>
+            <a:off x="2177249" y="1657581"/>
+            <a:ext cx="2553904" cy="707886"/>
+          </a:xfrm>
+          <a:prstGeom prst="rect">
+            <a:avLst/>
+          </a:prstGeom>
+          <a:noFill/>
+          <a:ln>
+            <a:noFill/>
+          </a:ln>
+        </p:spPr>
+        <p:txBody>
+          <a:bodyPr wrap="none" rtlCol="0">
+            <a:spAutoFit/>
+          </a:bodyPr>
+          <a:lstStyle>
+            <a:defPPr>
+              <a:defRPr lang="zh-TW"/>
+            </a:defPPr>
+            <a:lvl1pPr>
+              <a:defRPr sz="4800">
+                <a:solidFill>
+                  <a:schemeClr val="bg1"/>
+                </a:solidFill>
+                <a:latin typeface="ADLaM Display" panose="02010000000000000000" pitchFamily="2" charset="0"/>
+                <a:ea typeface="ADLaM Display" panose="02010000000000000000" pitchFamily="2" charset="0"/>
+                <a:cs typeface="ADLaM Display" panose="02010000000000000000" pitchFamily="2" charset="0"/>
+              </a:defRPr>
+            </a:lvl1pPr>
+          </a:lstStyle>
+          <a:p>
+            <a:r>
+              <a:rPr lang="en-US" altLang="zh-TW" sz="4000" dirty="0">
+                <a:latin typeface="HGPSoeiKakupoptai" panose="040B0A00000000000000" pitchFamily="82" charset="-128"/>
+                <a:ea typeface="HGPSoeiKakupoptai" panose="040B0A00000000000000" pitchFamily="82" charset="-128"/>
+              </a:rPr>
+              <a:t>Call Stack</a:t>
+            </a:r>
+            <a:endParaRPr lang="zh-TW" altLang="en-US" sz="4000" dirty="0">
+              <a:latin typeface="HGPSoeiKakupoptai" panose="040B0A00000000000000" pitchFamily="82" charset="-128"/>
+              <a:ea typeface="HGPSoeiKakupoptai" panose="040B0A00000000000000" pitchFamily="82" charset="-128"/>
+            </a:endParaRPr>
+          </a:p>
+        </p:txBody>
+      </p:sp>
+      <p:sp>
+        <p:nvSpPr>
+          <p:cNvPr id="19" name="文字方塊 18">
+            <a:extLst>
+              <a:ext uri="{FF2B5EF4-FFF2-40B4-BE49-F238E27FC236}">
+                <a16:creationId xmlns:a16="http://schemas.microsoft.com/office/drawing/2014/main" id="{874EAFEA-C99D-4016-37F2-C48FC79F08A8}"/>
+              </a:ext>
+            </a:extLst>
+          </p:cNvPr>
+          <p:cNvSpPr txBox="1"/>
+          <p:nvPr/>
+        </p:nvSpPr>
+        <p:spPr>
+          <a:xfrm>
+            <a:off x="2177249" y="4067122"/>
+            <a:ext cx="2882520" cy="707886"/>
+          </a:xfrm>
+          <a:prstGeom prst="rect">
+            <a:avLst/>
+          </a:prstGeom>
+          <a:noFill/>
+          <a:ln>
+            <a:noFill/>
+          </a:ln>
+        </p:spPr>
+        <p:txBody>
+          <a:bodyPr wrap="none" rtlCol="0">
+            <a:spAutoFit/>
+          </a:bodyPr>
+          <a:lstStyle>
+            <a:defPPr>
+              <a:defRPr lang="zh-TW"/>
+            </a:defPPr>
+            <a:lvl1pPr>
+              <a:defRPr sz="4800">
+                <a:solidFill>
+                  <a:schemeClr val="bg1"/>
+                </a:solidFill>
+                <a:latin typeface="ADLaM Display" panose="02010000000000000000" pitchFamily="2" charset="0"/>
+                <a:ea typeface="ADLaM Display" panose="02010000000000000000" pitchFamily="2" charset="0"/>
+                <a:cs typeface="ADLaM Display" panose="02010000000000000000" pitchFamily="2" charset="0"/>
+              </a:defRPr>
+            </a:lvl1pPr>
+          </a:lstStyle>
+          <a:p>
+            <a:r>
+              <a:rPr lang="en-US" altLang="zh-TW" sz="4000">
+                <a:latin typeface="HGPSoeiKakupoptai" panose="040B0A00000000000000" pitchFamily="82" charset="-128"/>
+                <a:ea typeface="HGPSoeiKakupoptai" panose="040B0A00000000000000" pitchFamily="82" charset="-128"/>
+              </a:rPr>
+              <a:t>Task Queue</a:t>
+            </a:r>
+            <a:endParaRPr lang="zh-TW" altLang="en-US" sz="4000" dirty="0">
+              <a:latin typeface="HGPSoeiKakupoptai" panose="040B0A00000000000000" pitchFamily="82" charset="-128"/>
+              <a:ea typeface="HGPSoeiKakupoptai" panose="040B0A00000000000000" pitchFamily="82" charset="-128"/>
+            </a:endParaRPr>
+          </a:p>
+        </p:txBody>
+      </p:sp>
     </p:spTree>
     <p:extLst>
       <p:ext uri="{BB962C8B-B14F-4D97-AF65-F5344CB8AC3E}">

--- a/javascript_for_me.pptx
+++ b/javascript_for_me.pptx
@@ -5,19 +5,23 @@
     <p:sldMasterId id="2147483648" r:id="rId1"/>
   </p:sldMasterIdLst>
   <p:notesMasterIdLst>
-    <p:notesMasterId r:id="rId12"/>
+    <p:notesMasterId r:id="rId16"/>
   </p:notesMasterIdLst>
   <p:sldIdLst>
     <p:sldId id="256" r:id="rId2"/>
-    <p:sldId id="257" r:id="rId3"/>
-    <p:sldId id="259" r:id="rId4"/>
-    <p:sldId id="260" r:id="rId5"/>
-    <p:sldId id="258" r:id="rId6"/>
-    <p:sldId id="264" r:id="rId7"/>
-    <p:sldId id="261" r:id="rId8"/>
-    <p:sldId id="265" r:id="rId9"/>
-    <p:sldId id="262" r:id="rId10"/>
-    <p:sldId id="263" r:id="rId11"/>
+    <p:sldId id="267" r:id="rId3"/>
+    <p:sldId id="266" r:id="rId4"/>
+    <p:sldId id="268" r:id="rId5"/>
+    <p:sldId id="269" r:id="rId6"/>
+    <p:sldId id="257" r:id="rId7"/>
+    <p:sldId id="259" r:id="rId8"/>
+    <p:sldId id="260" r:id="rId9"/>
+    <p:sldId id="258" r:id="rId10"/>
+    <p:sldId id="264" r:id="rId11"/>
+    <p:sldId id="261" r:id="rId12"/>
+    <p:sldId id="265" r:id="rId13"/>
+    <p:sldId id="262" r:id="rId14"/>
+    <p:sldId id="263" r:id="rId15"/>
   </p:sldIdLst>
   <p:sldSz cx="12192000" cy="6858000"/>
   <p:notesSz cx="6858000" cy="9144000"/>
@@ -209,7 +213,7 @@
           <a:p>
             <a:fld id="{A0D61E68-9DFE-4964-BBDE-D0077A01C9F1}" type="datetimeFigureOut">
               <a:rPr lang="zh-TW" altLang="en-US" smtClean="0"/>
-              <a:t>2025/1/24</a:t>
+              <a:t>2025/2/3</a:t>
             </a:fld>
             <a:endParaRPr lang="zh-TW" altLang="en-US"/>
           </a:p>
@@ -623,7 +627,7 @@
           <a:p>
             <a:fld id="{5C5B5AF6-9BFF-4FDF-835B-9095DB9C394C}" type="datetimeFigureOut">
               <a:rPr lang="zh-TW" altLang="en-US" smtClean="0"/>
-              <a:t>2025/1/24</a:t>
+              <a:t>2025/2/3</a:t>
             </a:fld>
             <a:endParaRPr lang="zh-TW" altLang="en-US"/>
           </a:p>
@@ -821,7 +825,7 @@
           <a:p>
             <a:fld id="{5C5B5AF6-9BFF-4FDF-835B-9095DB9C394C}" type="datetimeFigureOut">
               <a:rPr lang="zh-TW" altLang="en-US" smtClean="0"/>
-              <a:t>2025/1/24</a:t>
+              <a:t>2025/2/3</a:t>
             </a:fld>
             <a:endParaRPr lang="zh-TW" altLang="en-US"/>
           </a:p>
@@ -1029,7 +1033,7 @@
           <a:p>
             <a:fld id="{5C5B5AF6-9BFF-4FDF-835B-9095DB9C394C}" type="datetimeFigureOut">
               <a:rPr lang="zh-TW" altLang="en-US" smtClean="0"/>
-              <a:t>2025/1/24</a:t>
+              <a:t>2025/2/3</a:t>
             </a:fld>
             <a:endParaRPr lang="zh-TW" altLang="en-US"/>
           </a:p>
@@ -1227,7 +1231,7 @@
           <a:p>
             <a:fld id="{5C5B5AF6-9BFF-4FDF-835B-9095DB9C394C}" type="datetimeFigureOut">
               <a:rPr lang="zh-TW" altLang="en-US" smtClean="0"/>
-              <a:t>2025/1/24</a:t>
+              <a:t>2025/2/3</a:t>
             </a:fld>
             <a:endParaRPr lang="zh-TW" altLang="en-US"/>
           </a:p>
@@ -1502,7 +1506,7 @@
           <a:p>
             <a:fld id="{5C5B5AF6-9BFF-4FDF-835B-9095DB9C394C}" type="datetimeFigureOut">
               <a:rPr lang="zh-TW" altLang="en-US" smtClean="0"/>
-              <a:t>2025/1/24</a:t>
+              <a:t>2025/2/3</a:t>
             </a:fld>
             <a:endParaRPr lang="zh-TW" altLang="en-US"/>
           </a:p>
@@ -1767,7 +1771,7 @@
           <a:p>
             <a:fld id="{5C5B5AF6-9BFF-4FDF-835B-9095DB9C394C}" type="datetimeFigureOut">
               <a:rPr lang="zh-TW" altLang="en-US" smtClean="0"/>
-              <a:t>2025/1/24</a:t>
+              <a:t>2025/2/3</a:t>
             </a:fld>
             <a:endParaRPr lang="zh-TW" altLang="en-US"/>
           </a:p>
@@ -2179,7 +2183,7 @@
           <a:p>
             <a:fld id="{5C5B5AF6-9BFF-4FDF-835B-9095DB9C394C}" type="datetimeFigureOut">
               <a:rPr lang="zh-TW" altLang="en-US" smtClean="0"/>
-              <a:t>2025/1/24</a:t>
+              <a:t>2025/2/3</a:t>
             </a:fld>
             <a:endParaRPr lang="zh-TW" altLang="en-US"/>
           </a:p>
@@ -2320,7 +2324,7 @@
           <a:p>
             <a:fld id="{5C5B5AF6-9BFF-4FDF-835B-9095DB9C394C}" type="datetimeFigureOut">
               <a:rPr lang="zh-TW" altLang="en-US" smtClean="0"/>
-              <a:t>2025/1/24</a:t>
+              <a:t>2025/2/3</a:t>
             </a:fld>
             <a:endParaRPr lang="zh-TW" altLang="en-US"/>
           </a:p>
@@ -2433,7 +2437,7 @@
           <a:p>
             <a:fld id="{5C5B5AF6-9BFF-4FDF-835B-9095DB9C394C}" type="datetimeFigureOut">
               <a:rPr lang="zh-TW" altLang="en-US" smtClean="0"/>
-              <a:t>2025/1/24</a:t>
+              <a:t>2025/2/3</a:t>
             </a:fld>
             <a:endParaRPr lang="zh-TW" altLang="en-US"/>
           </a:p>
@@ -2744,7 +2748,7 @@
           <a:p>
             <a:fld id="{5C5B5AF6-9BFF-4FDF-835B-9095DB9C394C}" type="datetimeFigureOut">
               <a:rPr lang="zh-TW" altLang="en-US" smtClean="0"/>
-              <a:t>2025/1/24</a:t>
+              <a:t>2025/2/3</a:t>
             </a:fld>
             <a:endParaRPr lang="zh-TW" altLang="en-US"/>
           </a:p>
@@ -3032,7 +3036,7 @@
           <a:p>
             <a:fld id="{5C5B5AF6-9BFF-4FDF-835B-9095DB9C394C}" type="datetimeFigureOut">
               <a:rPr lang="zh-TW" altLang="en-US" smtClean="0"/>
-              <a:t>2025/1/24</a:t>
+              <a:t>2025/2/3</a:t>
             </a:fld>
             <a:endParaRPr lang="zh-TW" altLang="en-US"/>
           </a:p>
@@ -3273,7 +3277,7 @@
           <a:p>
             <a:fld id="{5C5B5AF6-9BFF-4FDF-835B-9095DB9C394C}" type="datetimeFigureOut">
               <a:rPr lang="zh-TW" altLang="en-US" smtClean="0"/>
-              <a:t>2025/1/24</a:t>
+              <a:t>2025/2/3</a:t>
             </a:fld>
             <a:endParaRPr lang="zh-TW" altLang="en-US"/>
           </a:p>
@@ -4432,6 +4436,2818 @@
           </p:sp>
         </p:grpSp>
       </p:grpSp>
+      <p:grpSp>
+        <p:nvGrpSpPr>
+          <p:cNvPr id="7" name="群組 6">
+            <a:extLst>
+              <a:ext uri="{FF2B5EF4-FFF2-40B4-BE49-F238E27FC236}">
+                <a16:creationId xmlns:a16="http://schemas.microsoft.com/office/drawing/2014/main" id="{DFF7EC9C-5A80-A622-B8B1-2180176C728D}"/>
+              </a:ext>
+            </a:extLst>
+          </p:cNvPr>
+          <p:cNvGrpSpPr/>
+          <p:nvPr/>
+        </p:nvGrpSpPr>
+        <p:grpSpPr>
+          <a:xfrm>
+            <a:off x="111160" y="53700"/>
+            <a:ext cx="4975272" cy="860178"/>
+            <a:chOff x="111160" y="53700"/>
+            <a:chExt cx="4975272" cy="860178"/>
+          </a:xfrm>
+        </p:grpSpPr>
+        <p:sp>
+          <p:nvSpPr>
+            <p:cNvPr id="37" name="文字方塊 36">
+              <a:extLst>
+                <a:ext uri="{FF2B5EF4-FFF2-40B4-BE49-F238E27FC236}">
+                  <a16:creationId xmlns:a16="http://schemas.microsoft.com/office/drawing/2014/main" id="{28760B82-37DF-2F50-F93C-713DD68BF662}"/>
+                </a:ext>
+              </a:extLst>
+            </p:cNvPr>
+            <p:cNvSpPr txBox="1"/>
+            <p:nvPr/>
+          </p:nvSpPr>
+          <p:spPr>
+            <a:xfrm>
+              <a:off x="111160" y="53700"/>
+              <a:ext cx="4951997" cy="830997"/>
+            </a:xfrm>
+            <a:prstGeom prst="rect">
+              <a:avLst/>
+            </a:prstGeom>
+            <a:solidFill>
+              <a:schemeClr val="tx1"/>
+            </a:solidFill>
+          </p:spPr>
+          <p:txBody>
+            <a:bodyPr wrap="none" rtlCol="0">
+              <a:spAutoFit/>
+            </a:bodyPr>
+            <a:lstStyle/>
+            <a:p>
+              <a:r>
+                <a:rPr lang="en-US" altLang="zh-TW" sz="4800" dirty="0">
+                  <a:solidFill>
+                    <a:schemeClr val="bg1"/>
+                  </a:solidFill>
+                  <a:latin typeface="HGPSoeiKakupoptai" panose="040B0A00000000000000" pitchFamily="82" charset="-128"/>
+                  <a:ea typeface="HGPSoeiKakupoptai" panose="040B0A00000000000000" pitchFamily="82" charset="-128"/>
+                  <a:cs typeface="ADLaM Display" panose="02010000000000000000" pitchFamily="2" charset="0"/>
+                </a:rPr>
+                <a:t>JavaScript Copy</a:t>
+              </a:r>
+            </a:p>
+          </p:txBody>
+        </p:sp>
+        <p:cxnSp>
+          <p:nvCxnSpPr>
+            <p:cNvPr id="38" name="直線接點 37">
+              <a:extLst>
+                <a:ext uri="{FF2B5EF4-FFF2-40B4-BE49-F238E27FC236}">
+                  <a16:creationId xmlns:a16="http://schemas.microsoft.com/office/drawing/2014/main" id="{147DE424-9535-8C4C-F878-511191540BD4}"/>
+                </a:ext>
+              </a:extLst>
+            </p:cNvPr>
+            <p:cNvCxnSpPr/>
+            <p:nvPr/>
+          </p:nvCxnSpPr>
+          <p:spPr>
+            <a:xfrm>
+              <a:off x="175095" y="913878"/>
+              <a:ext cx="4911337" cy="0"/>
+            </a:xfrm>
+            <a:prstGeom prst="line">
+              <a:avLst/>
+            </a:prstGeom>
+            <a:ln w="57150">
+              <a:solidFill>
+                <a:schemeClr val="bg1">
+                  <a:lumMod val="95000"/>
+                </a:schemeClr>
+              </a:solidFill>
+              <a:headEnd type="none" w="med" len="med"/>
+              <a:tailEnd type="none" w="med" len="med"/>
+            </a:ln>
+          </p:spPr>
+          <p:style>
+            <a:lnRef idx="2">
+              <a:schemeClr val="accent1"/>
+            </a:lnRef>
+            <a:fillRef idx="0">
+              <a:schemeClr val="accent1"/>
+            </a:fillRef>
+            <a:effectRef idx="1">
+              <a:schemeClr val="accent1"/>
+            </a:effectRef>
+            <a:fontRef idx="minor">
+              <a:schemeClr val="tx1"/>
+            </a:fontRef>
+          </p:style>
+        </p:cxnSp>
+      </p:grpSp>
+      <p:pic>
+        <p:nvPicPr>
+          <p:cNvPr id="14" name="圖片 13" descr="一張含有 文字, 螢幕擷取畫面, 多媒體, 電子裝置 的圖片&#10;&#10;自動產生的描述">
+            <a:extLst>
+              <a:ext uri="{FF2B5EF4-FFF2-40B4-BE49-F238E27FC236}">
+                <a16:creationId xmlns:a16="http://schemas.microsoft.com/office/drawing/2014/main" id="{4B2F5D6A-045D-B40A-6D4A-FAD70CA4ADC0}"/>
+              </a:ext>
+            </a:extLst>
+          </p:cNvPr>
+          <p:cNvPicPr>
+            <a:picLocks noChangeAspect="1"/>
+          </p:cNvPicPr>
+          <p:nvPr/>
+        </p:nvPicPr>
+        <p:blipFill>
+          <a:blip r:embed="rId3">
+            <a:extLst>
+              <a:ext uri="{28A0092B-C50C-407E-A947-70E740481C1C}">
+                <a14:useLocalDpi xmlns:a14="http://schemas.microsoft.com/office/drawing/2010/main" val="0"/>
+              </a:ext>
+            </a:extLst>
+          </a:blip>
+          <a:srcRect l="6439" t="16535" r="9504" b="16535"/>
+          <a:stretch/>
+        </p:blipFill>
+        <p:spPr>
+          <a:xfrm>
+            <a:off x="2730605" y="5074749"/>
+            <a:ext cx="4507663" cy="1728000"/>
+          </a:xfrm>
+          <a:prstGeom prst="rect">
+            <a:avLst/>
+          </a:prstGeom>
+          <a:ln w="19050">
+            <a:solidFill>
+              <a:schemeClr val="bg1"/>
+            </a:solidFill>
+          </a:ln>
+        </p:spPr>
+      </p:pic>
+      <p:pic>
+        <p:nvPicPr>
+          <p:cNvPr id="16" name="圖片 15">
+            <a:extLst>
+              <a:ext uri="{FF2B5EF4-FFF2-40B4-BE49-F238E27FC236}">
+                <a16:creationId xmlns:a16="http://schemas.microsoft.com/office/drawing/2014/main" id="{F96DED12-E205-32C4-4C35-95226CAA3C04}"/>
+              </a:ext>
+            </a:extLst>
+          </p:cNvPr>
+          <p:cNvPicPr>
+            <a:picLocks noChangeAspect="1"/>
+          </p:cNvPicPr>
+          <p:nvPr/>
+        </p:nvPicPr>
+        <p:blipFill>
+          <a:blip r:embed="rId4">
+            <a:extLst>
+              <a:ext uri="{28A0092B-C50C-407E-A947-70E740481C1C}">
+                <a14:useLocalDpi xmlns:a14="http://schemas.microsoft.com/office/drawing/2010/main" val="0"/>
+              </a:ext>
+            </a:extLst>
+          </a:blip>
+          <a:srcRect l="6758" t="9158" r="9184" b="7744"/>
+          <a:stretch/>
+        </p:blipFill>
+        <p:spPr>
+          <a:xfrm>
+            <a:off x="7372034" y="3194673"/>
+            <a:ext cx="4713182" cy="3608075"/>
+          </a:xfrm>
+          <a:prstGeom prst="rect">
+            <a:avLst/>
+          </a:prstGeom>
+          <a:ln w="19050">
+            <a:solidFill>
+              <a:schemeClr val="bg1"/>
+            </a:solidFill>
+          </a:ln>
+        </p:spPr>
+      </p:pic>
+      <p:pic>
+        <p:nvPicPr>
+          <p:cNvPr id="20" name="圖片 19">
+            <a:extLst>
+              <a:ext uri="{FF2B5EF4-FFF2-40B4-BE49-F238E27FC236}">
+                <a16:creationId xmlns:a16="http://schemas.microsoft.com/office/drawing/2014/main" id="{DBEDB47C-E41F-A949-4991-E96FCFC2B920}"/>
+              </a:ext>
+            </a:extLst>
+          </p:cNvPr>
+          <p:cNvPicPr>
+            <a:picLocks noChangeAspect="1"/>
+          </p:cNvPicPr>
+          <p:nvPr/>
+        </p:nvPicPr>
+        <p:blipFill>
+          <a:blip r:embed="rId5">
+            <a:extLst>
+              <a:ext uri="{28A0092B-C50C-407E-A947-70E740481C1C}">
+                <a14:useLocalDpi xmlns:a14="http://schemas.microsoft.com/office/drawing/2010/main" val="0"/>
+              </a:ext>
+            </a:extLst>
+          </a:blip>
+          <a:srcRect l="6288" t="14003" r="6363" b="14084"/>
+          <a:stretch/>
+        </p:blipFill>
+        <p:spPr>
+          <a:xfrm>
+            <a:off x="2730605" y="3194674"/>
+            <a:ext cx="4507663" cy="1728000"/>
+          </a:xfrm>
+          <a:prstGeom prst="rect">
+            <a:avLst/>
+          </a:prstGeom>
+          <a:ln w="19050">
+            <a:solidFill>
+              <a:schemeClr val="bg1"/>
+            </a:solidFill>
+          </a:ln>
+        </p:spPr>
+      </p:pic>
+      <p:sp>
+        <p:nvSpPr>
+          <p:cNvPr id="40" name="文字方塊 39">
+            <a:extLst>
+              <a:ext uri="{FF2B5EF4-FFF2-40B4-BE49-F238E27FC236}">
+                <a16:creationId xmlns:a16="http://schemas.microsoft.com/office/drawing/2014/main" id="{86E0F544-76D3-9E49-3FA6-1F18134D990B}"/>
+              </a:ext>
+            </a:extLst>
+          </p:cNvPr>
+          <p:cNvSpPr txBox="1"/>
+          <p:nvPr/>
+        </p:nvSpPr>
+        <p:spPr>
+          <a:xfrm>
+            <a:off x="2409203" y="1000926"/>
+            <a:ext cx="2640466" cy="707886"/>
+          </a:xfrm>
+          <a:prstGeom prst="rect">
+            <a:avLst/>
+          </a:prstGeom>
+          <a:noFill/>
+          <a:ln>
+            <a:noFill/>
+          </a:ln>
+        </p:spPr>
+        <p:txBody>
+          <a:bodyPr wrap="none" rtlCol="0">
+            <a:spAutoFit/>
+          </a:bodyPr>
+          <a:lstStyle>
+            <a:defPPr>
+              <a:defRPr lang="zh-TW"/>
+            </a:defPPr>
+            <a:lvl1pPr>
+              <a:defRPr sz="4800">
+                <a:solidFill>
+                  <a:schemeClr val="bg1"/>
+                </a:solidFill>
+                <a:latin typeface="ADLaM Display" panose="02010000000000000000" pitchFamily="2" charset="0"/>
+                <a:ea typeface="ADLaM Display" panose="02010000000000000000" pitchFamily="2" charset="0"/>
+                <a:cs typeface="ADLaM Display" panose="02010000000000000000" pitchFamily="2" charset="0"/>
+              </a:defRPr>
+            </a:lvl1pPr>
+          </a:lstStyle>
+          <a:p>
+            <a:r>
+              <a:rPr lang="en-US" altLang="zh-TW" sz="4000" dirty="0">
+                <a:latin typeface="HGPSoeiKakupoptai" panose="040B0A00000000000000" pitchFamily="82" charset="-128"/>
+                <a:ea typeface="HGPSoeiKakupoptai" panose="040B0A00000000000000" pitchFamily="82" charset="-128"/>
+              </a:rPr>
+              <a:t>Deep copy</a:t>
+            </a:r>
+            <a:endParaRPr lang="zh-TW" altLang="en-US" sz="4000" dirty="0">
+              <a:latin typeface="HGPSoeiKakupoptai" panose="040B0A00000000000000" pitchFamily="82" charset="-128"/>
+              <a:ea typeface="HGPSoeiKakupoptai" panose="040B0A00000000000000" pitchFamily="82" charset="-128"/>
+            </a:endParaRPr>
+          </a:p>
+        </p:txBody>
+      </p:sp>
+      <p:sp>
+        <p:nvSpPr>
+          <p:cNvPr id="6" name="文字方塊 5">
+            <a:extLst>
+              <a:ext uri="{FF2B5EF4-FFF2-40B4-BE49-F238E27FC236}">
+                <a16:creationId xmlns:a16="http://schemas.microsoft.com/office/drawing/2014/main" id="{873B5A38-85C0-D609-BB5C-B8414F79EB35}"/>
+              </a:ext>
+            </a:extLst>
+          </p:cNvPr>
+          <p:cNvSpPr txBox="1"/>
+          <p:nvPr/>
+        </p:nvSpPr>
+        <p:spPr>
+          <a:xfrm>
+            <a:off x="2730605" y="1901018"/>
+            <a:ext cx="3026791" cy="369332"/>
+          </a:xfrm>
+          <a:prstGeom prst="rect">
+            <a:avLst/>
+          </a:prstGeom>
+          <a:noFill/>
+          <a:ln>
+            <a:noFill/>
+          </a:ln>
+        </p:spPr>
+        <p:txBody>
+          <a:bodyPr wrap="none" rtlCol="0">
+            <a:spAutoFit/>
+          </a:bodyPr>
+          <a:lstStyle>
+            <a:defPPr>
+              <a:defRPr lang="zh-TW"/>
+            </a:defPPr>
+            <a:lvl1pPr>
+              <a:defRPr sz="4000">
+                <a:solidFill>
+                  <a:schemeClr val="bg1"/>
+                </a:solidFill>
+                <a:latin typeface="HGPSoeiKakupoptai" panose="040B0A00000000000000" pitchFamily="82" charset="-128"/>
+                <a:ea typeface="HGPSoeiKakupoptai" panose="040B0A00000000000000" pitchFamily="82" charset="-128"/>
+                <a:cs typeface="ADLaM Display" panose="02010000000000000000" pitchFamily="2" charset="0"/>
+              </a:defRPr>
+            </a:lvl1pPr>
+          </a:lstStyle>
+          <a:p>
+            <a:r>
+              <a:rPr lang="en-US" altLang="zh-TW" sz="1800" dirty="0"/>
+              <a:t>Entire structure is copied</a:t>
+            </a:r>
+            <a:endParaRPr lang="zh-TW" altLang="en-US" sz="1800" dirty="0"/>
+          </a:p>
+        </p:txBody>
+      </p:sp>
+      <p:sp>
+        <p:nvSpPr>
+          <p:cNvPr id="13" name="文字方塊 12">
+            <a:extLst>
+              <a:ext uri="{FF2B5EF4-FFF2-40B4-BE49-F238E27FC236}">
+                <a16:creationId xmlns:a16="http://schemas.microsoft.com/office/drawing/2014/main" id="{469C5509-20EC-02F9-DF9B-78D9CE5C83FA}"/>
+              </a:ext>
+            </a:extLst>
+          </p:cNvPr>
+          <p:cNvSpPr txBox="1"/>
+          <p:nvPr/>
+        </p:nvSpPr>
+        <p:spPr>
+          <a:xfrm>
+            <a:off x="2730605" y="2700829"/>
+            <a:ext cx="3927678" cy="369332"/>
+          </a:xfrm>
+          <a:prstGeom prst="rect">
+            <a:avLst/>
+          </a:prstGeom>
+          <a:noFill/>
+          <a:ln>
+            <a:noFill/>
+          </a:ln>
+        </p:spPr>
+        <p:txBody>
+          <a:bodyPr wrap="none" rtlCol="0">
+            <a:spAutoFit/>
+          </a:bodyPr>
+          <a:lstStyle>
+            <a:defPPr>
+              <a:defRPr lang="zh-TW"/>
+            </a:defPPr>
+            <a:lvl1pPr>
+              <a:defRPr>
+                <a:solidFill>
+                  <a:schemeClr val="bg1"/>
+                </a:solidFill>
+                <a:latin typeface="HGPSoeiKakupoptai" panose="040B0A00000000000000" pitchFamily="82" charset="-128"/>
+                <a:ea typeface="HGPSoeiKakupoptai" panose="040B0A00000000000000" pitchFamily="82" charset="-128"/>
+                <a:cs typeface="ADLaM Display" panose="02010000000000000000" pitchFamily="2" charset="0"/>
+              </a:defRPr>
+            </a:lvl1pPr>
+          </a:lstStyle>
+          <a:p>
+            <a:r>
+              <a:rPr lang="en-US" altLang="zh-TW" dirty="0"/>
+              <a:t>More complex and time-consuming</a:t>
+            </a:r>
+            <a:endParaRPr lang="zh-TW" altLang="en-US" dirty="0"/>
+          </a:p>
+        </p:txBody>
+      </p:sp>
+      <p:sp>
+        <p:nvSpPr>
+          <p:cNvPr id="10" name="文字方塊 9">
+            <a:extLst>
+              <a:ext uri="{FF2B5EF4-FFF2-40B4-BE49-F238E27FC236}">
+                <a16:creationId xmlns:a16="http://schemas.microsoft.com/office/drawing/2014/main" id="{64B756C7-6E0D-4F80-6483-2CD227A6AED3}"/>
+              </a:ext>
+            </a:extLst>
+          </p:cNvPr>
+          <p:cNvSpPr txBox="1"/>
+          <p:nvPr/>
+        </p:nvSpPr>
+        <p:spPr>
+          <a:xfrm>
+            <a:off x="2730605" y="2297156"/>
+            <a:ext cx="4439036" cy="369332"/>
+          </a:xfrm>
+          <a:prstGeom prst="rect">
+            <a:avLst/>
+          </a:prstGeom>
+          <a:noFill/>
+          <a:ln>
+            <a:noFill/>
+          </a:ln>
+        </p:spPr>
+        <p:txBody>
+          <a:bodyPr wrap="none" rtlCol="0">
+            <a:spAutoFit/>
+          </a:bodyPr>
+          <a:lstStyle>
+            <a:defPPr>
+              <a:defRPr lang="zh-TW"/>
+            </a:defPPr>
+            <a:lvl1pPr>
+              <a:defRPr>
+                <a:solidFill>
+                  <a:schemeClr val="bg1"/>
+                </a:solidFill>
+                <a:latin typeface="HGPSoeiKakupoptai" panose="040B0A00000000000000" pitchFamily="82" charset="-128"/>
+                <a:ea typeface="HGPSoeiKakupoptai" panose="040B0A00000000000000" pitchFamily="82" charset="-128"/>
+                <a:cs typeface="ADLaM Display" panose="02010000000000000000" pitchFamily="2" charset="0"/>
+              </a:defRPr>
+            </a:lvl1pPr>
+          </a:lstStyle>
+          <a:p>
+            <a:r>
+              <a:rPr lang="en-US" altLang="zh-TW" dirty="0"/>
+              <a:t>Changes to nested objects are isolated</a:t>
+            </a:r>
+            <a:endParaRPr lang="zh-TW" altLang="en-US" dirty="0"/>
+          </a:p>
+        </p:txBody>
+      </p:sp>
+      <p:sp>
+        <p:nvSpPr>
+          <p:cNvPr id="11" name="文字方塊 10">
+            <a:extLst>
+              <a:ext uri="{FF2B5EF4-FFF2-40B4-BE49-F238E27FC236}">
+                <a16:creationId xmlns:a16="http://schemas.microsoft.com/office/drawing/2014/main" id="{CB65CA3F-090A-B788-2CDE-BE8E5345D158}"/>
+              </a:ext>
+            </a:extLst>
+          </p:cNvPr>
+          <p:cNvSpPr txBox="1"/>
+          <p:nvPr/>
+        </p:nvSpPr>
+        <p:spPr>
+          <a:xfrm>
+            <a:off x="2409203" y="1613656"/>
+            <a:ext cx="9782797" cy="307777"/>
+          </a:xfrm>
+          <a:prstGeom prst="rect">
+            <a:avLst/>
+          </a:prstGeom>
+          <a:noFill/>
+          <a:ln>
+            <a:noFill/>
+          </a:ln>
+        </p:spPr>
+        <p:txBody>
+          <a:bodyPr wrap="square" rtlCol="0">
+            <a:spAutoFit/>
+          </a:bodyPr>
+          <a:lstStyle>
+            <a:defPPr>
+              <a:defRPr lang="zh-TW"/>
+            </a:defPPr>
+            <a:lvl1pPr>
+              <a:defRPr sz="4000">
+                <a:solidFill>
+                  <a:schemeClr val="bg1"/>
+                </a:solidFill>
+                <a:latin typeface="HGPSoeiKakupoptai" panose="040B0A00000000000000" pitchFamily="82" charset="-128"/>
+                <a:ea typeface="HGPSoeiKakupoptai" panose="040B0A00000000000000" pitchFamily="82" charset="-128"/>
+                <a:cs typeface="ADLaM Display" panose="02010000000000000000" pitchFamily="2" charset="0"/>
+              </a:defRPr>
+            </a:lvl1pPr>
+          </a:lstStyle>
+          <a:p>
+            <a:r>
+              <a:rPr lang="en-US" altLang="zh-TW" sz="1400" dirty="0">
+                <a:solidFill>
+                  <a:srgbClr val="F7E018"/>
+                </a:solidFill>
+              </a:rPr>
+              <a:t>When your object contains nested structures, and you need to ensure complete independence between the copies.</a:t>
+            </a:r>
+            <a:endParaRPr lang="zh-TW" altLang="en-US" sz="1400" dirty="0">
+              <a:solidFill>
+                <a:srgbClr val="F7E018"/>
+              </a:solidFill>
+            </a:endParaRPr>
+          </a:p>
+        </p:txBody>
+      </p:sp>
+    </p:spTree>
+    <p:extLst>
+      <p:ext uri="{BB962C8B-B14F-4D97-AF65-F5344CB8AC3E}">
+        <p14:creationId xmlns:p14="http://schemas.microsoft.com/office/powerpoint/2010/main" val="3858012344"/>
+      </p:ext>
+    </p:extLst>
+  </p:cSld>
+  <p:clrMapOvr>
+    <a:masterClrMapping/>
+  </p:clrMapOvr>
+</p:sld>
+</file>
+
+<file path=ppt/slides/slide11.xml><?xml version="1.0" encoding="utf-8"?>
+<p:sld xmlns:a="http://schemas.openxmlformats.org/drawingml/2006/main" xmlns:r="http://schemas.openxmlformats.org/officeDocument/2006/relationships" xmlns:p="http://schemas.openxmlformats.org/presentationml/2006/main">
+  <p:cSld>
+    <p:bg>
+      <p:bgPr>
+        <a:solidFill>
+          <a:schemeClr val="tx1"/>
+        </a:solidFill>
+        <a:effectLst/>
+      </p:bgPr>
+    </p:bg>
+    <p:spTree>
+      <p:nvGrpSpPr>
+        <p:cNvPr id="1" name=""/>
+        <p:cNvGrpSpPr/>
+        <p:nvPr/>
+      </p:nvGrpSpPr>
+      <p:grpSpPr>
+        <a:xfrm>
+          <a:off x="0" y="0"/>
+          <a:ext cx="0" cy="0"/>
+          <a:chOff x="0" y="0"/>
+          <a:chExt cx="0" cy="0"/>
+        </a:xfrm>
+      </p:grpSpPr>
+      <p:grpSp>
+        <p:nvGrpSpPr>
+          <p:cNvPr id="28" name="群組 27">
+            <a:extLst>
+              <a:ext uri="{FF2B5EF4-FFF2-40B4-BE49-F238E27FC236}">
+                <a16:creationId xmlns:a16="http://schemas.microsoft.com/office/drawing/2014/main" id="{4037ADCE-A775-44E4-BE80-8718A99C0623}"/>
+              </a:ext>
+            </a:extLst>
+          </p:cNvPr>
+          <p:cNvGrpSpPr/>
+          <p:nvPr/>
+        </p:nvGrpSpPr>
+        <p:grpSpPr>
+          <a:xfrm>
+            <a:off x="106784" y="189000"/>
+            <a:ext cx="3473714" cy="6480000"/>
+            <a:chOff x="106784" y="189000"/>
+            <a:chExt cx="3473714" cy="6480000"/>
+          </a:xfrm>
+        </p:grpSpPr>
+        <p:grpSp>
+          <p:nvGrpSpPr>
+            <p:cNvPr id="31" name="群組 30">
+              <a:extLst>
+                <a:ext uri="{FF2B5EF4-FFF2-40B4-BE49-F238E27FC236}">
+                  <a16:creationId xmlns:a16="http://schemas.microsoft.com/office/drawing/2014/main" id="{9763B9B6-39EF-3E59-5F2B-7087FE53E92E}"/>
+                </a:ext>
+              </a:extLst>
+            </p:cNvPr>
+            <p:cNvGrpSpPr/>
+            <p:nvPr/>
+          </p:nvGrpSpPr>
+          <p:grpSpPr>
+            <a:xfrm>
+              <a:off x="106784" y="189000"/>
+              <a:ext cx="3473714" cy="6480000"/>
+              <a:chOff x="752732" y="1282"/>
+              <a:chExt cx="4266529" cy="6856718"/>
+            </a:xfrm>
+          </p:grpSpPr>
+          <p:pic>
+            <p:nvPicPr>
+              <p:cNvPr id="35" name="Picture 4" descr="What Is JavaScript Used For?">
+                <a:extLst>
+                  <a:ext uri="{FF2B5EF4-FFF2-40B4-BE49-F238E27FC236}">
+                    <a16:creationId xmlns:a16="http://schemas.microsoft.com/office/drawing/2014/main" id="{53A9E0D8-F22F-E928-928D-7EE1B9292AE8}"/>
+                  </a:ext>
+                </a:extLst>
+              </p:cNvPr>
+              <p:cNvPicPr>
+                <a:picLocks noChangeAspect="1" noChangeArrowheads="1"/>
+              </p:cNvPicPr>
+              <p:nvPr/>
+            </p:nvPicPr>
+            <p:blipFill rotWithShape="1">
+              <a:blip r:embed="rId2">
+                <a:alphaModFix amt="85000"/>
+                <a:extLst>
+                  <a:ext uri="{28A0092B-C50C-407E-A947-70E740481C1C}">
+                    <a14:useLocalDpi xmlns:a14="http://schemas.microsoft.com/office/drawing/2010/main" val="0"/>
+                  </a:ext>
+                </a:extLst>
+              </a:blip>
+              <a:srcRect l="6173" t="-2" r="61849" b="20"/>
+              <a:stretch/>
+            </p:blipFill>
+            <p:spPr bwMode="auto">
+              <a:xfrm>
+                <a:off x="752732" y="1282"/>
+                <a:ext cx="3898781" cy="6856718"/>
+              </a:xfrm>
+              <a:prstGeom prst="rect">
+                <a:avLst/>
+              </a:prstGeom>
+              <a:noFill/>
+              <a:extLst>
+                <a:ext uri="{909E8E84-426E-40DD-AFC4-6F175D3DCCD1}">
+                  <a14:hiddenFill xmlns:a14="http://schemas.microsoft.com/office/drawing/2010/main">
+                    <a:solidFill>
+                      <a:srgbClr val="FFFFFF"/>
+                    </a:solidFill>
+                  </a14:hiddenFill>
+                </a:ext>
+              </a:extLst>
+            </p:spPr>
+          </p:pic>
+          <p:sp>
+            <p:nvSpPr>
+              <p:cNvPr id="36" name="矩形 35">
+                <a:extLst>
+                  <a:ext uri="{FF2B5EF4-FFF2-40B4-BE49-F238E27FC236}">
+                    <a16:creationId xmlns:a16="http://schemas.microsoft.com/office/drawing/2014/main" id="{D8F9FE86-688D-6533-26C6-95B79E733541}"/>
+                  </a:ext>
+                </a:extLst>
+              </p:cNvPr>
+              <p:cNvSpPr/>
+              <p:nvPr/>
+            </p:nvSpPr>
+            <p:spPr>
+              <a:xfrm>
+                <a:off x="3667539" y="2166730"/>
+                <a:ext cx="1351722" cy="1938131"/>
+              </a:xfrm>
+              <a:prstGeom prst="rect">
+                <a:avLst/>
+              </a:prstGeom>
+              <a:solidFill>
+                <a:srgbClr val="000000"/>
+              </a:solidFill>
+              <a:ln>
+                <a:noFill/>
+              </a:ln>
+            </p:spPr>
+            <p:style>
+              <a:lnRef idx="2">
+                <a:schemeClr val="accent1">
+                  <a:shade val="15000"/>
+                </a:schemeClr>
+              </a:lnRef>
+              <a:fillRef idx="1">
+                <a:schemeClr val="accent1"/>
+              </a:fillRef>
+              <a:effectRef idx="0">
+                <a:schemeClr val="accent1"/>
+              </a:effectRef>
+              <a:fontRef idx="minor">
+                <a:schemeClr val="lt1"/>
+              </a:fontRef>
+            </p:style>
+            <p:txBody>
+              <a:bodyPr rtlCol="0" anchor="ctr"/>
+              <a:lstStyle/>
+              <a:p>
+                <a:pPr algn="ctr"/>
+                <a:endParaRPr lang="zh-TW" altLang="en-US">
+                  <a:latin typeface="HGPSoeiKakupoptai" panose="040B0A00000000000000" pitchFamily="82" charset="-128"/>
+                  <a:ea typeface="HGPSoeiKakupoptai" panose="040B0A00000000000000" pitchFamily="82" charset="-128"/>
+                </a:endParaRPr>
+              </a:p>
+            </p:txBody>
+          </p:sp>
+        </p:grpSp>
+        <p:grpSp>
+          <p:nvGrpSpPr>
+            <p:cNvPr id="32" name="群組 31">
+              <a:extLst>
+                <a:ext uri="{FF2B5EF4-FFF2-40B4-BE49-F238E27FC236}">
+                  <a16:creationId xmlns:a16="http://schemas.microsoft.com/office/drawing/2014/main" id="{F50D76C6-F98B-006C-E4BB-5567A42DE2D5}"/>
+                </a:ext>
+              </a:extLst>
+            </p:cNvPr>
+            <p:cNvGrpSpPr/>
+            <p:nvPr/>
+          </p:nvGrpSpPr>
+          <p:grpSpPr>
+            <a:xfrm>
+              <a:off x="288060" y="2050479"/>
+              <a:ext cx="1779715" cy="2008572"/>
+              <a:chOff x="3583192" y="-1044343"/>
+              <a:chExt cx="1827083" cy="2052385"/>
+            </a:xfrm>
+            <a:solidFill>
+              <a:srgbClr val="D2BE14"/>
+            </a:solidFill>
+          </p:grpSpPr>
+          <p:sp>
+            <p:nvSpPr>
+              <p:cNvPr id="33" name="矩形 32">
+                <a:extLst>
+                  <a:ext uri="{FF2B5EF4-FFF2-40B4-BE49-F238E27FC236}">
+                    <a16:creationId xmlns:a16="http://schemas.microsoft.com/office/drawing/2014/main" id="{AC544CF1-372E-901B-3719-0B3ABE6C480C}"/>
+                  </a:ext>
+                </a:extLst>
+              </p:cNvPr>
+              <p:cNvSpPr/>
+              <p:nvPr/>
+            </p:nvSpPr>
+            <p:spPr>
+              <a:xfrm>
+                <a:off x="3583192" y="-1044343"/>
+                <a:ext cx="1826757" cy="2052000"/>
+              </a:xfrm>
+              <a:prstGeom prst="rect">
+                <a:avLst/>
+              </a:prstGeom>
+              <a:grpFill/>
+              <a:ln>
+                <a:noFill/>
+              </a:ln>
+            </p:spPr>
+            <p:style>
+              <a:lnRef idx="2">
+                <a:schemeClr val="accent1">
+                  <a:shade val="15000"/>
+                </a:schemeClr>
+              </a:lnRef>
+              <a:fillRef idx="1">
+                <a:schemeClr val="accent1"/>
+              </a:fillRef>
+              <a:effectRef idx="0">
+                <a:schemeClr val="accent1"/>
+              </a:effectRef>
+              <a:fontRef idx="minor">
+                <a:schemeClr val="lt1"/>
+              </a:fontRef>
+            </p:style>
+            <p:txBody>
+              <a:bodyPr rtlCol="0" anchor="ctr"/>
+              <a:lstStyle/>
+              <a:p>
+                <a:pPr algn="ctr"/>
+                <a:endParaRPr lang="zh-TW" altLang="en-US" sz="8800" dirty="0">
+                  <a:latin typeface="HGPSoeiKakupoptai" panose="040B0A00000000000000" pitchFamily="82" charset="-128"/>
+                  <a:ea typeface="HGPSoeiKakupoptai" panose="040B0A00000000000000" pitchFamily="82" charset="-128"/>
+                </a:endParaRPr>
+              </a:p>
+            </p:txBody>
+          </p:sp>
+          <p:sp>
+            <p:nvSpPr>
+              <p:cNvPr id="34" name="文字方塊 33">
+                <a:extLst>
+                  <a:ext uri="{FF2B5EF4-FFF2-40B4-BE49-F238E27FC236}">
+                    <a16:creationId xmlns:a16="http://schemas.microsoft.com/office/drawing/2014/main" id="{24849568-39CF-B868-D50F-C78D76123A74}"/>
+                  </a:ext>
+                </a:extLst>
+              </p:cNvPr>
+              <p:cNvSpPr txBox="1"/>
+              <p:nvPr/>
+            </p:nvSpPr>
+            <p:spPr>
+              <a:xfrm>
+                <a:off x="3858566" y="-438508"/>
+                <a:ext cx="1551709" cy="1446550"/>
+              </a:xfrm>
+              <a:prstGeom prst="rect">
+                <a:avLst/>
+              </a:prstGeom>
+              <a:grpFill/>
+            </p:spPr>
+            <p:txBody>
+              <a:bodyPr wrap="square">
+                <a:spAutoFit/>
+              </a:bodyPr>
+              <a:lstStyle/>
+              <a:p>
+                <a:pPr algn="ctr"/>
+                <a:r>
+                  <a:rPr lang="en-US" altLang="zh-TW" sz="8800" dirty="0">
+                    <a:solidFill>
+                      <a:srgbClr val="000200"/>
+                    </a:solidFill>
+                    <a:latin typeface="HGPSoeiKakupoptai" panose="040B0A00000000000000" pitchFamily="82" charset="-128"/>
+                    <a:ea typeface="HGPSoeiKakupoptai" panose="040B0A00000000000000" pitchFamily="82" charset="-128"/>
+                  </a:rPr>
+                  <a:t>JS</a:t>
+                </a:r>
+                <a:endParaRPr lang="zh-TW" altLang="en-US" sz="8800" dirty="0">
+                  <a:solidFill>
+                    <a:srgbClr val="000200"/>
+                  </a:solidFill>
+                  <a:latin typeface="HGPSoeiKakupoptai" panose="040B0A00000000000000" pitchFamily="82" charset="-128"/>
+                  <a:ea typeface="HGPSoeiKakupoptai" panose="040B0A00000000000000" pitchFamily="82" charset="-128"/>
+                </a:endParaRPr>
+              </a:p>
+            </p:txBody>
+          </p:sp>
+        </p:grpSp>
+      </p:grpSp>
+      <p:grpSp>
+        <p:nvGrpSpPr>
+          <p:cNvPr id="2" name="群組 1">
+            <a:extLst>
+              <a:ext uri="{FF2B5EF4-FFF2-40B4-BE49-F238E27FC236}">
+                <a16:creationId xmlns:a16="http://schemas.microsoft.com/office/drawing/2014/main" id="{71A20F00-CA37-239C-F9A3-639A50F17A34}"/>
+              </a:ext>
+            </a:extLst>
+          </p:cNvPr>
+          <p:cNvGrpSpPr/>
+          <p:nvPr/>
+        </p:nvGrpSpPr>
+        <p:grpSpPr>
+          <a:xfrm>
+            <a:off x="111160" y="53700"/>
+            <a:ext cx="5500224" cy="860178"/>
+            <a:chOff x="111160" y="53700"/>
+            <a:chExt cx="5500224" cy="860178"/>
+          </a:xfrm>
+        </p:grpSpPr>
+        <p:sp>
+          <p:nvSpPr>
+            <p:cNvPr id="3" name="文字方塊 2">
+              <a:extLst>
+                <a:ext uri="{FF2B5EF4-FFF2-40B4-BE49-F238E27FC236}">
+                  <a16:creationId xmlns:a16="http://schemas.microsoft.com/office/drawing/2014/main" id="{319B476B-CABA-0A8A-BFAC-579260018600}"/>
+                </a:ext>
+              </a:extLst>
+            </p:cNvPr>
+            <p:cNvSpPr txBox="1"/>
+            <p:nvPr/>
+          </p:nvSpPr>
+          <p:spPr>
+            <a:xfrm>
+              <a:off x="111160" y="53700"/>
+              <a:ext cx="5500224" cy="830997"/>
+            </a:xfrm>
+            <a:prstGeom prst="rect">
+              <a:avLst/>
+            </a:prstGeom>
+            <a:solidFill>
+              <a:schemeClr val="tx1"/>
+            </a:solidFill>
+          </p:spPr>
+          <p:txBody>
+            <a:bodyPr wrap="none" rtlCol="0">
+              <a:spAutoFit/>
+            </a:bodyPr>
+            <a:lstStyle/>
+            <a:p>
+              <a:r>
+                <a:rPr lang="en-US" altLang="zh-TW" sz="4800" dirty="0">
+                  <a:solidFill>
+                    <a:schemeClr val="bg1"/>
+                  </a:solidFill>
+                  <a:latin typeface="HGPSoeiKakupoptai" panose="040B0A00000000000000" pitchFamily="82" charset="-128"/>
+                  <a:ea typeface="HGPSoeiKakupoptai" panose="040B0A00000000000000" pitchFamily="82" charset="-128"/>
+                  <a:cs typeface="ADLaM Display" panose="02010000000000000000" pitchFamily="2" charset="0"/>
+                </a:rPr>
+                <a:t>JavaScript </a:t>
+              </a:r>
+              <a:r>
+                <a:rPr lang="en-US" altLang="zh-TW" sz="4800" dirty="0" err="1">
+                  <a:solidFill>
+                    <a:schemeClr val="bg1"/>
+                  </a:solidFill>
+                  <a:latin typeface="HGPSoeiKakupoptai" panose="040B0A00000000000000" pitchFamily="82" charset="-128"/>
+                  <a:ea typeface="HGPSoeiKakupoptai" panose="040B0A00000000000000" pitchFamily="82" charset="-128"/>
+                  <a:cs typeface="ADLaM Display" panose="02010000000000000000" pitchFamily="2" charset="0"/>
+                </a:rPr>
+                <a:t>Polyfill</a:t>
+              </a:r>
+              <a:endParaRPr lang="en-US" altLang="zh-TW" sz="4800" dirty="0">
+                <a:solidFill>
+                  <a:schemeClr val="bg1"/>
+                </a:solidFill>
+                <a:latin typeface="HGPSoeiKakupoptai" panose="040B0A00000000000000" pitchFamily="82" charset="-128"/>
+                <a:ea typeface="HGPSoeiKakupoptai" panose="040B0A00000000000000" pitchFamily="82" charset="-128"/>
+                <a:cs typeface="ADLaM Display" panose="02010000000000000000" pitchFamily="2" charset="0"/>
+              </a:endParaRPr>
+            </a:p>
+          </p:txBody>
+        </p:sp>
+        <p:cxnSp>
+          <p:nvCxnSpPr>
+            <p:cNvPr id="4" name="直線接點 3">
+              <a:extLst>
+                <a:ext uri="{FF2B5EF4-FFF2-40B4-BE49-F238E27FC236}">
+                  <a16:creationId xmlns:a16="http://schemas.microsoft.com/office/drawing/2014/main" id="{C75C1DD4-AB0A-359C-C12F-05CE904EA98A}"/>
+                </a:ext>
+              </a:extLst>
+            </p:cNvPr>
+            <p:cNvCxnSpPr>
+              <a:cxnSpLocks/>
+            </p:cNvCxnSpPr>
+            <p:nvPr/>
+          </p:nvCxnSpPr>
+          <p:spPr>
+            <a:xfrm>
+              <a:off x="175095" y="913878"/>
+              <a:ext cx="5436289" cy="0"/>
+            </a:xfrm>
+            <a:prstGeom prst="line">
+              <a:avLst/>
+            </a:prstGeom>
+            <a:ln w="57150">
+              <a:solidFill>
+                <a:schemeClr val="bg1">
+                  <a:lumMod val="95000"/>
+                </a:schemeClr>
+              </a:solidFill>
+              <a:headEnd type="none" w="med" len="med"/>
+              <a:tailEnd type="none" w="med" len="med"/>
+            </a:ln>
+          </p:spPr>
+          <p:style>
+            <a:lnRef idx="2">
+              <a:schemeClr val="accent1"/>
+            </a:lnRef>
+            <a:fillRef idx="0">
+              <a:schemeClr val="accent1"/>
+            </a:fillRef>
+            <a:effectRef idx="1">
+              <a:schemeClr val="accent1"/>
+            </a:effectRef>
+            <a:fontRef idx="minor">
+              <a:schemeClr val="tx1"/>
+            </a:fontRef>
+          </p:style>
+        </p:cxnSp>
+      </p:grpSp>
+    </p:spTree>
+    <p:extLst>
+      <p:ext uri="{BB962C8B-B14F-4D97-AF65-F5344CB8AC3E}">
+        <p14:creationId xmlns:p14="http://schemas.microsoft.com/office/powerpoint/2010/main" val="2947613727"/>
+      </p:ext>
+    </p:extLst>
+  </p:cSld>
+  <p:clrMapOvr>
+    <a:masterClrMapping/>
+  </p:clrMapOvr>
+</p:sld>
+</file>
+
+<file path=ppt/slides/slide12.xml><?xml version="1.0" encoding="utf-8"?>
+<p:sld xmlns:a="http://schemas.openxmlformats.org/drawingml/2006/main" xmlns:r="http://schemas.openxmlformats.org/officeDocument/2006/relationships" xmlns:p="http://schemas.openxmlformats.org/presentationml/2006/main">
+  <p:cSld>
+    <p:bg>
+      <p:bgPr>
+        <a:solidFill>
+          <a:schemeClr val="tx1"/>
+        </a:solidFill>
+        <a:effectLst/>
+      </p:bgPr>
+    </p:bg>
+    <p:spTree>
+      <p:nvGrpSpPr>
+        <p:cNvPr id="1" name=""/>
+        <p:cNvGrpSpPr/>
+        <p:nvPr/>
+      </p:nvGrpSpPr>
+      <p:grpSpPr>
+        <a:xfrm>
+          <a:off x="0" y="0"/>
+          <a:ext cx="0" cy="0"/>
+          <a:chOff x="0" y="0"/>
+          <a:chExt cx="0" cy="0"/>
+        </a:xfrm>
+      </p:grpSpPr>
+      <p:grpSp>
+        <p:nvGrpSpPr>
+          <p:cNvPr id="28" name="群組 27">
+            <a:extLst>
+              <a:ext uri="{FF2B5EF4-FFF2-40B4-BE49-F238E27FC236}">
+                <a16:creationId xmlns:a16="http://schemas.microsoft.com/office/drawing/2014/main" id="{4037ADCE-A775-44E4-BE80-8718A99C0623}"/>
+              </a:ext>
+            </a:extLst>
+          </p:cNvPr>
+          <p:cNvGrpSpPr/>
+          <p:nvPr/>
+        </p:nvGrpSpPr>
+        <p:grpSpPr>
+          <a:xfrm>
+            <a:off x="106784" y="189000"/>
+            <a:ext cx="3473714" cy="6480000"/>
+            <a:chOff x="106784" y="189000"/>
+            <a:chExt cx="3473714" cy="6480000"/>
+          </a:xfrm>
+        </p:grpSpPr>
+        <p:grpSp>
+          <p:nvGrpSpPr>
+            <p:cNvPr id="31" name="群組 30">
+              <a:extLst>
+                <a:ext uri="{FF2B5EF4-FFF2-40B4-BE49-F238E27FC236}">
+                  <a16:creationId xmlns:a16="http://schemas.microsoft.com/office/drawing/2014/main" id="{9763B9B6-39EF-3E59-5F2B-7087FE53E92E}"/>
+                </a:ext>
+              </a:extLst>
+            </p:cNvPr>
+            <p:cNvGrpSpPr/>
+            <p:nvPr/>
+          </p:nvGrpSpPr>
+          <p:grpSpPr>
+            <a:xfrm>
+              <a:off x="106784" y="189000"/>
+              <a:ext cx="3473714" cy="6480000"/>
+              <a:chOff x="752732" y="1282"/>
+              <a:chExt cx="4266529" cy="6856718"/>
+            </a:xfrm>
+          </p:grpSpPr>
+          <p:pic>
+            <p:nvPicPr>
+              <p:cNvPr id="35" name="Picture 4" descr="What Is JavaScript Used For?">
+                <a:extLst>
+                  <a:ext uri="{FF2B5EF4-FFF2-40B4-BE49-F238E27FC236}">
+                    <a16:creationId xmlns:a16="http://schemas.microsoft.com/office/drawing/2014/main" id="{53A9E0D8-F22F-E928-928D-7EE1B9292AE8}"/>
+                  </a:ext>
+                </a:extLst>
+              </p:cNvPr>
+              <p:cNvPicPr>
+                <a:picLocks noChangeAspect="1" noChangeArrowheads="1"/>
+              </p:cNvPicPr>
+              <p:nvPr/>
+            </p:nvPicPr>
+            <p:blipFill rotWithShape="1">
+              <a:blip r:embed="rId2">
+                <a:alphaModFix amt="85000"/>
+                <a:extLst>
+                  <a:ext uri="{28A0092B-C50C-407E-A947-70E740481C1C}">
+                    <a14:useLocalDpi xmlns:a14="http://schemas.microsoft.com/office/drawing/2010/main" val="0"/>
+                  </a:ext>
+                </a:extLst>
+              </a:blip>
+              <a:srcRect l="6173" t="-2" r="61849" b="20"/>
+              <a:stretch/>
+            </p:blipFill>
+            <p:spPr bwMode="auto">
+              <a:xfrm>
+                <a:off x="752732" y="1282"/>
+                <a:ext cx="3898781" cy="6856718"/>
+              </a:xfrm>
+              <a:prstGeom prst="rect">
+                <a:avLst/>
+              </a:prstGeom>
+              <a:noFill/>
+              <a:extLst>
+                <a:ext uri="{909E8E84-426E-40DD-AFC4-6F175D3DCCD1}">
+                  <a14:hiddenFill xmlns:a14="http://schemas.microsoft.com/office/drawing/2010/main">
+                    <a:solidFill>
+                      <a:srgbClr val="FFFFFF"/>
+                    </a:solidFill>
+                  </a14:hiddenFill>
+                </a:ext>
+              </a:extLst>
+            </p:spPr>
+          </p:pic>
+          <p:sp>
+            <p:nvSpPr>
+              <p:cNvPr id="36" name="矩形 35">
+                <a:extLst>
+                  <a:ext uri="{FF2B5EF4-FFF2-40B4-BE49-F238E27FC236}">
+                    <a16:creationId xmlns:a16="http://schemas.microsoft.com/office/drawing/2014/main" id="{D8F9FE86-688D-6533-26C6-95B79E733541}"/>
+                  </a:ext>
+                </a:extLst>
+              </p:cNvPr>
+              <p:cNvSpPr/>
+              <p:nvPr/>
+            </p:nvSpPr>
+            <p:spPr>
+              <a:xfrm>
+                <a:off x="3667539" y="2166730"/>
+                <a:ext cx="1351722" cy="1938131"/>
+              </a:xfrm>
+              <a:prstGeom prst="rect">
+                <a:avLst/>
+              </a:prstGeom>
+              <a:solidFill>
+                <a:srgbClr val="000000"/>
+              </a:solidFill>
+              <a:ln>
+                <a:noFill/>
+              </a:ln>
+            </p:spPr>
+            <p:style>
+              <a:lnRef idx="2">
+                <a:schemeClr val="accent1">
+                  <a:shade val="15000"/>
+                </a:schemeClr>
+              </a:lnRef>
+              <a:fillRef idx="1">
+                <a:schemeClr val="accent1"/>
+              </a:fillRef>
+              <a:effectRef idx="0">
+                <a:schemeClr val="accent1"/>
+              </a:effectRef>
+              <a:fontRef idx="minor">
+                <a:schemeClr val="lt1"/>
+              </a:fontRef>
+            </p:style>
+            <p:txBody>
+              <a:bodyPr rtlCol="0" anchor="ctr"/>
+              <a:lstStyle/>
+              <a:p>
+                <a:pPr algn="ctr"/>
+                <a:endParaRPr lang="zh-TW" altLang="en-US">
+                  <a:latin typeface="HGPSoeiKakupoptai" panose="040B0A00000000000000" pitchFamily="82" charset="-128"/>
+                  <a:ea typeface="HGPSoeiKakupoptai" panose="040B0A00000000000000" pitchFamily="82" charset="-128"/>
+                </a:endParaRPr>
+              </a:p>
+            </p:txBody>
+          </p:sp>
+        </p:grpSp>
+        <p:grpSp>
+          <p:nvGrpSpPr>
+            <p:cNvPr id="32" name="群組 31">
+              <a:extLst>
+                <a:ext uri="{FF2B5EF4-FFF2-40B4-BE49-F238E27FC236}">
+                  <a16:creationId xmlns:a16="http://schemas.microsoft.com/office/drawing/2014/main" id="{F50D76C6-F98B-006C-E4BB-5567A42DE2D5}"/>
+                </a:ext>
+              </a:extLst>
+            </p:cNvPr>
+            <p:cNvGrpSpPr/>
+            <p:nvPr/>
+          </p:nvGrpSpPr>
+          <p:grpSpPr>
+            <a:xfrm>
+              <a:off x="288060" y="2050479"/>
+              <a:ext cx="1779715" cy="2008572"/>
+              <a:chOff x="3583192" y="-1044343"/>
+              <a:chExt cx="1827083" cy="2052385"/>
+            </a:xfrm>
+            <a:solidFill>
+              <a:srgbClr val="D2BE14"/>
+            </a:solidFill>
+          </p:grpSpPr>
+          <p:sp>
+            <p:nvSpPr>
+              <p:cNvPr id="33" name="矩形 32">
+                <a:extLst>
+                  <a:ext uri="{FF2B5EF4-FFF2-40B4-BE49-F238E27FC236}">
+                    <a16:creationId xmlns:a16="http://schemas.microsoft.com/office/drawing/2014/main" id="{AC544CF1-372E-901B-3719-0B3ABE6C480C}"/>
+                  </a:ext>
+                </a:extLst>
+              </p:cNvPr>
+              <p:cNvSpPr/>
+              <p:nvPr/>
+            </p:nvSpPr>
+            <p:spPr>
+              <a:xfrm>
+                <a:off x="3583192" y="-1044343"/>
+                <a:ext cx="1826757" cy="2052000"/>
+              </a:xfrm>
+              <a:prstGeom prst="rect">
+                <a:avLst/>
+              </a:prstGeom>
+              <a:grpFill/>
+              <a:ln>
+                <a:noFill/>
+              </a:ln>
+            </p:spPr>
+            <p:style>
+              <a:lnRef idx="2">
+                <a:schemeClr val="accent1">
+                  <a:shade val="15000"/>
+                </a:schemeClr>
+              </a:lnRef>
+              <a:fillRef idx="1">
+                <a:schemeClr val="accent1"/>
+              </a:fillRef>
+              <a:effectRef idx="0">
+                <a:schemeClr val="accent1"/>
+              </a:effectRef>
+              <a:fontRef idx="minor">
+                <a:schemeClr val="lt1"/>
+              </a:fontRef>
+            </p:style>
+            <p:txBody>
+              <a:bodyPr rtlCol="0" anchor="ctr"/>
+              <a:lstStyle/>
+              <a:p>
+                <a:pPr algn="ctr"/>
+                <a:endParaRPr lang="zh-TW" altLang="en-US" sz="8800" dirty="0">
+                  <a:latin typeface="HGPSoeiKakupoptai" panose="040B0A00000000000000" pitchFamily="82" charset="-128"/>
+                  <a:ea typeface="HGPSoeiKakupoptai" panose="040B0A00000000000000" pitchFamily="82" charset="-128"/>
+                </a:endParaRPr>
+              </a:p>
+            </p:txBody>
+          </p:sp>
+          <p:sp>
+            <p:nvSpPr>
+              <p:cNvPr id="34" name="文字方塊 33">
+                <a:extLst>
+                  <a:ext uri="{FF2B5EF4-FFF2-40B4-BE49-F238E27FC236}">
+                    <a16:creationId xmlns:a16="http://schemas.microsoft.com/office/drawing/2014/main" id="{24849568-39CF-B868-D50F-C78D76123A74}"/>
+                  </a:ext>
+                </a:extLst>
+              </p:cNvPr>
+              <p:cNvSpPr txBox="1"/>
+              <p:nvPr/>
+            </p:nvSpPr>
+            <p:spPr>
+              <a:xfrm>
+                <a:off x="3858566" y="-438508"/>
+                <a:ext cx="1551709" cy="1446550"/>
+              </a:xfrm>
+              <a:prstGeom prst="rect">
+                <a:avLst/>
+              </a:prstGeom>
+              <a:grpFill/>
+            </p:spPr>
+            <p:txBody>
+              <a:bodyPr wrap="square">
+                <a:spAutoFit/>
+              </a:bodyPr>
+              <a:lstStyle/>
+              <a:p>
+                <a:pPr algn="ctr"/>
+                <a:r>
+                  <a:rPr lang="en-US" altLang="zh-TW" sz="8800" dirty="0">
+                    <a:solidFill>
+                      <a:srgbClr val="000200"/>
+                    </a:solidFill>
+                    <a:latin typeface="HGPSoeiKakupoptai" panose="040B0A00000000000000" pitchFamily="82" charset="-128"/>
+                    <a:ea typeface="HGPSoeiKakupoptai" panose="040B0A00000000000000" pitchFamily="82" charset="-128"/>
+                  </a:rPr>
+                  <a:t>JS</a:t>
+                </a:r>
+                <a:endParaRPr lang="zh-TW" altLang="en-US" sz="8800" dirty="0">
+                  <a:solidFill>
+                    <a:srgbClr val="000200"/>
+                  </a:solidFill>
+                  <a:latin typeface="HGPSoeiKakupoptai" panose="040B0A00000000000000" pitchFamily="82" charset="-128"/>
+                  <a:ea typeface="HGPSoeiKakupoptai" panose="040B0A00000000000000" pitchFamily="82" charset="-128"/>
+                </a:endParaRPr>
+              </a:p>
+            </p:txBody>
+          </p:sp>
+        </p:grpSp>
+      </p:grpSp>
+      <p:grpSp>
+        <p:nvGrpSpPr>
+          <p:cNvPr id="2" name="群組 1">
+            <a:extLst>
+              <a:ext uri="{FF2B5EF4-FFF2-40B4-BE49-F238E27FC236}">
+                <a16:creationId xmlns:a16="http://schemas.microsoft.com/office/drawing/2014/main" id="{71A20F00-CA37-239C-F9A3-639A50F17A34}"/>
+              </a:ext>
+            </a:extLst>
+          </p:cNvPr>
+          <p:cNvGrpSpPr/>
+          <p:nvPr/>
+        </p:nvGrpSpPr>
+        <p:grpSpPr>
+          <a:xfrm>
+            <a:off x="111160" y="53700"/>
+            <a:ext cx="5500224" cy="860178"/>
+            <a:chOff x="111160" y="53700"/>
+            <a:chExt cx="5500224" cy="860178"/>
+          </a:xfrm>
+        </p:grpSpPr>
+        <p:sp>
+          <p:nvSpPr>
+            <p:cNvPr id="3" name="文字方塊 2">
+              <a:extLst>
+                <a:ext uri="{FF2B5EF4-FFF2-40B4-BE49-F238E27FC236}">
+                  <a16:creationId xmlns:a16="http://schemas.microsoft.com/office/drawing/2014/main" id="{319B476B-CABA-0A8A-BFAC-579260018600}"/>
+                </a:ext>
+              </a:extLst>
+            </p:cNvPr>
+            <p:cNvSpPr txBox="1"/>
+            <p:nvPr/>
+          </p:nvSpPr>
+          <p:spPr>
+            <a:xfrm>
+              <a:off x="111160" y="53700"/>
+              <a:ext cx="5460149" cy="830997"/>
+            </a:xfrm>
+            <a:prstGeom prst="rect">
+              <a:avLst/>
+            </a:prstGeom>
+            <a:solidFill>
+              <a:schemeClr val="tx1"/>
+            </a:solidFill>
+          </p:spPr>
+          <p:txBody>
+            <a:bodyPr wrap="none" rtlCol="0">
+              <a:spAutoFit/>
+            </a:bodyPr>
+            <a:lstStyle/>
+            <a:p>
+              <a:r>
+                <a:rPr lang="en-US" altLang="zh-TW" sz="4800" dirty="0">
+                  <a:solidFill>
+                    <a:schemeClr val="bg1"/>
+                  </a:solidFill>
+                  <a:latin typeface="HGPSoeiKakupoptai" panose="040B0A00000000000000" pitchFamily="82" charset="-128"/>
+                  <a:ea typeface="HGPSoeiKakupoptai" panose="040B0A00000000000000" pitchFamily="82" charset="-128"/>
+                  <a:cs typeface="ADLaM Display" panose="02010000000000000000" pitchFamily="2" charset="0"/>
+                </a:rPr>
+                <a:t>JavaScript Output</a:t>
+              </a:r>
+            </a:p>
+          </p:txBody>
+        </p:sp>
+        <p:cxnSp>
+          <p:nvCxnSpPr>
+            <p:cNvPr id="4" name="直線接點 3">
+              <a:extLst>
+                <a:ext uri="{FF2B5EF4-FFF2-40B4-BE49-F238E27FC236}">
+                  <a16:creationId xmlns:a16="http://schemas.microsoft.com/office/drawing/2014/main" id="{C75C1DD4-AB0A-359C-C12F-05CE904EA98A}"/>
+                </a:ext>
+              </a:extLst>
+            </p:cNvPr>
+            <p:cNvCxnSpPr>
+              <a:cxnSpLocks/>
+            </p:cNvCxnSpPr>
+            <p:nvPr/>
+          </p:nvCxnSpPr>
+          <p:spPr>
+            <a:xfrm>
+              <a:off x="175095" y="913878"/>
+              <a:ext cx="5436289" cy="0"/>
+            </a:xfrm>
+            <a:prstGeom prst="line">
+              <a:avLst/>
+            </a:prstGeom>
+            <a:ln w="57150">
+              <a:solidFill>
+                <a:schemeClr val="bg1">
+                  <a:lumMod val="95000"/>
+                </a:schemeClr>
+              </a:solidFill>
+              <a:headEnd type="none" w="med" len="med"/>
+              <a:tailEnd type="none" w="med" len="med"/>
+            </a:ln>
+          </p:spPr>
+          <p:style>
+            <a:lnRef idx="2">
+              <a:schemeClr val="accent1"/>
+            </a:lnRef>
+            <a:fillRef idx="0">
+              <a:schemeClr val="accent1"/>
+            </a:fillRef>
+            <a:effectRef idx="1">
+              <a:schemeClr val="accent1"/>
+            </a:effectRef>
+            <a:fontRef idx="minor">
+              <a:schemeClr val="tx1"/>
+            </a:fontRef>
+          </p:style>
+        </p:cxnSp>
+      </p:grpSp>
+      <p:sp>
+        <p:nvSpPr>
+          <p:cNvPr id="6" name="文字方塊 5">
+            <a:extLst>
+              <a:ext uri="{FF2B5EF4-FFF2-40B4-BE49-F238E27FC236}">
+                <a16:creationId xmlns:a16="http://schemas.microsoft.com/office/drawing/2014/main" id="{D801272F-BF1C-BD83-AD6F-00C9C9A33CB3}"/>
+              </a:ext>
+            </a:extLst>
+          </p:cNvPr>
+          <p:cNvSpPr txBox="1"/>
+          <p:nvPr/>
+        </p:nvSpPr>
+        <p:spPr>
+          <a:xfrm>
+            <a:off x="2409203" y="1000926"/>
+            <a:ext cx="7670690" cy="707886"/>
+          </a:xfrm>
+          <a:prstGeom prst="rect">
+            <a:avLst/>
+          </a:prstGeom>
+          <a:noFill/>
+          <a:ln>
+            <a:noFill/>
+          </a:ln>
+        </p:spPr>
+        <p:txBody>
+          <a:bodyPr wrap="none" rtlCol="0">
+            <a:spAutoFit/>
+          </a:bodyPr>
+          <a:lstStyle>
+            <a:defPPr>
+              <a:defRPr lang="zh-TW"/>
+            </a:defPPr>
+            <a:lvl1pPr>
+              <a:defRPr sz="4800">
+                <a:solidFill>
+                  <a:schemeClr val="bg1"/>
+                </a:solidFill>
+                <a:latin typeface="ADLaM Display" panose="02010000000000000000" pitchFamily="2" charset="0"/>
+                <a:ea typeface="ADLaM Display" panose="02010000000000000000" pitchFamily="2" charset="0"/>
+                <a:cs typeface="ADLaM Display" panose="02010000000000000000" pitchFamily="2" charset="0"/>
+              </a:defRPr>
+            </a:lvl1pPr>
+          </a:lstStyle>
+          <a:p>
+            <a:r>
+              <a:rPr lang="en-US" altLang="zh-TW" sz="4000" dirty="0">
+                <a:latin typeface="HGPSoeiKakupoptai" panose="040B0A00000000000000" pitchFamily="82" charset="-128"/>
+                <a:ea typeface="HGPSoeiKakupoptai" panose="040B0A00000000000000" pitchFamily="82" charset="-128"/>
+              </a:rPr>
+              <a:t>JavaScript Display Possibilities</a:t>
+            </a:r>
+            <a:endParaRPr lang="zh-TW" altLang="en-US" sz="4000" dirty="0">
+              <a:latin typeface="HGPSoeiKakupoptai" panose="040B0A00000000000000" pitchFamily="82" charset="-128"/>
+              <a:ea typeface="HGPSoeiKakupoptai" panose="040B0A00000000000000" pitchFamily="82" charset="-128"/>
+            </a:endParaRPr>
+          </a:p>
+        </p:txBody>
+      </p:sp>
+      <p:sp>
+        <p:nvSpPr>
+          <p:cNvPr id="7" name="文字方塊 6">
+            <a:extLst>
+              <a:ext uri="{FF2B5EF4-FFF2-40B4-BE49-F238E27FC236}">
+                <a16:creationId xmlns:a16="http://schemas.microsoft.com/office/drawing/2014/main" id="{309ADC28-264B-9AF1-83CF-7390ADDB7E02}"/>
+              </a:ext>
+            </a:extLst>
+          </p:cNvPr>
+          <p:cNvSpPr txBox="1"/>
+          <p:nvPr/>
+        </p:nvSpPr>
+        <p:spPr>
+          <a:xfrm>
+            <a:off x="2730605" y="1901018"/>
+            <a:ext cx="6976590" cy="369332"/>
+          </a:xfrm>
+          <a:prstGeom prst="rect">
+            <a:avLst/>
+          </a:prstGeom>
+          <a:noFill/>
+          <a:ln>
+            <a:noFill/>
+          </a:ln>
+        </p:spPr>
+        <p:txBody>
+          <a:bodyPr wrap="square" rtlCol="0">
+            <a:spAutoFit/>
+          </a:bodyPr>
+          <a:lstStyle>
+            <a:defPPr>
+              <a:defRPr lang="zh-TW"/>
+            </a:defPPr>
+            <a:lvl1pPr>
+              <a:defRPr sz="4000">
+                <a:solidFill>
+                  <a:schemeClr val="bg1"/>
+                </a:solidFill>
+                <a:latin typeface="HGPSoeiKakupoptai" panose="040B0A00000000000000" pitchFamily="82" charset="-128"/>
+                <a:ea typeface="HGPSoeiKakupoptai" panose="040B0A00000000000000" pitchFamily="82" charset="-128"/>
+                <a:cs typeface="ADLaM Display" panose="02010000000000000000" pitchFamily="2" charset="0"/>
+              </a:defRPr>
+            </a:lvl1pPr>
+          </a:lstStyle>
+          <a:p>
+            <a:r>
+              <a:rPr lang="en-US" altLang="zh-TW" sz="1800" dirty="0" err="1"/>
+              <a:t>document.getElementById</a:t>
+            </a:r>
+            <a:r>
+              <a:rPr lang="en-US" altLang="zh-TW" sz="1800" dirty="0"/>
+              <a:t>(</a:t>
+            </a:r>
+            <a:r>
+              <a:rPr lang="en-US" altLang="zh-TW" sz="1800" dirty="0" err="1"/>
+              <a:t>DOM_object_Id</a:t>
+            </a:r>
+            <a:r>
+              <a:rPr lang="en-US" altLang="zh-TW" sz="1800" dirty="0"/>
+              <a:t>).</a:t>
+            </a:r>
+            <a:r>
+              <a:rPr lang="en-US" altLang="zh-TW" sz="1800" dirty="0" err="1"/>
+              <a:t>innerHTML</a:t>
+            </a:r>
+            <a:r>
+              <a:rPr lang="en-US" altLang="zh-TW" sz="1800" dirty="0"/>
+              <a:t> = message</a:t>
+            </a:r>
+            <a:endParaRPr lang="zh-TW" altLang="en-US" sz="1800" dirty="0"/>
+          </a:p>
+        </p:txBody>
+      </p:sp>
+      <p:sp>
+        <p:nvSpPr>
+          <p:cNvPr id="8" name="文字方塊 7">
+            <a:extLst>
+              <a:ext uri="{FF2B5EF4-FFF2-40B4-BE49-F238E27FC236}">
+                <a16:creationId xmlns:a16="http://schemas.microsoft.com/office/drawing/2014/main" id="{758C9106-9B55-ABD0-F2D9-A9DC8AD6306A}"/>
+              </a:ext>
+            </a:extLst>
+          </p:cNvPr>
+          <p:cNvSpPr txBox="1"/>
+          <p:nvPr/>
+        </p:nvSpPr>
+        <p:spPr>
+          <a:xfrm>
+            <a:off x="2730605" y="3433010"/>
+            <a:ext cx="2414444" cy="369332"/>
+          </a:xfrm>
+          <a:prstGeom prst="rect">
+            <a:avLst/>
+          </a:prstGeom>
+          <a:noFill/>
+          <a:ln>
+            <a:noFill/>
+          </a:ln>
+        </p:spPr>
+        <p:txBody>
+          <a:bodyPr wrap="none" rtlCol="0">
+            <a:spAutoFit/>
+          </a:bodyPr>
+          <a:lstStyle>
+            <a:defPPr>
+              <a:defRPr lang="zh-TW"/>
+            </a:defPPr>
+            <a:lvl1pPr>
+              <a:defRPr>
+                <a:solidFill>
+                  <a:schemeClr val="bg1"/>
+                </a:solidFill>
+                <a:latin typeface="HGPSoeiKakupoptai" panose="040B0A00000000000000" pitchFamily="82" charset="-128"/>
+                <a:ea typeface="HGPSoeiKakupoptai" panose="040B0A00000000000000" pitchFamily="82" charset="-128"/>
+                <a:cs typeface="ADLaM Display" panose="02010000000000000000" pitchFamily="2" charset="0"/>
+              </a:defRPr>
+            </a:lvl1pPr>
+          </a:lstStyle>
+          <a:p>
+            <a:r>
+              <a:rPr lang="en-US" altLang="zh-TW" dirty="0"/>
+              <a:t>console.log(message)</a:t>
+            </a:r>
+            <a:endParaRPr lang="zh-TW" altLang="en-US" dirty="0"/>
+          </a:p>
+        </p:txBody>
+      </p:sp>
+      <p:sp>
+        <p:nvSpPr>
+          <p:cNvPr id="9" name="文字方塊 8">
+            <a:extLst>
+              <a:ext uri="{FF2B5EF4-FFF2-40B4-BE49-F238E27FC236}">
+                <a16:creationId xmlns:a16="http://schemas.microsoft.com/office/drawing/2014/main" id="{7EE6C02B-30B8-2171-E8AD-4BF8FDDA2451}"/>
+              </a:ext>
+            </a:extLst>
+          </p:cNvPr>
+          <p:cNvSpPr txBox="1"/>
+          <p:nvPr/>
+        </p:nvSpPr>
+        <p:spPr>
+          <a:xfrm>
+            <a:off x="2730605" y="2662397"/>
+            <a:ext cx="2896947" cy="369332"/>
+          </a:xfrm>
+          <a:prstGeom prst="rect">
+            <a:avLst/>
+          </a:prstGeom>
+          <a:noFill/>
+          <a:ln>
+            <a:noFill/>
+          </a:ln>
+        </p:spPr>
+        <p:txBody>
+          <a:bodyPr wrap="square" rtlCol="0">
+            <a:spAutoFit/>
+          </a:bodyPr>
+          <a:lstStyle>
+            <a:defPPr>
+              <a:defRPr lang="zh-TW"/>
+            </a:defPPr>
+            <a:lvl1pPr>
+              <a:defRPr>
+                <a:solidFill>
+                  <a:schemeClr val="bg1"/>
+                </a:solidFill>
+                <a:latin typeface="HGPSoeiKakupoptai" panose="040B0A00000000000000" pitchFamily="82" charset="-128"/>
+                <a:ea typeface="HGPSoeiKakupoptai" panose="040B0A00000000000000" pitchFamily="82" charset="-128"/>
+                <a:cs typeface="ADLaM Display" panose="02010000000000000000" pitchFamily="2" charset="0"/>
+              </a:defRPr>
+            </a:lvl1pPr>
+          </a:lstStyle>
+          <a:p>
+            <a:r>
+              <a:rPr lang="en-US" altLang="zh-TW" dirty="0" err="1"/>
+              <a:t>document.write</a:t>
+            </a:r>
+            <a:r>
+              <a:rPr lang="en-US" altLang="zh-TW" dirty="0"/>
+              <a:t>(message)</a:t>
+            </a:r>
+            <a:endParaRPr lang="zh-TW" altLang="en-US" dirty="0"/>
+          </a:p>
+        </p:txBody>
+      </p:sp>
+      <p:sp>
+        <p:nvSpPr>
+          <p:cNvPr id="10" name="文字方塊 9">
+            <a:extLst>
+              <a:ext uri="{FF2B5EF4-FFF2-40B4-BE49-F238E27FC236}">
+                <a16:creationId xmlns:a16="http://schemas.microsoft.com/office/drawing/2014/main" id="{2CA83901-DE81-E9D3-84F3-CFEBB1514AE7}"/>
+              </a:ext>
+            </a:extLst>
+          </p:cNvPr>
+          <p:cNvSpPr txBox="1"/>
+          <p:nvPr/>
+        </p:nvSpPr>
+        <p:spPr>
+          <a:xfrm>
+            <a:off x="2730605" y="4214844"/>
+            <a:ext cx="2605200" cy="369332"/>
+          </a:xfrm>
+          <a:prstGeom prst="rect">
+            <a:avLst/>
+          </a:prstGeom>
+          <a:noFill/>
+          <a:ln>
+            <a:noFill/>
+          </a:ln>
+        </p:spPr>
+        <p:txBody>
+          <a:bodyPr wrap="none" rtlCol="0">
+            <a:spAutoFit/>
+          </a:bodyPr>
+          <a:lstStyle>
+            <a:defPPr>
+              <a:defRPr lang="zh-TW"/>
+            </a:defPPr>
+            <a:lvl1pPr>
+              <a:defRPr>
+                <a:solidFill>
+                  <a:schemeClr val="bg1"/>
+                </a:solidFill>
+                <a:latin typeface="HGPSoeiKakupoptai" panose="040B0A00000000000000" pitchFamily="82" charset="-128"/>
+                <a:ea typeface="HGPSoeiKakupoptai" panose="040B0A00000000000000" pitchFamily="82" charset="-128"/>
+                <a:cs typeface="ADLaM Display" panose="02010000000000000000" pitchFamily="2" charset="0"/>
+              </a:defRPr>
+            </a:lvl1pPr>
+          </a:lstStyle>
+          <a:p>
+            <a:r>
+              <a:rPr lang="en-US" altLang="zh-TW" dirty="0" err="1"/>
+              <a:t>window.alert</a:t>
+            </a:r>
+            <a:r>
+              <a:rPr lang="en-US" altLang="zh-TW" dirty="0"/>
+              <a:t>(message)</a:t>
+            </a:r>
+            <a:endParaRPr lang="zh-TW" altLang="en-US" dirty="0"/>
+          </a:p>
+        </p:txBody>
+      </p:sp>
+      <p:sp>
+        <p:nvSpPr>
+          <p:cNvPr id="11" name="文字方塊 10">
+            <a:extLst>
+              <a:ext uri="{FF2B5EF4-FFF2-40B4-BE49-F238E27FC236}">
+                <a16:creationId xmlns:a16="http://schemas.microsoft.com/office/drawing/2014/main" id="{7FFE53C5-0EA1-15DD-7C97-83FD3DE66A3E}"/>
+              </a:ext>
+            </a:extLst>
+          </p:cNvPr>
+          <p:cNvSpPr txBox="1"/>
+          <p:nvPr/>
+        </p:nvSpPr>
+        <p:spPr>
+          <a:xfrm>
+            <a:off x="2998462" y="2270350"/>
+            <a:ext cx="6976590" cy="307777"/>
+          </a:xfrm>
+          <a:prstGeom prst="rect">
+            <a:avLst/>
+          </a:prstGeom>
+          <a:noFill/>
+          <a:ln>
+            <a:noFill/>
+          </a:ln>
+        </p:spPr>
+        <p:txBody>
+          <a:bodyPr wrap="square" rtlCol="0">
+            <a:spAutoFit/>
+          </a:bodyPr>
+          <a:lstStyle>
+            <a:defPPr>
+              <a:defRPr lang="zh-TW"/>
+            </a:defPPr>
+            <a:lvl1pPr>
+              <a:defRPr sz="4000">
+                <a:solidFill>
+                  <a:schemeClr val="bg1"/>
+                </a:solidFill>
+                <a:latin typeface="HGPSoeiKakupoptai" panose="040B0A00000000000000" pitchFamily="82" charset="-128"/>
+                <a:ea typeface="HGPSoeiKakupoptai" panose="040B0A00000000000000" pitchFamily="82" charset="-128"/>
+                <a:cs typeface="ADLaM Display" panose="02010000000000000000" pitchFamily="2" charset="0"/>
+              </a:defRPr>
+            </a:lvl1pPr>
+          </a:lstStyle>
+          <a:p>
+            <a:r>
+              <a:rPr lang="en-US" altLang="zh-TW" sz="1400" dirty="0">
+                <a:solidFill>
+                  <a:srgbClr val="F7E018"/>
+                </a:solidFill>
+              </a:rPr>
+              <a:t>Writing message into a HTML element</a:t>
+            </a:r>
+            <a:endParaRPr lang="zh-TW" altLang="en-US" sz="1400" dirty="0">
+              <a:solidFill>
+                <a:srgbClr val="F7E018"/>
+              </a:solidFill>
+            </a:endParaRPr>
+          </a:p>
+        </p:txBody>
+      </p:sp>
+      <p:sp>
+        <p:nvSpPr>
+          <p:cNvPr id="12" name="文字方塊 11">
+            <a:extLst>
+              <a:ext uri="{FF2B5EF4-FFF2-40B4-BE49-F238E27FC236}">
+                <a16:creationId xmlns:a16="http://schemas.microsoft.com/office/drawing/2014/main" id="{A1788063-787B-8AC0-C1D2-E3584A73E3E3}"/>
+              </a:ext>
+            </a:extLst>
+          </p:cNvPr>
+          <p:cNvSpPr txBox="1"/>
+          <p:nvPr/>
+        </p:nvSpPr>
+        <p:spPr>
+          <a:xfrm>
+            <a:off x="2998462" y="3033524"/>
+            <a:ext cx="6976590" cy="307777"/>
+          </a:xfrm>
+          <a:prstGeom prst="rect">
+            <a:avLst/>
+          </a:prstGeom>
+          <a:noFill/>
+          <a:ln>
+            <a:noFill/>
+          </a:ln>
+        </p:spPr>
+        <p:txBody>
+          <a:bodyPr wrap="square" rtlCol="0">
+            <a:spAutoFit/>
+          </a:bodyPr>
+          <a:lstStyle>
+            <a:defPPr>
+              <a:defRPr lang="zh-TW"/>
+            </a:defPPr>
+            <a:lvl1pPr>
+              <a:defRPr sz="4000">
+                <a:solidFill>
+                  <a:schemeClr val="bg1"/>
+                </a:solidFill>
+                <a:latin typeface="HGPSoeiKakupoptai" panose="040B0A00000000000000" pitchFamily="82" charset="-128"/>
+                <a:ea typeface="HGPSoeiKakupoptai" panose="040B0A00000000000000" pitchFamily="82" charset="-128"/>
+                <a:cs typeface="ADLaM Display" panose="02010000000000000000" pitchFamily="2" charset="0"/>
+              </a:defRPr>
+            </a:lvl1pPr>
+          </a:lstStyle>
+          <a:p>
+            <a:r>
+              <a:rPr lang="en-US" altLang="zh-TW" sz="1400" dirty="0">
+                <a:solidFill>
+                  <a:srgbClr val="F7E018"/>
+                </a:solidFill>
+              </a:rPr>
+              <a:t>Writing message into the HTML output </a:t>
+            </a:r>
+            <a:endParaRPr lang="zh-TW" altLang="en-US" sz="1400" dirty="0">
+              <a:solidFill>
+                <a:srgbClr val="F7E018"/>
+              </a:solidFill>
+            </a:endParaRPr>
+          </a:p>
+        </p:txBody>
+      </p:sp>
+      <p:sp>
+        <p:nvSpPr>
+          <p:cNvPr id="13" name="文字方塊 12">
+            <a:extLst>
+              <a:ext uri="{FF2B5EF4-FFF2-40B4-BE49-F238E27FC236}">
+                <a16:creationId xmlns:a16="http://schemas.microsoft.com/office/drawing/2014/main" id="{91F20939-877A-7A33-51B8-836736697109}"/>
+              </a:ext>
+            </a:extLst>
+          </p:cNvPr>
+          <p:cNvSpPr txBox="1"/>
+          <p:nvPr/>
+        </p:nvSpPr>
+        <p:spPr>
+          <a:xfrm>
+            <a:off x="2998462" y="3802627"/>
+            <a:ext cx="6976590" cy="307777"/>
+          </a:xfrm>
+          <a:prstGeom prst="rect">
+            <a:avLst/>
+          </a:prstGeom>
+          <a:noFill/>
+          <a:ln>
+            <a:noFill/>
+          </a:ln>
+        </p:spPr>
+        <p:txBody>
+          <a:bodyPr wrap="square" rtlCol="0">
+            <a:spAutoFit/>
+          </a:bodyPr>
+          <a:lstStyle>
+            <a:defPPr>
+              <a:defRPr lang="zh-TW"/>
+            </a:defPPr>
+            <a:lvl1pPr>
+              <a:defRPr sz="4000">
+                <a:solidFill>
+                  <a:schemeClr val="bg1"/>
+                </a:solidFill>
+                <a:latin typeface="HGPSoeiKakupoptai" panose="040B0A00000000000000" pitchFamily="82" charset="-128"/>
+                <a:ea typeface="HGPSoeiKakupoptai" panose="040B0A00000000000000" pitchFamily="82" charset="-128"/>
+                <a:cs typeface="ADLaM Display" panose="02010000000000000000" pitchFamily="2" charset="0"/>
+              </a:defRPr>
+            </a:lvl1pPr>
+          </a:lstStyle>
+          <a:p>
+            <a:r>
+              <a:rPr lang="en-US" altLang="zh-TW" sz="1400" dirty="0">
+                <a:solidFill>
+                  <a:srgbClr val="F7E018"/>
+                </a:solidFill>
+              </a:rPr>
+              <a:t>Writing message into the browser console</a:t>
+            </a:r>
+            <a:endParaRPr lang="zh-TW" altLang="en-US" sz="1400" dirty="0">
+              <a:solidFill>
+                <a:srgbClr val="F7E018"/>
+              </a:solidFill>
+            </a:endParaRPr>
+          </a:p>
+        </p:txBody>
+      </p:sp>
+      <p:sp>
+        <p:nvSpPr>
+          <p:cNvPr id="14" name="文字方塊 13">
+            <a:extLst>
+              <a:ext uri="{FF2B5EF4-FFF2-40B4-BE49-F238E27FC236}">
+                <a16:creationId xmlns:a16="http://schemas.microsoft.com/office/drawing/2014/main" id="{9B53248B-B392-F2AF-7B71-590672ABEF5F}"/>
+              </a:ext>
+            </a:extLst>
+          </p:cNvPr>
+          <p:cNvSpPr txBox="1"/>
+          <p:nvPr/>
+        </p:nvSpPr>
+        <p:spPr>
+          <a:xfrm>
+            <a:off x="2998462" y="4584176"/>
+            <a:ext cx="6976590" cy="307777"/>
+          </a:xfrm>
+          <a:prstGeom prst="rect">
+            <a:avLst/>
+          </a:prstGeom>
+          <a:noFill/>
+          <a:ln>
+            <a:noFill/>
+          </a:ln>
+        </p:spPr>
+        <p:txBody>
+          <a:bodyPr wrap="square" rtlCol="0">
+            <a:spAutoFit/>
+          </a:bodyPr>
+          <a:lstStyle>
+            <a:defPPr>
+              <a:defRPr lang="zh-TW"/>
+            </a:defPPr>
+            <a:lvl1pPr>
+              <a:defRPr sz="4000">
+                <a:solidFill>
+                  <a:schemeClr val="bg1"/>
+                </a:solidFill>
+                <a:latin typeface="HGPSoeiKakupoptai" panose="040B0A00000000000000" pitchFamily="82" charset="-128"/>
+                <a:ea typeface="HGPSoeiKakupoptai" panose="040B0A00000000000000" pitchFamily="82" charset="-128"/>
+                <a:cs typeface="ADLaM Display" panose="02010000000000000000" pitchFamily="2" charset="0"/>
+              </a:defRPr>
+            </a:lvl1pPr>
+          </a:lstStyle>
+          <a:p>
+            <a:r>
+              <a:rPr lang="en-US" altLang="zh-TW" sz="1400" dirty="0">
+                <a:solidFill>
+                  <a:srgbClr val="F7E018"/>
+                </a:solidFill>
+              </a:rPr>
+              <a:t>Writing message into an alert box</a:t>
+            </a:r>
+            <a:endParaRPr lang="zh-TW" altLang="en-US" sz="1400" dirty="0">
+              <a:solidFill>
+                <a:srgbClr val="F7E018"/>
+              </a:solidFill>
+            </a:endParaRPr>
+          </a:p>
+        </p:txBody>
+      </p:sp>
+    </p:spTree>
+    <p:extLst>
+      <p:ext uri="{BB962C8B-B14F-4D97-AF65-F5344CB8AC3E}">
+        <p14:creationId xmlns:p14="http://schemas.microsoft.com/office/powerpoint/2010/main" val="1450579242"/>
+      </p:ext>
+    </p:extLst>
+  </p:cSld>
+  <p:clrMapOvr>
+    <a:masterClrMapping/>
+  </p:clrMapOvr>
+</p:sld>
+</file>
+
+<file path=ppt/slides/slide13.xml><?xml version="1.0" encoding="utf-8"?>
+<p:sld xmlns:a="http://schemas.openxmlformats.org/drawingml/2006/main" xmlns:r="http://schemas.openxmlformats.org/officeDocument/2006/relationships" xmlns:p="http://schemas.openxmlformats.org/presentationml/2006/main">
+  <p:cSld>
+    <p:bg>
+      <p:bgPr>
+        <a:solidFill>
+          <a:schemeClr val="tx1"/>
+        </a:solidFill>
+        <a:effectLst/>
+      </p:bgPr>
+    </p:bg>
+    <p:spTree>
+      <p:nvGrpSpPr>
+        <p:cNvPr id="1" name=""/>
+        <p:cNvGrpSpPr/>
+        <p:nvPr/>
+      </p:nvGrpSpPr>
+      <p:grpSpPr>
+        <a:xfrm>
+          <a:off x="0" y="0"/>
+          <a:ext cx="0" cy="0"/>
+          <a:chOff x="0" y="0"/>
+          <a:chExt cx="0" cy="0"/>
+        </a:xfrm>
+      </p:grpSpPr>
+      <p:grpSp>
+        <p:nvGrpSpPr>
+          <p:cNvPr id="28" name="群組 27">
+            <a:extLst>
+              <a:ext uri="{FF2B5EF4-FFF2-40B4-BE49-F238E27FC236}">
+                <a16:creationId xmlns:a16="http://schemas.microsoft.com/office/drawing/2014/main" id="{4037ADCE-A775-44E4-BE80-8718A99C0623}"/>
+              </a:ext>
+            </a:extLst>
+          </p:cNvPr>
+          <p:cNvGrpSpPr/>
+          <p:nvPr/>
+        </p:nvGrpSpPr>
+        <p:grpSpPr>
+          <a:xfrm>
+            <a:off x="106784" y="189000"/>
+            <a:ext cx="3473714" cy="6480000"/>
+            <a:chOff x="106784" y="189000"/>
+            <a:chExt cx="3473714" cy="6480000"/>
+          </a:xfrm>
+        </p:grpSpPr>
+        <p:grpSp>
+          <p:nvGrpSpPr>
+            <p:cNvPr id="31" name="群組 30">
+              <a:extLst>
+                <a:ext uri="{FF2B5EF4-FFF2-40B4-BE49-F238E27FC236}">
+                  <a16:creationId xmlns:a16="http://schemas.microsoft.com/office/drawing/2014/main" id="{9763B9B6-39EF-3E59-5F2B-7087FE53E92E}"/>
+                </a:ext>
+              </a:extLst>
+            </p:cNvPr>
+            <p:cNvGrpSpPr/>
+            <p:nvPr/>
+          </p:nvGrpSpPr>
+          <p:grpSpPr>
+            <a:xfrm>
+              <a:off x="106784" y="189000"/>
+              <a:ext cx="3473714" cy="6480000"/>
+              <a:chOff x="752732" y="1282"/>
+              <a:chExt cx="4266529" cy="6856718"/>
+            </a:xfrm>
+          </p:grpSpPr>
+          <p:pic>
+            <p:nvPicPr>
+              <p:cNvPr id="35" name="Picture 4" descr="What Is JavaScript Used For?">
+                <a:extLst>
+                  <a:ext uri="{FF2B5EF4-FFF2-40B4-BE49-F238E27FC236}">
+                    <a16:creationId xmlns:a16="http://schemas.microsoft.com/office/drawing/2014/main" id="{53A9E0D8-F22F-E928-928D-7EE1B9292AE8}"/>
+                  </a:ext>
+                </a:extLst>
+              </p:cNvPr>
+              <p:cNvPicPr>
+                <a:picLocks noChangeAspect="1" noChangeArrowheads="1"/>
+              </p:cNvPicPr>
+              <p:nvPr/>
+            </p:nvPicPr>
+            <p:blipFill rotWithShape="1">
+              <a:blip r:embed="rId2">
+                <a:alphaModFix amt="85000"/>
+                <a:extLst>
+                  <a:ext uri="{28A0092B-C50C-407E-A947-70E740481C1C}">
+                    <a14:useLocalDpi xmlns:a14="http://schemas.microsoft.com/office/drawing/2010/main" val="0"/>
+                  </a:ext>
+                </a:extLst>
+              </a:blip>
+              <a:srcRect l="6173" t="-2" r="61849" b="20"/>
+              <a:stretch/>
+            </p:blipFill>
+            <p:spPr bwMode="auto">
+              <a:xfrm>
+                <a:off x="752732" y="1282"/>
+                <a:ext cx="3898781" cy="6856718"/>
+              </a:xfrm>
+              <a:prstGeom prst="rect">
+                <a:avLst/>
+              </a:prstGeom>
+              <a:noFill/>
+              <a:extLst>
+                <a:ext uri="{909E8E84-426E-40DD-AFC4-6F175D3DCCD1}">
+                  <a14:hiddenFill xmlns:a14="http://schemas.microsoft.com/office/drawing/2010/main">
+                    <a:solidFill>
+                      <a:srgbClr val="FFFFFF"/>
+                    </a:solidFill>
+                  </a14:hiddenFill>
+                </a:ext>
+              </a:extLst>
+            </p:spPr>
+          </p:pic>
+          <p:sp>
+            <p:nvSpPr>
+              <p:cNvPr id="36" name="矩形 35">
+                <a:extLst>
+                  <a:ext uri="{FF2B5EF4-FFF2-40B4-BE49-F238E27FC236}">
+                    <a16:creationId xmlns:a16="http://schemas.microsoft.com/office/drawing/2014/main" id="{D8F9FE86-688D-6533-26C6-95B79E733541}"/>
+                  </a:ext>
+                </a:extLst>
+              </p:cNvPr>
+              <p:cNvSpPr/>
+              <p:nvPr/>
+            </p:nvSpPr>
+            <p:spPr>
+              <a:xfrm>
+                <a:off x="3667539" y="2166730"/>
+                <a:ext cx="1351722" cy="1938131"/>
+              </a:xfrm>
+              <a:prstGeom prst="rect">
+                <a:avLst/>
+              </a:prstGeom>
+              <a:solidFill>
+                <a:srgbClr val="000000"/>
+              </a:solidFill>
+              <a:ln>
+                <a:noFill/>
+              </a:ln>
+            </p:spPr>
+            <p:style>
+              <a:lnRef idx="2">
+                <a:schemeClr val="accent1">
+                  <a:shade val="15000"/>
+                </a:schemeClr>
+              </a:lnRef>
+              <a:fillRef idx="1">
+                <a:schemeClr val="accent1"/>
+              </a:fillRef>
+              <a:effectRef idx="0">
+                <a:schemeClr val="accent1"/>
+              </a:effectRef>
+              <a:fontRef idx="minor">
+                <a:schemeClr val="lt1"/>
+              </a:fontRef>
+            </p:style>
+            <p:txBody>
+              <a:bodyPr rtlCol="0" anchor="ctr"/>
+              <a:lstStyle/>
+              <a:p>
+                <a:pPr algn="ctr"/>
+                <a:endParaRPr lang="zh-TW" altLang="en-US">
+                  <a:latin typeface="HGPSoeiKakupoptai" panose="040B0A00000000000000" pitchFamily="82" charset="-128"/>
+                  <a:ea typeface="HGPSoeiKakupoptai" panose="040B0A00000000000000" pitchFamily="82" charset="-128"/>
+                </a:endParaRPr>
+              </a:p>
+            </p:txBody>
+          </p:sp>
+        </p:grpSp>
+        <p:grpSp>
+          <p:nvGrpSpPr>
+            <p:cNvPr id="32" name="群組 31">
+              <a:extLst>
+                <a:ext uri="{FF2B5EF4-FFF2-40B4-BE49-F238E27FC236}">
+                  <a16:creationId xmlns:a16="http://schemas.microsoft.com/office/drawing/2014/main" id="{F50D76C6-F98B-006C-E4BB-5567A42DE2D5}"/>
+                </a:ext>
+              </a:extLst>
+            </p:cNvPr>
+            <p:cNvGrpSpPr/>
+            <p:nvPr/>
+          </p:nvGrpSpPr>
+          <p:grpSpPr>
+            <a:xfrm>
+              <a:off x="288060" y="2050479"/>
+              <a:ext cx="1779715" cy="2008572"/>
+              <a:chOff x="3583192" y="-1044343"/>
+              <a:chExt cx="1827083" cy="2052385"/>
+            </a:xfrm>
+            <a:solidFill>
+              <a:srgbClr val="D2BE14"/>
+            </a:solidFill>
+          </p:grpSpPr>
+          <p:sp>
+            <p:nvSpPr>
+              <p:cNvPr id="33" name="矩形 32">
+                <a:extLst>
+                  <a:ext uri="{FF2B5EF4-FFF2-40B4-BE49-F238E27FC236}">
+                    <a16:creationId xmlns:a16="http://schemas.microsoft.com/office/drawing/2014/main" id="{AC544CF1-372E-901B-3719-0B3ABE6C480C}"/>
+                  </a:ext>
+                </a:extLst>
+              </p:cNvPr>
+              <p:cNvSpPr/>
+              <p:nvPr/>
+            </p:nvSpPr>
+            <p:spPr>
+              <a:xfrm>
+                <a:off x="3583192" y="-1044343"/>
+                <a:ext cx="1826757" cy="2052000"/>
+              </a:xfrm>
+              <a:prstGeom prst="rect">
+                <a:avLst/>
+              </a:prstGeom>
+              <a:grpFill/>
+              <a:ln>
+                <a:noFill/>
+              </a:ln>
+            </p:spPr>
+            <p:style>
+              <a:lnRef idx="2">
+                <a:schemeClr val="accent1">
+                  <a:shade val="15000"/>
+                </a:schemeClr>
+              </a:lnRef>
+              <a:fillRef idx="1">
+                <a:schemeClr val="accent1"/>
+              </a:fillRef>
+              <a:effectRef idx="0">
+                <a:schemeClr val="accent1"/>
+              </a:effectRef>
+              <a:fontRef idx="minor">
+                <a:schemeClr val="lt1"/>
+              </a:fontRef>
+            </p:style>
+            <p:txBody>
+              <a:bodyPr rtlCol="0" anchor="ctr"/>
+              <a:lstStyle/>
+              <a:p>
+                <a:pPr algn="ctr"/>
+                <a:endParaRPr lang="zh-TW" altLang="en-US" sz="8800" dirty="0">
+                  <a:latin typeface="HGPSoeiKakupoptai" panose="040B0A00000000000000" pitchFamily="82" charset="-128"/>
+                  <a:ea typeface="HGPSoeiKakupoptai" panose="040B0A00000000000000" pitchFamily="82" charset="-128"/>
+                </a:endParaRPr>
+              </a:p>
+            </p:txBody>
+          </p:sp>
+          <p:sp>
+            <p:nvSpPr>
+              <p:cNvPr id="34" name="文字方塊 33">
+                <a:extLst>
+                  <a:ext uri="{FF2B5EF4-FFF2-40B4-BE49-F238E27FC236}">
+                    <a16:creationId xmlns:a16="http://schemas.microsoft.com/office/drawing/2014/main" id="{24849568-39CF-B868-D50F-C78D76123A74}"/>
+                  </a:ext>
+                </a:extLst>
+              </p:cNvPr>
+              <p:cNvSpPr txBox="1"/>
+              <p:nvPr/>
+            </p:nvSpPr>
+            <p:spPr>
+              <a:xfrm>
+                <a:off x="3858566" y="-438508"/>
+                <a:ext cx="1551709" cy="1446550"/>
+              </a:xfrm>
+              <a:prstGeom prst="rect">
+                <a:avLst/>
+              </a:prstGeom>
+              <a:grpFill/>
+            </p:spPr>
+            <p:txBody>
+              <a:bodyPr wrap="square">
+                <a:spAutoFit/>
+              </a:bodyPr>
+              <a:lstStyle/>
+              <a:p>
+                <a:pPr algn="ctr"/>
+                <a:r>
+                  <a:rPr lang="en-US" altLang="zh-TW" sz="8800" dirty="0">
+                    <a:solidFill>
+                      <a:srgbClr val="000200"/>
+                    </a:solidFill>
+                    <a:latin typeface="HGPSoeiKakupoptai" panose="040B0A00000000000000" pitchFamily="82" charset="-128"/>
+                    <a:ea typeface="HGPSoeiKakupoptai" panose="040B0A00000000000000" pitchFamily="82" charset="-128"/>
+                  </a:rPr>
+                  <a:t>JS</a:t>
+                </a:r>
+                <a:endParaRPr lang="zh-TW" altLang="en-US" sz="8800" dirty="0">
+                  <a:solidFill>
+                    <a:srgbClr val="000200"/>
+                  </a:solidFill>
+                  <a:latin typeface="HGPSoeiKakupoptai" panose="040B0A00000000000000" pitchFamily="82" charset="-128"/>
+                  <a:ea typeface="HGPSoeiKakupoptai" panose="040B0A00000000000000" pitchFamily="82" charset="-128"/>
+                </a:endParaRPr>
+              </a:p>
+            </p:txBody>
+          </p:sp>
+        </p:grpSp>
+      </p:grpSp>
+      <p:grpSp>
+        <p:nvGrpSpPr>
+          <p:cNvPr id="2" name="群組 1">
+            <a:extLst>
+              <a:ext uri="{FF2B5EF4-FFF2-40B4-BE49-F238E27FC236}">
+                <a16:creationId xmlns:a16="http://schemas.microsoft.com/office/drawing/2014/main" id="{5D741B49-1FBF-0CCB-BD86-0AD34D010AF6}"/>
+              </a:ext>
+            </a:extLst>
+          </p:cNvPr>
+          <p:cNvGrpSpPr/>
+          <p:nvPr/>
+        </p:nvGrpSpPr>
+        <p:grpSpPr>
+          <a:xfrm>
+            <a:off x="111160" y="53700"/>
+            <a:ext cx="6773008" cy="860178"/>
+            <a:chOff x="111160" y="53700"/>
+            <a:chExt cx="6773008" cy="860178"/>
+          </a:xfrm>
+        </p:grpSpPr>
+        <p:sp>
+          <p:nvSpPr>
+            <p:cNvPr id="3" name="文字方塊 2">
+              <a:extLst>
+                <a:ext uri="{FF2B5EF4-FFF2-40B4-BE49-F238E27FC236}">
+                  <a16:creationId xmlns:a16="http://schemas.microsoft.com/office/drawing/2014/main" id="{2FB846D8-1701-5394-5741-AD4167869026}"/>
+                </a:ext>
+              </a:extLst>
+            </p:cNvPr>
+            <p:cNvSpPr txBox="1"/>
+            <p:nvPr/>
+          </p:nvSpPr>
+          <p:spPr>
+            <a:xfrm>
+              <a:off x="111160" y="53700"/>
+              <a:ext cx="6773008" cy="830997"/>
+            </a:xfrm>
+            <a:prstGeom prst="rect">
+              <a:avLst/>
+            </a:prstGeom>
+            <a:solidFill>
+              <a:schemeClr val="tx1"/>
+            </a:solidFill>
+          </p:spPr>
+          <p:txBody>
+            <a:bodyPr wrap="none" rtlCol="0">
+              <a:spAutoFit/>
+            </a:bodyPr>
+            <a:lstStyle/>
+            <a:p>
+              <a:r>
+                <a:rPr lang="en-US" altLang="zh-TW" sz="4800" dirty="0">
+                  <a:solidFill>
+                    <a:schemeClr val="bg1"/>
+                  </a:solidFill>
+                  <a:latin typeface="HGPSoeiKakupoptai" panose="040B0A00000000000000" pitchFamily="82" charset="-128"/>
+                  <a:ea typeface="HGPSoeiKakupoptai" panose="040B0A00000000000000" pitchFamily="82" charset="-128"/>
+                  <a:cs typeface="ADLaM Display" panose="02010000000000000000" pitchFamily="2" charset="0"/>
+                </a:rPr>
+                <a:t>JavaScript Event Loop</a:t>
+              </a:r>
+            </a:p>
+          </p:txBody>
+        </p:sp>
+        <p:cxnSp>
+          <p:nvCxnSpPr>
+            <p:cNvPr id="4" name="直線接點 3">
+              <a:extLst>
+                <a:ext uri="{FF2B5EF4-FFF2-40B4-BE49-F238E27FC236}">
+                  <a16:creationId xmlns:a16="http://schemas.microsoft.com/office/drawing/2014/main" id="{33C3EE17-33A6-343C-301C-4DAD29876850}"/>
+                </a:ext>
+              </a:extLst>
+            </p:cNvPr>
+            <p:cNvCxnSpPr>
+              <a:cxnSpLocks/>
+            </p:cNvCxnSpPr>
+            <p:nvPr/>
+          </p:nvCxnSpPr>
+          <p:spPr>
+            <a:xfrm>
+              <a:off x="175095" y="913878"/>
+              <a:ext cx="6502796" cy="0"/>
+            </a:xfrm>
+            <a:prstGeom prst="line">
+              <a:avLst/>
+            </a:prstGeom>
+            <a:ln w="57150">
+              <a:solidFill>
+                <a:schemeClr val="bg1">
+                  <a:lumMod val="95000"/>
+                </a:schemeClr>
+              </a:solidFill>
+              <a:headEnd type="none" w="med" len="med"/>
+              <a:tailEnd type="none" w="med" len="med"/>
+            </a:ln>
+          </p:spPr>
+          <p:style>
+            <a:lnRef idx="2">
+              <a:schemeClr val="accent1"/>
+            </a:lnRef>
+            <a:fillRef idx="0">
+              <a:schemeClr val="accent1"/>
+            </a:fillRef>
+            <a:effectRef idx="1">
+              <a:schemeClr val="accent1"/>
+            </a:effectRef>
+            <a:fontRef idx="minor">
+              <a:schemeClr val="tx1"/>
+            </a:fontRef>
+          </p:style>
+        </p:cxnSp>
+      </p:grpSp>
+      <p:sp>
+        <p:nvSpPr>
+          <p:cNvPr id="5" name="文字方塊 4">
+            <a:extLst>
+              <a:ext uri="{FF2B5EF4-FFF2-40B4-BE49-F238E27FC236}">
+                <a16:creationId xmlns:a16="http://schemas.microsoft.com/office/drawing/2014/main" id="{A4D679C0-CE9C-4454-AD23-D46B259BD16E}"/>
+              </a:ext>
+            </a:extLst>
+          </p:cNvPr>
+          <p:cNvSpPr txBox="1"/>
+          <p:nvPr/>
+        </p:nvSpPr>
+        <p:spPr>
+          <a:xfrm>
+            <a:off x="2177249" y="1000926"/>
+            <a:ext cx="10006265" cy="461665"/>
+          </a:xfrm>
+          <a:prstGeom prst="rect">
+            <a:avLst/>
+          </a:prstGeom>
+          <a:noFill/>
+          <a:ln>
+            <a:noFill/>
+          </a:ln>
+        </p:spPr>
+        <p:txBody>
+          <a:bodyPr wrap="none" rtlCol="0">
+            <a:spAutoFit/>
+          </a:bodyPr>
+          <a:lstStyle>
+            <a:defPPr>
+              <a:defRPr lang="zh-TW"/>
+            </a:defPPr>
+            <a:lvl1pPr>
+              <a:defRPr sz="4800">
+                <a:solidFill>
+                  <a:schemeClr val="bg1"/>
+                </a:solidFill>
+                <a:latin typeface="ADLaM Display" panose="02010000000000000000" pitchFamily="2" charset="0"/>
+                <a:ea typeface="ADLaM Display" panose="02010000000000000000" pitchFamily="2" charset="0"/>
+                <a:cs typeface="ADLaM Display" panose="02010000000000000000" pitchFamily="2" charset="0"/>
+              </a:defRPr>
+            </a:lvl1pPr>
+          </a:lstStyle>
+          <a:p>
+            <a:r>
+              <a:rPr lang="en-US" altLang="zh-TW" sz="2400" dirty="0">
+                <a:latin typeface="HGPSoeiKakupoptai" panose="040B0A00000000000000" pitchFamily="82" charset="-128"/>
+                <a:ea typeface="HGPSoeiKakupoptai" panose="040B0A00000000000000" pitchFamily="82" charset="-128"/>
+              </a:rPr>
+              <a:t>For enabling non-blocking execution despite being single-threaded.</a:t>
+            </a:r>
+            <a:endParaRPr lang="zh-TW" altLang="en-US" sz="2400" dirty="0">
+              <a:latin typeface="HGPSoeiKakupoptai" panose="040B0A00000000000000" pitchFamily="82" charset="-128"/>
+              <a:ea typeface="HGPSoeiKakupoptai" panose="040B0A00000000000000" pitchFamily="82" charset="-128"/>
+            </a:endParaRPr>
+          </a:p>
+        </p:txBody>
+      </p:sp>
+      <p:sp>
+        <p:nvSpPr>
+          <p:cNvPr id="18" name="文字方塊 17">
+            <a:extLst>
+              <a:ext uri="{FF2B5EF4-FFF2-40B4-BE49-F238E27FC236}">
+                <a16:creationId xmlns:a16="http://schemas.microsoft.com/office/drawing/2014/main" id="{9D686AF7-471A-E48D-CE01-F860E286A432}"/>
+              </a:ext>
+            </a:extLst>
+          </p:cNvPr>
+          <p:cNvSpPr txBox="1"/>
+          <p:nvPr/>
+        </p:nvSpPr>
+        <p:spPr>
+          <a:xfrm>
+            <a:off x="2177249" y="1657581"/>
+            <a:ext cx="2553904" cy="707886"/>
+          </a:xfrm>
+          <a:prstGeom prst="rect">
+            <a:avLst/>
+          </a:prstGeom>
+          <a:noFill/>
+          <a:ln>
+            <a:noFill/>
+          </a:ln>
+        </p:spPr>
+        <p:txBody>
+          <a:bodyPr wrap="none" rtlCol="0">
+            <a:spAutoFit/>
+          </a:bodyPr>
+          <a:lstStyle>
+            <a:defPPr>
+              <a:defRPr lang="zh-TW"/>
+            </a:defPPr>
+            <a:lvl1pPr>
+              <a:defRPr sz="4800">
+                <a:solidFill>
+                  <a:schemeClr val="bg1"/>
+                </a:solidFill>
+                <a:latin typeface="ADLaM Display" panose="02010000000000000000" pitchFamily="2" charset="0"/>
+                <a:ea typeface="ADLaM Display" panose="02010000000000000000" pitchFamily="2" charset="0"/>
+                <a:cs typeface="ADLaM Display" panose="02010000000000000000" pitchFamily="2" charset="0"/>
+              </a:defRPr>
+            </a:lvl1pPr>
+          </a:lstStyle>
+          <a:p>
+            <a:r>
+              <a:rPr lang="en-US" altLang="zh-TW" sz="4000" dirty="0">
+                <a:latin typeface="HGPSoeiKakupoptai" panose="040B0A00000000000000" pitchFamily="82" charset="-128"/>
+                <a:ea typeface="HGPSoeiKakupoptai" panose="040B0A00000000000000" pitchFamily="82" charset="-128"/>
+              </a:rPr>
+              <a:t>Call Stack</a:t>
+            </a:r>
+            <a:endParaRPr lang="zh-TW" altLang="en-US" sz="4000" dirty="0">
+              <a:latin typeface="HGPSoeiKakupoptai" panose="040B0A00000000000000" pitchFamily="82" charset="-128"/>
+              <a:ea typeface="HGPSoeiKakupoptai" panose="040B0A00000000000000" pitchFamily="82" charset="-128"/>
+            </a:endParaRPr>
+          </a:p>
+        </p:txBody>
+      </p:sp>
+      <p:sp>
+        <p:nvSpPr>
+          <p:cNvPr id="19" name="文字方塊 18">
+            <a:extLst>
+              <a:ext uri="{FF2B5EF4-FFF2-40B4-BE49-F238E27FC236}">
+                <a16:creationId xmlns:a16="http://schemas.microsoft.com/office/drawing/2014/main" id="{874EAFEA-C99D-4016-37F2-C48FC79F08A8}"/>
+              </a:ext>
+            </a:extLst>
+          </p:cNvPr>
+          <p:cNvSpPr txBox="1"/>
+          <p:nvPr/>
+        </p:nvSpPr>
+        <p:spPr>
+          <a:xfrm>
+            <a:off x="2177249" y="4067122"/>
+            <a:ext cx="2882520" cy="707886"/>
+          </a:xfrm>
+          <a:prstGeom prst="rect">
+            <a:avLst/>
+          </a:prstGeom>
+          <a:noFill/>
+          <a:ln>
+            <a:noFill/>
+          </a:ln>
+        </p:spPr>
+        <p:txBody>
+          <a:bodyPr wrap="none" rtlCol="0">
+            <a:spAutoFit/>
+          </a:bodyPr>
+          <a:lstStyle>
+            <a:defPPr>
+              <a:defRPr lang="zh-TW"/>
+            </a:defPPr>
+            <a:lvl1pPr>
+              <a:defRPr sz="4800">
+                <a:solidFill>
+                  <a:schemeClr val="bg1"/>
+                </a:solidFill>
+                <a:latin typeface="ADLaM Display" panose="02010000000000000000" pitchFamily="2" charset="0"/>
+                <a:ea typeface="ADLaM Display" panose="02010000000000000000" pitchFamily="2" charset="0"/>
+                <a:cs typeface="ADLaM Display" panose="02010000000000000000" pitchFamily="2" charset="0"/>
+              </a:defRPr>
+            </a:lvl1pPr>
+          </a:lstStyle>
+          <a:p>
+            <a:r>
+              <a:rPr lang="en-US" altLang="zh-TW" sz="4000">
+                <a:latin typeface="HGPSoeiKakupoptai" panose="040B0A00000000000000" pitchFamily="82" charset="-128"/>
+                <a:ea typeface="HGPSoeiKakupoptai" panose="040B0A00000000000000" pitchFamily="82" charset="-128"/>
+              </a:rPr>
+              <a:t>Task Queue</a:t>
+            </a:r>
+            <a:endParaRPr lang="zh-TW" altLang="en-US" sz="4000" dirty="0">
+              <a:latin typeface="HGPSoeiKakupoptai" panose="040B0A00000000000000" pitchFamily="82" charset="-128"/>
+              <a:ea typeface="HGPSoeiKakupoptai" panose="040B0A00000000000000" pitchFamily="82" charset="-128"/>
+            </a:endParaRPr>
+          </a:p>
+        </p:txBody>
+      </p:sp>
+    </p:spTree>
+    <p:extLst>
+      <p:ext uri="{BB962C8B-B14F-4D97-AF65-F5344CB8AC3E}">
+        <p14:creationId xmlns:p14="http://schemas.microsoft.com/office/powerpoint/2010/main" val="1867200880"/>
+      </p:ext>
+    </p:extLst>
+  </p:cSld>
+  <p:clrMapOvr>
+    <a:masterClrMapping/>
+  </p:clrMapOvr>
+</p:sld>
+</file>
+
+<file path=ppt/slides/slide14.xml><?xml version="1.0" encoding="utf-8"?>
+<p:sld xmlns:a="http://schemas.openxmlformats.org/drawingml/2006/main" xmlns:r="http://schemas.openxmlformats.org/officeDocument/2006/relationships" xmlns:p="http://schemas.openxmlformats.org/presentationml/2006/main">
+  <p:cSld>
+    <p:bg>
+      <p:bgPr>
+        <a:solidFill>
+          <a:schemeClr val="tx1"/>
+        </a:solidFill>
+        <a:effectLst/>
+      </p:bgPr>
+    </p:bg>
+    <p:spTree>
+      <p:nvGrpSpPr>
+        <p:cNvPr id="1" name=""/>
+        <p:cNvGrpSpPr/>
+        <p:nvPr/>
+      </p:nvGrpSpPr>
+      <p:grpSpPr>
+        <a:xfrm>
+          <a:off x="0" y="0"/>
+          <a:ext cx="0" cy="0"/>
+          <a:chOff x="0" y="0"/>
+          <a:chExt cx="0" cy="0"/>
+        </a:xfrm>
+      </p:grpSpPr>
+      <p:grpSp>
+        <p:nvGrpSpPr>
+          <p:cNvPr id="28" name="群組 27">
+            <a:extLst>
+              <a:ext uri="{FF2B5EF4-FFF2-40B4-BE49-F238E27FC236}">
+                <a16:creationId xmlns:a16="http://schemas.microsoft.com/office/drawing/2014/main" id="{4037ADCE-A775-44E4-BE80-8718A99C0623}"/>
+              </a:ext>
+            </a:extLst>
+          </p:cNvPr>
+          <p:cNvGrpSpPr/>
+          <p:nvPr/>
+        </p:nvGrpSpPr>
+        <p:grpSpPr>
+          <a:xfrm>
+            <a:off x="106784" y="189000"/>
+            <a:ext cx="3473714" cy="6480000"/>
+            <a:chOff x="106784" y="189000"/>
+            <a:chExt cx="3473714" cy="6480000"/>
+          </a:xfrm>
+        </p:grpSpPr>
+        <p:grpSp>
+          <p:nvGrpSpPr>
+            <p:cNvPr id="31" name="群組 30">
+              <a:extLst>
+                <a:ext uri="{FF2B5EF4-FFF2-40B4-BE49-F238E27FC236}">
+                  <a16:creationId xmlns:a16="http://schemas.microsoft.com/office/drawing/2014/main" id="{9763B9B6-39EF-3E59-5F2B-7087FE53E92E}"/>
+                </a:ext>
+              </a:extLst>
+            </p:cNvPr>
+            <p:cNvGrpSpPr/>
+            <p:nvPr/>
+          </p:nvGrpSpPr>
+          <p:grpSpPr>
+            <a:xfrm>
+              <a:off x="106784" y="189000"/>
+              <a:ext cx="3473714" cy="6480000"/>
+              <a:chOff x="752732" y="1282"/>
+              <a:chExt cx="4266529" cy="6856718"/>
+            </a:xfrm>
+          </p:grpSpPr>
+          <p:pic>
+            <p:nvPicPr>
+              <p:cNvPr id="35" name="Picture 4" descr="What Is JavaScript Used For?">
+                <a:extLst>
+                  <a:ext uri="{FF2B5EF4-FFF2-40B4-BE49-F238E27FC236}">
+                    <a16:creationId xmlns:a16="http://schemas.microsoft.com/office/drawing/2014/main" id="{53A9E0D8-F22F-E928-928D-7EE1B9292AE8}"/>
+                  </a:ext>
+                </a:extLst>
+              </p:cNvPr>
+              <p:cNvPicPr>
+                <a:picLocks noChangeAspect="1" noChangeArrowheads="1"/>
+              </p:cNvPicPr>
+              <p:nvPr/>
+            </p:nvPicPr>
+            <p:blipFill rotWithShape="1">
+              <a:blip r:embed="rId2">
+                <a:alphaModFix amt="85000"/>
+                <a:extLst>
+                  <a:ext uri="{28A0092B-C50C-407E-A947-70E740481C1C}">
+                    <a14:useLocalDpi xmlns:a14="http://schemas.microsoft.com/office/drawing/2010/main" val="0"/>
+                  </a:ext>
+                </a:extLst>
+              </a:blip>
+              <a:srcRect l="6173" t="-2" r="61849" b="20"/>
+              <a:stretch/>
+            </p:blipFill>
+            <p:spPr bwMode="auto">
+              <a:xfrm>
+                <a:off x="752732" y="1282"/>
+                <a:ext cx="3898781" cy="6856718"/>
+              </a:xfrm>
+              <a:prstGeom prst="rect">
+                <a:avLst/>
+              </a:prstGeom>
+              <a:noFill/>
+              <a:extLst>
+                <a:ext uri="{909E8E84-426E-40DD-AFC4-6F175D3DCCD1}">
+                  <a14:hiddenFill xmlns:a14="http://schemas.microsoft.com/office/drawing/2010/main">
+                    <a:solidFill>
+                      <a:srgbClr val="FFFFFF"/>
+                    </a:solidFill>
+                  </a14:hiddenFill>
+                </a:ext>
+              </a:extLst>
+            </p:spPr>
+          </p:pic>
+          <p:sp>
+            <p:nvSpPr>
+              <p:cNvPr id="36" name="矩形 35">
+                <a:extLst>
+                  <a:ext uri="{FF2B5EF4-FFF2-40B4-BE49-F238E27FC236}">
+                    <a16:creationId xmlns:a16="http://schemas.microsoft.com/office/drawing/2014/main" id="{D8F9FE86-688D-6533-26C6-95B79E733541}"/>
+                  </a:ext>
+                </a:extLst>
+              </p:cNvPr>
+              <p:cNvSpPr/>
+              <p:nvPr/>
+            </p:nvSpPr>
+            <p:spPr>
+              <a:xfrm>
+                <a:off x="3667539" y="2166730"/>
+                <a:ext cx="1351722" cy="1938131"/>
+              </a:xfrm>
+              <a:prstGeom prst="rect">
+                <a:avLst/>
+              </a:prstGeom>
+              <a:solidFill>
+                <a:srgbClr val="000000"/>
+              </a:solidFill>
+              <a:ln>
+                <a:noFill/>
+              </a:ln>
+            </p:spPr>
+            <p:style>
+              <a:lnRef idx="2">
+                <a:schemeClr val="accent1">
+                  <a:shade val="15000"/>
+                </a:schemeClr>
+              </a:lnRef>
+              <a:fillRef idx="1">
+                <a:schemeClr val="accent1"/>
+              </a:fillRef>
+              <a:effectRef idx="0">
+                <a:schemeClr val="accent1"/>
+              </a:effectRef>
+              <a:fontRef idx="minor">
+                <a:schemeClr val="lt1"/>
+              </a:fontRef>
+            </p:style>
+            <p:txBody>
+              <a:bodyPr rtlCol="0" anchor="ctr"/>
+              <a:lstStyle/>
+              <a:p>
+                <a:pPr algn="ctr"/>
+                <a:endParaRPr lang="zh-TW" altLang="en-US">
+                  <a:latin typeface="HGPSoeiKakupoptai" panose="040B0A00000000000000" pitchFamily="82" charset="-128"/>
+                  <a:ea typeface="HGPSoeiKakupoptai" panose="040B0A00000000000000" pitchFamily="82" charset="-128"/>
+                </a:endParaRPr>
+              </a:p>
+            </p:txBody>
+          </p:sp>
+        </p:grpSp>
+        <p:grpSp>
+          <p:nvGrpSpPr>
+            <p:cNvPr id="32" name="群組 31">
+              <a:extLst>
+                <a:ext uri="{FF2B5EF4-FFF2-40B4-BE49-F238E27FC236}">
+                  <a16:creationId xmlns:a16="http://schemas.microsoft.com/office/drawing/2014/main" id="{F50D76C6-F98B-006C-E4BB-5567A42DE2D5}"/>
+                </a:ext>
+              </a:extLst>
+            </p:cNvPr>
+            <p:cNvGrpSpPr/>
+            <p:nvPr/>
+          </p:nvGrpSpPr>
+          <p:grpSpPr>
+            <a:xfrm>
+              <a:off x="288060" y="2050479"/>
+              <a:ext cx="1779715" cy="2008572"/>
+              <a:chOff x="3583192" y="-1044343"/>
+              <a:chExt cx="1827083" cy="2052385"/>
+            </a:xfrm>
+            <a:solidFill>
+              <a:srgbClr val="D2BE14"/>
+            </a:solidFill>
+          </p:grpSpPr>
+          <p:sp>
+            <p:nvSpPr>
+              <p:cNvPr id="33" name="矩形 32">
+                <a:extLst>
+                  <a:ext uri="{FF2B5EF4-FFF2-40B4-BE49-F238E27FC236}">
+                    <a16:creationId xmlns:a16="http://schemas.microsoft.com/office/drawing/2014/main" id="{AC544CF1-372E-901B-3719-0B3ABE6C480C}"/>
+                  </a:ext>
+                </a:extLst>
+              </p:cNvPr>
+              <p:cNvSpPr/>
+              <p:nvPr/>
+            </p:nvSpPr>
+            <p:spPr>
+              <a:xfrm>
+                <a:off x="3583192" y="-1044343"/>
+                <a:ext cx="1826757" cy="2052000"/>
+              </a:xfrm>
+              <a:prstGeom prst="rect">
+                <a:avLst/>
+              </a:prstGeom>
+              <a:grpFill/>
+              <a:ln>
+                <a:noFill/>
+              </a:ln>
+            </p:spPr>
+            <p:style>
+              <a:lnRef idx="2">
+                <a:schemeClr val="accent1">
+                  <a:shade val="15000"/>
+                </a:schemeClr>
+              </a:lnRef>
+              <a:fillRef idx="1">
+                <a:schemeClr val="accent1"/>
+              </a:fillRef>
+              <a:effectRef idx="0">
+                <a:schemeClr val="accent1"/>
+              </a:effectRef>
+              <a:fontRef idx="minor">
+                <a:schemeClr val="lt1"/>
+              </a:fontRef>
+            </p:style>
+            <p:txBody>
+              <a:bodyPr rtlCol="0" anchor="ctr"/>
+              <a:lstStyle/>
+              <a:p>
+                <a:pPr algn="ctr"/>
+                <a:endParaRPr lang="zh-TW" altLang="en-US" sz="8800" dirty="0">
+                  <a:latin typeface="HGPSoeiKakupoptai" panose="040B0A00000000000000" pitchFamily="82" charset="-128"/>
+                  <a:ea typeface="HGPSoeiKakupoptai" panose="040B0A00000000000000" pitchFamily="82" charset="-128"/>
+                </a:endParaRPr>
+              </a:p>
+            </p:txBody>
+          </p:sp>
+          <p:sp>
+            <p:nvSpPr>
+              <p:cNvPr id="34" name="文字方塊 33">
+                <a:extLst>
+                  <a:ext uri="{FF2B5EF4-FFF2-40B4-BE49-F238E27FC236}">
+                    <a16:creationId xmlns:a16="http://schemas.microsoft.com/office/drawing/2014/main" id="{24849568-39CF-B868-D50F-C78D76123A74}"/>
+                  </a:ext>
+                </a:extLst>
+              </p:cNvPr>
+              <p:cNvSpPr txBox="1"/>
+              <p:nvPr/>
+            </p:nvSpPr>
+            <p:spPr>
+              <a:xfrm>
+                <a:off x="3858566" y="-438508"/>
+                <a:ext cx="1551709" cy="1446550"/>
+              </a:xfrm>
+              <a:prstGeom prst="rect">
+                <a:avLst/>
+              </a:prstGeom>
+              <a:grpFill/>
+            </p:spPr>
+            <p:txBody>
+              <a:bodyPr wrap="square">
+                <a:spAutoFit/>
+              </a:bodyPr>
+              <a:lstStyle/>
+              <a:p>
+                <a:pPr algn="ctr"/>
+                <a:r>
+                  <a:rPr lang="en-US" altLang="zh-TW" sz="8800" dirty="0">
+                    <a:solidFill>
+                      <a:srgbClr val="000200"/>
+                    </a:solidFill>
+                    <a:latin typeface="HGPSoeiKakupoptai" panose="040B0A00000000000000" pitchFamily="82" charset="-128"/>
+                    <a:ea typeface="HGPSoeiKakupoptai" panose="040B0A00000000000000" pitchFamily="82" charset="-128"/>
+                  </a:rPr>
+                  <a:t>JS</a:t>
+                </a:r>
+                <a:endParaRPr lang="zh-TW" altLang="en-US" sz="8800" dirty="0">
+                  <a:solidFill>
+                    <a:srgbClr val="000200"/>
+                  </a:solidFill>
+                  <a:latin typeface="HGPSoeiKakupoptai" panose="040B0A00000000000000" pitchFamily="82" charset="-128"/>
+                  <a:ea typeface="HGPSoeiKakupoptai" panose="040B0A00000000000000" pitchFamily="82" charset="-128"/>
+                </a:endParaRPr>
+              </a:p>
+            </p:txBody>
+          </p:sp>
+        </p:grpSp>
+      </p:grpSp>
     </p:spTree>
     <p:extLst>
       <p:ext uri="{BB962C8B-B14F-4D97-AF65-F5344CB8AC3E}">
@@ -4446,6 +7262,2737 @@
 </file>
 
 <file path=ppt/slides/slide2.xml><?xml version="1.0" encoding="utf-8"?>
+<p:sld xmlns:a="http://schemas.openxmlformats.org/drawingml/2006/main" xmlns:r="http://schemas.openxmlformats.org/officeDocument/2006/relationships" xmlns:p="http://schemas.openxmlformats.org/presentationml/2006/main">
+  <p:cSld>
+    <p:bg>
+      <p:bgPr>
+        <a:solidFill>
+          <a:schemeClr val="tx1"/>
+        </a:solidFill>
+        <a:effectLst/>
+      </p:bgPr>
+    </p:bg>
+    <p:spTree>
+      <p:nvGrpSpPr>
+        <p:cNvPr id="1" name=""/>
+        <p:cNvGrpSpPr/>
+        <p:nvPr/>
+      </p:nvGrpSpPr>
+      <p:grpSpPr>
+        <a:xfrm>
+          <a:off x="0" y="0"/>
+          <a:ext cx="0" cy="0"/>
+          <a:chOff x="0" y="0"/>
+          <a:chExt cx="0" cy="0"/>
+        </a:xfrm>
+      </p:grpSpPr>
+      <p:grpSp>
+        <p:nvGrpSpPr>
+          <p:cNvPr id="28" name="群組 27">
+            <a:extLst>
+              <a:ext uri="{FF2B5EF4-FFF2-40B4-BE49-F238E27FC236}">
+                <a16:creationId xmlns:a16="http://schemas.microsoft.com/office/drawing/2014/main" id="{4037ADCE-A775-44E4-BE80-8718A99C0623}"/>
+              </a:ext>
+            </a:extLst>
+          </p:cNvPr>
+          <p:cNvGrpSpPr/>
+          <p:nvPr/>
+        </p:nvGrpSpPr>
+        <p:grpSpPr>
+          <a:xfrm>
+            <a:off x="106784" y="189000"/>
+            <a:ext cx="3473714" cy="6480000"/>
+            <a:chOff x="106784" y="189000"/>
+            <a:chExt cx="3473714" cy="6480000"/>
+          </a:xfrm>
+        </p:grpSpPr>
+        <p:grpSp>
+          <p:nvGrpSpPr>
+            <p:cNvPr id="31" name="群組 30">
+              <a:extLst>
+                <a:ext uri="{FF2B5EF4-FFF2-40B4-BE49-F238E27FC236}">
+                  <a16:creationId xmlns:a16="http://schemas.microsoft.com/office/drawing/2014/main" id="{9763B9B6-39EF-3E59-5F2B-7087FE53E92E}"/>
+                </a:ext>
+              </a:extLst>
+            </p:cNvPr>
+            <p:cNvGrpSpPr/>
+            <p:nvPr/>
+          </p:nvGrpSpPr>
+          <p:grpSpPr>
+            <a:xfrm>
+              <a:off x="106784" y="189000"/>
+              <a:ext cx="3473714" cy="6480000"/>
+              <a:chOff x="752732" y="1282"/>
+              <a:chExt cx="4266529" cy="6856718"/>
+            </a:xfrm>
+          </p:grpSpPr>
+          <p:pic>
+            <p:nvPicPr>
+              <p:cNvPr id="35" name="Picture 4" descr="What Is JavaScript Used For?">
+                <a:extLst>
+                  <a:ext uri="{FF2B5EF4-FFF2-40B4-BE49-F238E27FC236}">
+                    <a16:creationId xmlns:a16="http://schemas.microsoft.com/office/drawing/2014/main" id="{53A9E0D8-F22F-E928-928D-7EE1B9292AE8}"/>
+                  </a:ext>
+                </a:extLst>
+              </p:cNvPr>
+              <p:cNvPicPr>
+                <a:picLocks noChangeAspect="1" noChangeArrowheads="1"/>
+              </p:cNvPicPr>
+              <p:nvPr/>
+            </p:nvPicPr>
+            <p:blipFill rotWithShape="1">
+              <a:blip r:embed="rId2">
+                <a:alphaModFix amt="85000"/>
+                <a:extLst>
+                  <a:ext uri="{28A0092B-C50C-407E-A947-70E740481C1C}">
+                    <a14:useLocalDpi xmlns:a14="http://schemas.microsoft.com/office/drawing/2010/main" val="0"/>
+                  </a:ext>
+                </a:extLst>
+              </a:blip>
+              <a:srcRect l="6173" t="-2" r="61849" b="20"/>
+              <a:stretch/>
+            </p:blipFill>
+            <p:spPr bwMode="auto">
+              <a:xfrm>
+                <a:off x="752732" y="1282"/>
+                <a:ext cx="3898781" cy="6856718"/>
+              </a:xfrm>
+              <a:prstGeom prst="rect">
+                <a:avLst/>
+              </a:prstGeom>
+              <a:noFill/>
+              <a:extLst>
+                <a:ext uri="{909E8E84-426E-40DD-AFC4-6F175D3DCCD1}">
+                  <a14:hiddenFill xmlns:a14="http://schemas.microsoft.com/office/drawing/2010/main">
+                    <a:solidFill>
+                      <a:srgbClr val="FFFFFF"/>
+                    </a:solidFill>
+                  </a14:hiddenFill>
+                </a:ext>
+              </a:extLst>
+            </p:spPr>
+          </p:pic>
+          <p:sp>
+            <p:nvSpPr>
+              <p:cNvPr id="36" name="矩形 35">
+                <a:extLst>
+                  <a:ext uri="{FF2B5EF4-FFF2-40B4-BE49-F238E27FC236}">
+                    <a16:creationId xmlns:a16="http://schemas.microsoft.com/office/drawing/2014/main" id="{D8F9FE86-688D-6533-26C6-95B79E733541}"/>
+                  </a:ext>
+                </a:extLst>
+              </p:cNvPr>
+              <p:cNvSpPr/>
+              <p:nvPr/>
+            </p:nvSpPr>
+            <p:spPr>
+              <a:xfrm>
+                <a:off x="3667539" y="2166730"/>
+                <a:ext cx="1351722" cy="1938131"/>
+              </a:xfrm>
+              <a:prstGeom prst="rect">
+                <a:avLst/>
+              </a:prstGeom>
+              <a:solidFill>
+                <a:srgbClr val="000000"/>
+              </a:solidFill>
+              <a:ln>
+                <a:noFill/>
+              </a:ln>
+            </p:spPr>
+            <p:style>
+              <a:lnRef idx="2">
+                <a:schemeClr val="accent1">
+                  <a:shade val="15000"/>
+                </a:schemeClr>
+              </a:lnRef>
+              <a:fillRef idx="1">
+                <a:schemeClr val="accent1"/>
+              </a:fillRef>
+              <a:effectRef idx="0">
+                <a:schemeClr val="accent1"/>
+              </a:effectRef>
+              <a:fontRef idx="minor">
+                <a:schemeClr val="lt1"/>
+              </a:fontRef>
+            </p:style>
+            <p:txBody>
+              <a:bodyPr rtlCol="0" anchor="ctr"/>
+              <a:lstStyle/>
+              <a:p>
+                <a:pPr algn="ctr"/>
+                <a:endParaRPr lang="zh-TW" altLang="en-US">
+                  <a:latin typeface="HGPSoeiKakupoptai" panose="040B0A00000000000000" pitchFamily="82" charset="-128"/>
+                  <a:ea typeface="HGPSoeiKakupoptai" panose="040B0A00000000000000" pitchFamily="82" charset="-128"/>
+                </a:endParaRPr>
+              </a:p>
+            </p:txBody>
+          </p:sp>
+        </p:grpSp>
+        <p:grpSp>
+          <p:nvGrpSpPr>
+            <p:cNvPr id="32" name="群組 31">
+              <a:extLst>
+                <a:ext uri="{FF2B5EF4-FFF2-40B4-BE49-F238E27FC236}">
+                  <a16:creationId xmlns:a16="http://schemas.microsoft.com/office/drawing/2014/main" id="{F50D76C6-F98B-006C-E4BB-5567A42DE2D5}"/>
+                </a:ext>
+              </a:extLst>
+            </p:cNvPr>
+            <p:cNvGrpSpPr/>
+            <p:nvPr/>
+          </p:nvGrpSpPr>
+          <p:grpSpPr>
+            <a:xfrm>
+              <a:off x="288060" y="2050479"/>
+              <a:ext cx="1779715" cy="2008572"/>
+              <a:chOff x="3583192" y="-1044343"/>
+              <a:chExt cx="1827083" cy="2052385"/>
+            </a:xfrm>
+            <a:solidFill>
+              <a:srgbClr val="D2BE14"/>
+            </a:solidFill>
+          </p:grpSpPr>
+          <p:sp>
+            <p:nvSpPr>
+              <p:cNvPr id="33" name="矩形 32">
+                <a:extLst>
+                  <a:ext uri="{FF2B5EF4-FFF2-40B4-BE49-F238E27FC236}">
+                    <a16:creationId xmlns:a16="http://schemas.microsoft.com/office/drawing/2014/main" id="{AC544CF1-372E-901B-3719-0B3ABE6C480C}"/>
+                  </a:ext>
+                </a:extLst>
+              </p:cNvPr>
+              <p:cNvSpPr/>
+              <p:nvPr/>
+            </p:nvSpPr>
+            <p:spPr>
+              <a:xfrm>
+                <a:off x="3583192" y="-1044343"/>
+                <a:ext cx="1826757" cy="2052000"/>
+              </a:xfrm>
+              <a:prstGeom prst="rect">
+                <a:avLst/>
+              </a:prstGeom>
+              <a:grpFill/>
+              <a:ln>
+                <a:noFill/>
+              </a:ln>
+            </p:spPr>
+            <p:style>
+              <a:lnRef idx="2">
+                <a:schemeClr val="accent1">
+                  <a:shade val="15000"/>
+                </a:schemeClr>
+              </a:lnRef>
+              <a:fillRef idx="1">
+                <a:schemeClr val="accent1"/>
+              </a:fillRef>
+              <a:effectRef idx="0">
+                <a:schemeClr val="accent1"/>
+              </a:effectRef>
+              <a:fontRef idx="minor">
+                <a:schemeClr val="lt1"/>
+              </a:fontRef>
+            </p:style>
+            <p:txBody>
+              <a:bodyPr rtlCol="0" anchor="ctr"/>
+              <a:lstStyle/>
+              <a:p>
+                <a:pPr algn="ctr"/>
+                <a:endParaRPr lang="zh-TW" altLang="en-US" sz="8800" dirty="0">
+                  <a:latin typeface="HGPSoeiKakupoptai" panose="040B0A00000000000000" pitchFamily="82" charset="-128"/>
+                  <a:ea typeface="HGPSoeiKakupoptai" panose="040B0A00000000000000" pitchFamily="82" charset="-128"/>
+                </a:endParaRPr>
+              </a:p>
+            </p:txBody>
+          </p:sp>
+          <p:sp>
+            <p:nvSpPr>
+              <p:cNvPr id="34" name="文字方塊 33">
+                <a:extLst>
+                  <a:ext uri="{FF2B5EF4-FFF2-40B4-BE49-F238E27FC236}">
+                    <a16:creationId xmlns:a16="http://schemas.microsoft.com/office/drawing/2014/main" id="{24849568-39CF-B868-D50F-C78D76123A74}"/>
+                  </a:ext>
+                </a:extLst>
+              </p:cNvPr>
+              <p:cNvSpPr txBox="1"/>
+              <p:nvPr/>
+            </p:nvSpPr>
+            <p:spPr>
+              <a:xfrm>
+                <a:off x="3858566" y="-438508"/>
+                <a:ext cx="1551709" cy="1446550"/>
+              </a:xfrm>
+              <a:prstGeom prst="rect">
+                <a:avLst/>
+              </a:prstGeom>
+              <a:grpFill/>
+            </p:spPr>
+            <p:txBody>
+              <a:bodyPr wrap="square">
+                <a:spAutoFit/>
+              </a:bodyPr>
+              <a:lstStyle/>
+              <a:p>
+                <a:pPr algn="ctr"/>
+                <a:r>
+                  <a:rPr lang="en-US" altLang="zh-TW" sz="8800" dirty="0">
+                    <a:solidFill>
+                      <a:srgbClr val="000200"/>
+                    </a:solidFill>
+                    <a:latin typeface="HGPSoeiKakupoptai" panose="040B0A00000000000000" pitchFamily="82" charset="-128"/>
+                    <a:ea typeface="HGPSoeiKakupoptai" panose="040B0A00000000000000" pitchFamily="82" charset="-128"/>
+                  </a:rPr>
+                  <a:t>JS</a:t>
+                </a:r>
+                <a:endParaRPr lang="zh-TW" altLang="en-US" sz="8800" dirty="0">
+                  <a:solidFill>
+                    <a:srgbClr val="000200"/>
+                  </a:solidFill>
+                  <a:latin typeface="HGPSoeiKakupoptai" panose="040B0A00000000000000" pitchFamily="82" charset="-128"/>
+                  <a:ea typeface="HGPSoeiKakupoptai" panose="040B0A00000000000000" pitchFamily="82" charset="-128"/>
+                </a:endParaRPr>
+              </a:p>
+            </p:txBody>
+          </p:sp>
+        </p:grpSp>
+      </p:grpSp>
+      <p:sp>
+        <p:nvSpPr>
+          <p:cNvPr id="2" name="文字方塊 1">
+            <a:extLst>
+              <a:ext uri="{FF2B5EF4-FFF2-40B4-BE49-F238E27FC236}">
+                <a16:creationId xmlns:a16="http://schemas.microsoft.com/office/drawing/2014/main" id="{255E5263-1D40-2D6B-99E6-95428D5E92D8}"/>
+              </a:ext>
+            </a:extLst>
+          </p:cNvPr>
+          <p:cNvSpPr txBox="1"/>
+          <p:nvPr/>
+        </p:nvSpPr>
+        <p:spPr>
+          <a:xfrm>
+            <a:off x="111160" y="53700"/>
+            <a:ext cx="6115777" cy="830997"/>
+          </a:xfrm>
+          <a:prstGeom prst="rect">
+            <a:avLst/>
+          </a:prstGeom>
+          <a:solidFill>
+            <a:schemeClr val="tx1"/>
+          </a:solidFill>
+        </p:spPr>
+        <p:txBody>
+          <a:bodyPr wrap="none" rtlCol="0">
+            <a:spAutoFit/>
+          </a:bodyPr>
+          <a:lstStyle/>
+          <a:p>
+            <a:r>
+              <a:rPr lang="en-US" altLang="zh-TW" sz="4800" dirty="0">
+                <a:solidFill>
+                  <a:schemeClr val="bg1"/>
+                </a:solidFill>
+                <a:latin typeface="HGPSoeiKakupoptai" panose="040B0A00000000000000" pitchFamily="82" charset="-128"/>
+                <a:ea typeface="HGPSoeiKakupoptai" panose="040B0A00000000000000" pitchFamily="82" charset="-128"/>
+                <a:cs typeface="ADLaM Display" panose="02010000000000000000" pitchFamily="2" charset="0"/>
+              </a:rPr>
+              <a:t>JavaScript Variables</a:t>
+            </a:r>
+          </a:p>
+        </p:txBody>
+      </p:sp>
+      <p:cxnSp>
+        <p:nvCxnSpPr>
+          <p:cNvPr id="3" name="直線接點 2">
+            <a:extLst>
+              <a:ext uri="{FF2B5EF4-FFF2-40B4-BE49-F238E27FC236}">
+                <a16:creationId xmlns:a16="http://schemas.microsoft.com/office/drawing/2014/main" id="{1E5DDCB0-4EAA-74EF-76DE-ADA5517C8929}"/>
+              </a:ext>
+            </a:extLst>
+          </p:cNvPr>
+          <p:cNvCxnSpPr>
+            <a:cxnSpLocks/>
+          </p:cNvCxnSpPr>
+          <p:nvPr/>
+        </p:nvCxnSpPr>
+        <p:spPr>
+          <a:xfrm>
+            <a:off x="175095" y="913878"/>
+            <a:ext cx="5920905" cy="0"/>
+          </a:xfrm>
+          <a:prstGeom prst="line">
+            <a:avLst/>
+          </a:prstGeom>
+          <a:ln w="57150">
+            <a:solidFill>
+              <a:schemeClr val="bg1">
+                <a:lumMod val="95000"/>
+              </a:schemeClr>
+            </a:solidFill>
+            <a:headEnd type="none" w="med" len="med"/>
+            <a:tailEnd type="none" w="med" len="med"/>
+          </a:ln>
+        </p:spPr>
+        <p:style>
+          <a:lnRef idx="2">
+            <a:schemeClr val="accent1"/>
+          </a:lnRef>
+          <a:fillRef idx="0">
+            <a:schemeClr val="accent1"/>
+          </a:fillRef>
+          <a:effectRef idx="1">
+            <a:schemeClr val="accent1"/>
+          </a:effectRef>
+          <a:fontRef idx="minor">
+            <a:schemeClr val="tx1"/>
+          </a:fontRef>
+        </p:style>
+      </p:cxnSp>
+      <p:sp>
+        <p:nvSpPr>
+          <p:cNvPr id="6" name="文字方塊 5">
+            <a:extLst>
+              <a:ext uri="{FF2B5EF4-FFF2-40B4-BE49-F238E27FC236}">
+                <a16:creationId xmlns:a16="http://schemas.microsoft.com/office/drawing/2014/main" id="{05B7D367-BAAD-5FF8-93FB-9BA4F14DF6D2}"/>
+              </a:ext>
+            </a:extLst>
+          </p:cNvPr>
+          <p:cNvSpPr txBox="1"/>
+          <p:nvPr/>
+        </p:nvSpPr>
+        <p:spPr>
+          <a:xfrm>
+            <a:off x="2314934" y="1087728"/>
+            <a:ext cx="9770281" cy="1815882"/>
+          </a:xfrm>
+          <a:prstGeom prst="rect">
+            <a:avLst/>
+          </a:prstGeom>
+          <a:noFill/>
+          <a:ln>
+            <a:noFill/>
+          </a:ln>
+        </p:spPr>
+        <p:txBody>
+          <a:bodyPr wrap="square" rtlCol="0">
+            <a:spAutoFit/>
+          </a:bodyPr>
+          <a:lstStyle>
+            <a:defPPr>
+              <a:defRPr lang="zh-TW"/>
+            </a:defPPr>
+            <a:lvl1pPr>
+              <a:defRPr sz="4800">
+                <a:solidFill>
+                  <a:schemeClr val="bg1"/>
+                </a:solidFill>
+                <a:latin typeface="ADLaM Display" panose="02010000000000000000" pitchFamily="2" charset="0"/>
+                <a:ea typeface="ADLaM Display" panose="02010000000000000000" pitchFamily="2" charset="0"/>
+                <a:cs typeface="ADLaM Display" panose="02010000000000000000" pitchFamily="2" charset="0"/>
+              </a:defRPr>
+            </a:lvl1pPr>
+          </a:lstStyle>
+          <a:p>
+            <a:r>
+              <a:rPr lang="en-US" altLang="zh-TW" sz="2800" dirty="0">
+                <a:latin typeface="HGPSoeiKakupoptai" panose="040B0A00000000000000" pitchFamily="82" charset="-128"/>
+                <a:ea typeface="HGPSoeiKakupoptai" panose="040B0A00000000000000" pitchFamily="82" charset="-128"/>
+              </a:rPr>
+              <a:t>Most of the time, a JavaScript application needs to work with information. To store and represent this information in the JavaScript codebase, we use variables. A variable is a container for a value.</a:t>
+            </a:r>
+            <a:endParaRPr lang="zh-TW" altLang="en-US" sz="2800" dirty="0">
+              <a:latin typeface="HGPSoeiKakupoptai" panose="040B0A00000000000000" pitchFamily="82" charset="-128"/>
+              <a:ea typeface="HGPSoeiKakupoptai" panose="040B0A00000000000000" pitchFamily="82" charset="-128"/>
+            </a:endParaRPr>
+          </a:p>
+        </p:txBody>
+      </p:sp>
+    </p:spTree>
+    <p:extLst>
+      <p:ext uri="{BB962C8B-B14F-4D97-AF65-F5344CB8AC3E}">
+        <p14:creationId xmlns:p14="http://schemas.microsoft.com/office/powerpoint/2010/main" val="1988667495"/>
+      </p:ext>
+    </p:extLst>
+  </p:cSld>
+  <p:clrMapOvr>
+    <a:masterClrMapping/>
+  </p:clrMapOvr>
+</p:sld>
+</file>
+
+<file path=ppt/slides/slide3.xml><?xml version="1.0" encoding="utf-8"?>
+<p:sld xmlns:a="http://schemas.openxmlformats.org/drawingml/2006/main" xmlns:r="http://schemas.openxmlformats.org/officeDocument/2006/relationships" xmlns:p="http://schemas.openxmlformats.org/presentationml/2006/main">
+  <p:cSld>
+    <p:bg>
+      <p:bgPr>
+        <a:solidFill>
+          <a:schemeClr val="tx1"/>
+        </a:solidFill>
+        <a:effectLst/>
+      </p:bgPr>
+    </p:bg>
+    <p:spTree>
+      <p:nvGrpSpPr>
+        <p:cNvPr id="1" name=""/>
+        <p:cNvGrpSpPr/>
+        <p:nvPr/>
+      </p:nvGrpSpPr>
+      <p:grpSpPr>
+        <a:xfrm>
+          <a:off x="0" y="0"/>
+          <a:ext cx="0" cy="0"/>
+          <a:chOff x="0" y="0"/>
+          <a:chExt cx="0" cy="0"/>
+        </a:xfrm>
+      </p:grpSpPr>
+      <p:grpSp>
+        <p:nvGrpSpPr>
+          <p:cNvPr id="28" name="群組 27">
+            <a:extLst>
+              <a:ext uri="{FF2B5EF4-FFF2-40B4-BE49-F238E27FC236}">
+                <a16:creationId xmlns:a16="http://schemas.microsoft.com/office/drawing/2014/main" id="{4037ADCE-A775-44E4-BE80-8718A99C0623}"/>
+              </a:ext>
+            </a:extLst>
+          </p:cNvPr>
+          <p:cNvGrpSpPr/>
+          <p:nvPr/>
+        </p:nvGrpSpPr>
+        <p:grpSpPr>
+          <a:xfrm>
+            <a:off x="106784" y="189000"/>
+            <a:ext cx="3473714" cy="6480000"/>
+            <a:chOff x="106784" y="189000"/>
+            <a:chExt cx="3473714" cy="6480000"/>
+          </a:xfrm>
+        </p:grpSpPr>
+        <p:grpSp>
+          <p:nvGrpSpPr>
+            <p:cNvPr id="31" name="群組 30">
+              <a:extLst>
+                <a:ext uri="{FF2B5EF4-FFF2-40B4-BE49-F238E27FC236}">
+                  <a16:creationId xmlns:a16="http://schemas.microsoft.com/office/drawing/2014/main" id="{9763B9B6-39EF-3E59-5F2B-7087FE53E92E}"/>
+                </a:ext>
+              </a:extLst>
+            </p:cNvPr>
+            <p:cNvGrpSpPr/>
+            <p:nvPr/>
+          </p:nvGrpSpPr>
+          <p:grpSpPr>
+            <a:xfrm>
+              <a:off x="106784" y="189000"/>
+              <a:ext cx="3473714" cy="6480000"/>
+              <a:chOff x="752732" y="1282"/>
+              <a:chExt cx="4266529" cy="6856718"/>
+            </a:xfrm>
+          </p:grpSpPr>
+          <p:pic>
+            <p:nvPicPr>
+              <p:cNvPr id="35" name="Picture 4" descr="What Is JavaScript Used For?">
+                <a:extLst>
+                  <a:ext uri="{FF2B5EF4-FFF2-40B4-BE49-F238E27FC236}">
+                    <a16:creationId xmlns:a16="http://schemas.microsoft.com/office/drawing/2014/main" id="{53A9E0D8-F22F-E928-928D-7EE1B9292AE8}"/>
+                  </a:ext>
+                </a:extLst>
+              </p:cNvPr>
+              <p:cNvPicPr>
+                <a:picLocks noChangeAspect="1" noChangeArrowheads="1"/>
+              </p:cNvPicPr>
+              <p:nvPr/>
+            </p:nvPicPr>
+            <p:blipFill rotWithShape="1">
+              <a:blip r:embed="rId2">
+                <a:alphaModFix amt="85000"/>
+                <a:extLst>
+                  <a:ext uri="{28A0092B-C50C-407E-A947-70E740481C1C}">
+                    <a14:useLocalDpi xmlns:a14="http://schemas.microsoft.com/office/drawing/2010/main" val="0"/>
+                  </a:ext>
+                </a:extLst>
+              </a:blip>
+              <a:srcRect l="6173" t="-2" r="61849" b="20"/>
+              <a:stretch/>
+            </p:blipFill>
+            <p:spPr bwMode="auto">
+              <a:xfrm>
+                <a:off x="752732" y="1282"/>
+                <a:ext cx="3898781" cy="6856718"/>
+              </a:xfrm>
+              <a:prstGeom prst="rect">
+                <a:avLst/>
+              </a:prstGeom>
+              <a:noFill/>
+              <a:extLst>
+                <a:ext uri="{909E8E84-426E-40DD-AFC4-6F175D3DCCD1}">
+                  <a14:hiddenFill xmlns:a14="http://schemas.microsoft.com/office/drawing/2010/main">
+                    <a:solidFill>
+                      <a:srgbClr val="FFFFFF"/>
+                    </a:solidFill>
+                  </a14:hiddenFill>
+                </a:ext>
+              </a:extLst>
+            </p:spPr>
+          </p:pic>
+          <p:sp>
+            <p:nvSpPr>
+              <p:cNvPr id="36" name="矩形 35">
+                <a:extLst>
+                  <a:ext uri="{FF2B5EF4-FFF2-40B4-BE49-F238E27FC236}">
+                    <a16:creationId xmlns:a16="http://schemas.microsoft.com/office/drawing/2014/main" id="{D8F9FE86-688D-6533-26C6-95B79E733541}"/>
+                  </a:ext>
+                </a:extLst>
+              </p:cNvPr>
+              <p:cNvSpPr/>
+              <p:nvPr/>
+            </p:nvSpPr>
+            <p:spPr>
+              <a:xfrm>
+                <a:off x="3667539" y="2166730"/>
+                <a:ext cx="1351722" cy="1938131"/>
+              </a:xfrm>
+              <a:prstGeom prst="rect">
+                <a:avLst/>
+              </a:prstGeom>
+              <a:solidFill>
+                <a:srgbClr val="000000"/>
+              </a:solidFill>
+              <a:ln>
+                <a:noFill/>
+              </a:ln>
+            </p:spPr>
+            <p:style>
+              <a:lnRef idx="2">
+                <a:schemeClr val="accent1">
+                  <a:shade val="15000"/>
+                </a:schemeClr>
+              </a:lnRef>
+              <a:fillRef idx="1">
+                <a:schemeClr val="accent1"/>
+              </a:fillRef>
+              <a:effectRef idx="0">
+                <a:schemeClr val="accent1"/>
+              </a:effectRef>
+              <a:fontRef idx="minor">
+                <a:schemeClr val="lt1"/>
+              </a:fontRef>
+            </p:style>
+            <p:txBody>
+              <a:bodyPr rtlCol="0" anchor="ctr"/>
+              <a:lstStyle/>
+              <a:p>
+                <a:pPr algn="ctr"/>
+                <a:endParaRPr lang="zh-TW" altLang="en-US">
+                  <a:latin typeface="HGPSoeiKakupoptai" panose="040B0A00000000000000" pitchFamily="82" charset="-128"/>
+                  <a:ea typeface="HGPSoeiKakupoptai" panose="040B0A00000000000000" pitchFamily="82" charset="-128"/>
+                </a:endParaRPr>
+              </a:p>
+            </p:txBody>
+          </p:sp>
+        </p:grpSp>
+        <p:grpSp>
+          <p:nvGrpSpPr>
+            <p:cNvPr id="32" name="群組 31">
+              <a:extLst>
+                <a:ext uri="{FF2B5EF4-FFF2-40B4-BE49-F238E27FC236}">
+                  <a16:creationId xmlns:a16="http://schemas.microsoft.com/office/drawing/2014/main" id="{F50D76C6-F98B-006C-E4BB-5567A42DE2D5}"/>
+                </a:ext>
+              </a:extLst>
+            </p:cNvPr>
+            <p:cNvGrpSpPr/>
+            <p:nvPr/>
+          </p:nvGrpSpPr>
+          <p:grpSpPr>
+            <a:xfrm>
+              <a:off x="288060" y="2050479"/>
+              <a:ext cx="1779715" cy="2008572"/>
+              <a:chOff x="3583192" y="-1044343"/>
+              <a:chExt cx="1827083" cy="2052385"/>
+            </a:xfrm>
+            <a:solidFill>
+              <a:srgbClr val="D2BE14"/>
+            </a:solidFill>
+          </p:grpSpPr>
+          <p:sp>
+            <p:nvSpPr>
+              <p:cNvPr id="33" name="矩形 32">
+                <a:extLst>
+                  <a:ext uri="{FF2B5EF4-FFF2-40B4-BE49-F238E27FC236}">
+                    <a16:creationId xmlns:a16="http://schemas.microsoft.com/office/drawing/2014/main" id="{AC544CF1-372E-901B-3719-0B3ABE6C480C}"/>
+                  </a:ext>
+                </a:extLst>
+              </p:cNvPr>
+              <p:cNvSpPr/>
+              <p:nvPr/>
+            </p:nvSpPr>
+            <p:spPr>
+              <a:xfrm>
+                <a:off x="3583192" y="-1044343"/>
+                <a:ext cx="1826757" cy="2052000"/>
+              </a:xfrm>
+              <a:prstGeom prst="rect">
+                <a:avLst/>
+              </a:prstGeom>
+              <a:grpFill/>
+              <a:ln>
+                <a:noFill/>
+              </a:ln>
+            </p:spPr>
+            <p:style>
+              <a:lnRef idx="2">
+                <a:schemeClr val="accent1">
+                  <a:shade val="15000"/>
+                </a:schemeClr>
+              </a:lnRef>
+              <a:fillRef idx="1">
+                <a:schemeClr val="accent1"/>
+              </a:fillRef>
+              <a:effectRef idx="0">
+                <a:schemeClr val="accent1"/>
+              </a:effectRef>
+              <a:fontRef idx="minor">
+                <a:schemeClr val="lt1"/>
+              </a:fontRef>
+            </p:style>
+            <p:txBody>
+              <a:bodyPr rtlCol="0" anchor="ctr"/>
+              <a:lstStyle/>
+              <a:p>
+                <a:pPr algn="ctr"/>
+                <a:endParaRPr lang="zh-TW" altLang="en-US" sz="8800" dirty="0">
+                  <a:latin typeface="HGPSoeiKakupoptai" panose="040B0A00000000000000" pitchFamily="82" charset="-128"/>
+                  <a:ea typeface="HGPSoeiKakupoptai" panose="040B0A00000000000000" pitchFamily="82" charset="-128"/>
+                </a:endParaRPr>
+              </a:p>
+            </p:txBody>
+          </p:sp>
+          <p:sp>
+            <p:nvSpPr>
+              <p:cNvPr id="34" name="文字方塊 33">
+                <a:extLst>
+                  <a:ext uri="{FF2B5EF4-FFF2-40B4-BE49-F238E27FC236}">
+                    <a16:creationId xmlns:a16="http://schemas.microsoft.com/office/drawing/2014/main" id="{24849568-39CF-B868-D50F-C78D76123A74}"/>
+                  </a:ext>
+                </a:extLst>
+              </p:cNvPr>
+              <p:cNvSpPr txBox="1"/>
+              <p:nvPr/>
+            </p:nvSpPr>
+            <p:spPr>
+              <a:xfrm>
+                <a:off x="3858566" y="-438508"/>
+                <a:ext cx="1551709" cy="1446550"/>
+              </a:xfrm>
+              <a:prstGeom prst="rect">
+                <a:avLst/>
+              </a:prstGeom>
+              <a:grpFill/>
+            </p:spPr>
+            <p:txBody>
+              <a:bodyPr wrap="square">
+                <a:spAutoFit/>
+              </a:bodyPr>
+              <a:lstStyle/>
+              <a:p>
+                <a:pPr algn="ctr"/>
+                <a:r>
+                  <a:rPr lang="en-US" altLang="zh-TW" sz="8800" dirty="0">
+                    <a:solidFill>
+                      <a:srgbClr val="000200"/>
+                    </a:solidFill>
+                    <a:latin typeface="HGPSoeiKakupoptai" panose="040B0A00000000000000" pitchFamily="82" charset="-128"/>
+                    <a:ea typeface="HGPSoeiKakupoptai" panose="040B0A00000000000000" pitchFamily="82" charset="-128"/>
+                  </a:rPr>
+                  <a:t>JS</a:t>
+                </a:r>
+                <a:endParaRPr lang="zh-TW" altLang="en-US" sz="8800" dirty="0">
+                  <a:solidFill>
+                    <a:srgbClr val="000200"/>
+                  </a:solidFill>
+                  <a:latin typeface="HGPSoeiKakupoptai" panose="040B0A00000000000000" pitchFamily="82" charset="-128"/>
+                  <a:ea typeface="HGPSoeiKakupoptai" panose="040B0A00000000000000" pitchFamily="82" charset="-128"/>
+                </a:endParaRPr>
+              </a:p>
+            </p:txBody>
+          </p:sp>
+        </p:grpSp>
+      </p:grpSp>
+      <p:sp>
+        <p:nvSpPr>
+          <p:cNvPr id="2" name="文字方塊 1">
+            <a:extLst>
+              <a:ext uri="{FF2B5EF4-FFF2-40B4-BE49-F238E27FC236}">
+                <a16:creationId xmlns:a16="http://schemas.microsoft.com/office/drawing/2014/main" id="{255E5263-1D40-2D6B-99E6-95428D5E92D8}"/>
+              </a:ext>
+            </a:extLst>
+          </p:cNvPr>
+          <p:cNvSpPr txBox="1"/>
+          <p:nvPr/>
+        </p:nvSpPr>
+        <p:spPr>
+          <a:xfrm>
+            <a:off x="111160" y="53700"/>
+            <a:ext cx="8821646" cy="830997"/>
+          </a:xfrm>
+          <a:prstGeom prst="rect">
+            <a:avLst/>
+          </a:prstGeom>
+          <a:solidFill>
+            <a:schemeClr val="tx1"/>
+          </a:solidFill>
+        </p:spPr>
+        <p:txBody>
+          <a:bodyPr wrap="none" rtlCol="0">
+            <a:spAutoFit/>
+          </a:bodyPr>
+          <a:lstStyle/>
+          <a:p>
+            <a:r>
+              <a:rPr lang="en-US" altLang="zh-TW" sz="4800" dirty="0">
+                <a:solidFill>
+                  <a:schemeClr val="bg1"/>
+                </a:solidFill>
+                <a:latin typeface="HGPSoeiKakupoptai" panose="040B0A00000000000000" pitchFamily="82" charset="-128"/>
+                <a:ea typeface="HGPSoeiKakupoptai" panose="040B0A00000000000000" pitchFamily="82" charset="-128"/>
+                <a:cs typeface="ADLaM Display" panose="02010000000000000000" pitchFamily="2" charset="0"/>
+              </a:rPr>
+              <a:t>JavaScript Variables Keyword</a:t>
+            </a:r>
+          </a:p>
+        </p:txBody>
+      </p:sp>
+      <p:cxnSp>
+        <p:nvCxnSpPr>
+          <p:cNvPr id="3" name="直線接點 2">
+            <a:extLst>
+              <a:ext uri="{FF2B5EF4-FFF2-40B4-BE49-F238E27FC236}">
+                <a16:creationId xmlns:a16="http://schemas.microsoft.com/office/drawing/2014/main" id="{1E5DDCB0-4EAA-74EF-76DE-ADA5517C8929}"/>
+              </a:ext>
+            </a:extLst>
+          </p:cNvPr>
+          <p:cNvCxnSpPr>
+            <a:cxnSpLocks/>
+          </p:cNvCxnSpPr>
+          <p:nvPr/>
+        </p:nvCxnSpPr>
+        <p:spPr>
+          <a:xfrm>
+            <a:off x="175095" y="913878"/>
+            <a:ext cx="8617923" cy="0"/>
+          </a:xfrm>
+          <a:prstGeom prst="line">
+            <a:avLst/>
+          </a:prstGeom>
+          <a:ln w="57150">
+            <a:solidFill>
+              <a:schemeClr val="bg1">
+                <a:lumMod val="95000"/>
+              </a:schemeClr>
+            </a:solidFill>
+            <a:headEnd type="none" w="med" len="med"/>
+            <a:tailEnd type="none" w="med" len="med"/>
+          </a:ln>
+        </p:spPr>
+        <p:style>
+          <a:lnRef idx="2">
+            <a:schemeClr val="accent1"/>
+          </a:lnRef>
+          <a:fillRef idx="0">
+            <a:schemeClr val="accent1"/>
+          </a:fillRef>
+          <a:effectRef idx="1">
+            <a:schemeClr val="accent1"/>
+          </a:effectRef>
+          <a:fontRef idx="minor">
+            <a:schemeClr val="tx1"/>
+          </a:fontRef>
+        </p:style>
+      </p:cxnSp>
+      <p:sp>
+        <p:nvSpPr>
+          <p:cNvPr id="6" name="文字方塊 5">
+            <a:extLst>
+              <a:ext uri="{FF2B5EF4-FFF2-40B4-BE49-F238E27FC236}">
+                <a16:creationId xmlns:a16="http://schemas.microsoft.com/office/drawing/2014/main" id="{05B7D367-BAAD-5FF8-93FB-9BA4F14DF6D2}"/>
+              </a:ext>
+            </a:extLst>
+          </p:cNvPr>
+          <p:cNvSpPr txBox="1"/>
+          <p:nvPr/>
+        </p:nvSpPr>
+        <p:spPr>
+          <a:xfrm>
+            <a:off x="2409203" y="1324194"/>
+            <a:ext cx="997389" cy="707886"/>
+          </a:xfrm>
+          <a:prstGeom prst="rect">
+            <a:avLst/>
+          </a:prstGeom>
+          <a:noFill/>
+          <a:ln>
+            <a:noFill/>
+          </a:ln>
+        </p:spPr>
+        <p:txBody>
+          <a:bodyPr wrap="none" rtlCol="0">
+            <a:spAutoFit/>
+          </a:bodyPr>
+          <a:lstStyle>
+            <a:defPPr>
+              <a:defRPr lang="zh-TW"/>
+            </a:defPPr>
+            <a:lvl1pPr>
+              <a:defRPr sz="4800">
+                <a:solidFill>
+                  <a:schemeClr val="bg1"/>
+                </a:solidFill>
+                <a:latin typeface="ADLaM Display" panose="02010000000000000000" pitchFamily="2" charset="0"/>
+                <a:ea typeface="ADLaM Display" panose="02010000000000000000" pitchFamily="2" charset="0"/>
+                <a:cs typeface="ADLaM Display" panose="02010000000000000000" pitchFamily="2" charset="0"/>
+              </a:defRPr>
+            </a:lvl1pPr>
+          </a:lstStyle>
+          <a:p>
+            <a:r>
+              <a:rPr lang="en-US" altLang="zh-TW" sz="4000" dirty="0">
+                <a:latin typeface="HGPSoeiKakupoptai" panose="040B0A00000000000000" pitchFamily="82" charset="-128"/>
+                <a:ea typeface="HGPSoeiKakupoptai" panose="040B0A00000000000000" pitchFamily="82" charset="-128"/>
+              </a:rPr>
+              <a:t>var</a:t>
+            </a:r>
+            <a:endParaRPr lang="zh-TW" altLang="en-US" sz="4000" dirty="0">
+              <a:latin typeface="HGPSoeiKakupoptai" panose="040B0A00000000000000" pitchFamily="82" charset="-128"/>
+              <a:ea typeface="HGPSoeiKakupoptai" panose="040B0A00000000000000" pitchFamily="82" charset="-128"/>
+            </a:endParaRPr>
+          </a:p>
+        </p:txBody>
+      </p:sp>
+      <p:sp>
+        <p:nvSpPr>
+          <p:cNvPr id="7" name="文字方塊 6">
+            <a:extLst>
+              <a:ext uri="{FF2B5EF4-FFF2-40B4-BE49-F238E27FC236}">
+                <a16:creationId xmlns:a16="http://schemas.microsoft.com/office/drawing/2014/main" id="{6C5F6358-95DD-79C3-86DA-72793951E2D8}"/>
+              </a:ext>
+            </a:extLst>
+          </p:cNvPr>
+          <p:cNvSpPr txBox="1"/>
+          <p:nvPr/>
+        </p:nvSpPr>
+        <p:spPr>
+          <a:xfrm>
+            <a:off x="2409203" y="2012998"/>
+            <a:ext cx="9782797" cy="307777"/>
+          </a:xfrm>
+          <a:prstGeom prst="rect">
+            <a:avLst/>
+          </a:prstGeom>
+          <a:noFill/>
+          <a:ln>
+            <a:noFill/>
+          </a:ln>
+        </p:spPr>
+        <p:txBody>
+          <a:bodyPr wrap="square" rtlCol="0">
+            <a:spAutoFit/>
+          </a:bodyPr>
+          <a:lstStyle>
+            <a:defPPr>
+              <a:defRPr lang="zh-TW"/>
+            </a:defPPr>
+            <a:lvl1pPr>
+              <a:defRPr sz="4000">
+                <a:solidFill>
+                  <a:schemeClr val="bg1"/>
+                </a:solidFill>
+                <a:latin typeface="HGPSoeiKakupoptai" panose="040B0A00000000000000" pitchFamily="82" charset="-128"/>
+                <a:ea typeface="HGPSoeiKakupoptai" panose="040B0A00000000000000" pitchFamily="82" charset="-128"/>
+                <a:cs typeface="ADLaM Display" panose="02010000000000000000" pitchFamily="2" charset="0"/>
+              </a:defRPr>
+            </a:lvl1pPr>
+          </a:lstStyle>
+          <a:p>
+            <a:r>
+              <a:rPr lang="en-US" altLang="zh-TW" sz="1400">
+                <a:solidFill>
+                  <a:srgbClr val="F7E018"/>
+                </a:solidFill>
+              </a:rPr>
+              <a:t>W</a:t>
+            </a:r>
+            <a:endParaRPr lang="zh-TW" altLang="en-US" sz="1400" dirty="0">
+              <a:solidFill>
+                <a:srgbClr val="F7E018"/>
+              </a:solidFill>
+            </a:endParaRPr>
+          </a:p>
+        </p:txBody>
+      </p:sp>
+      <p:sp>
+        <p:nvSpPr>
+          <p:cNvPr id="9" name="文字方塊 8">
+            <a:extLst>
+              <a:ext uri="{FF2B5EF4-FFF2-40B4-BE49-F238E27FC236}">
+                <a16:creationId xmlns:a16="http://schemas.microsoft.com/office/drawing/2014/main" id="{AB036923-07B8-E27B-6009-BDAD628C208E}"/>
+              </a:ext>
+            </a:extLst>
+          </p:cNvPr>
+          <p:cNvSpPr txBox="1"/>
+          <p:nvPr/>
+        </p:nvSpPr>
+        <p:spPr>
+          <a:xfrm>
+            <a:off x="2409203" y="2301693"/>
+            <a:ext cx="817853" cy="707886"/>
+          </a:xfrm>
+          <a:prstGeom prst="rect">
+            <a:avLst/>
+          </a:prstGeom>
+          <a:noFill/>
+          <a:ln>
+            <a:noFill/>
+          </a:ln>
+        </p:spPr>
+        <p:txBody>
+          <a:bodyPr wrap="none" rtlCol="0">
+            <a:spAutoFit/>
+          </a:bodyPr>
+          <a:lstStyle>
+            <a:defPPr>
+              <a:defRPr lang="zh-TW"/>
+            </a:defPPr>
+            <a:lvl1pPr>
+              <a:defRPr sz="4800">
+                <a:solidFill>
+                  <a:schemeClr val="bg1"/>
+                </a:solidFill>
+                <a:latin typeface="ADLaM Display" panose="02010000000000000000" pitchFamily="2" charset="0"/>
+                <a:ea typeface="ADLaM Display" panose="02010000000000000000" pitchFamily="2" charset="0"/>
+                <a:cs typeface="ADLaM Display" panose="02010000000000000000" pitchFamily="2" charset="0"/>
+              </a:defRPr>
+            </a:lvl1pPr>
+          </a:lstStyle>
+          <a:p>
+            <a:r>
+              <a:rPr lang="en-US" altLang="zh-TW" sz="4000" dirty="0">
+                <a:latin typeface="HGPSoeiKakupoptai" panose="040B0A00000000000000" pitchFamily="82" charset="-128"/>
+                <a:ea typeface="HGPSoeiKakupoptai" panose="040B0A00000000000000" pitchFamily="82" charset="-128"/>
+              </a:rPr>
+              <a:t>let</a:t>
+            </a:r>
+            <a:endParaRPr lang="zh-TW" altLang="en-US" sz="4000" dirty="0">
+              <a:latin typeface="HGPSoeiKakupoptai" panose="040B0A00000000000000" pitchFamily="82" charset="-128"/>
+              <a:ea typeface="HGPSoeiKakupoptai" panose="040B0A00000000000000" pitchFamily="82" charset="-128"/>
+            </a:endParaRPr>
+          </a:p>
+        </p:txBody>
+      </p:sp>
+      <p:sp>
+        <p:nvSpPr>
+          <p:cNvPr id="10" name="文字方塊 9">
+            <a:extLst>
+              <a:ext uri="{FF2B5EF4-FFF2-40B4-BE49-F238E27FC236}">
+                <a16:creationId xmlns:a16="http://schemas.microsoft.com/office/drawing/2014/main" id="{ACF1A90A-6CFC-1C38-D69D-6A23FE871A02}"/>
+              </a:ext>
+            </a:extLst>
+          </p:cNvPr>
+          <p:cNvSpPr txBox="1"/>
+          <p:nvPr/>
+        </p:nvSpPr>
+        <p:spPr>
+          <a:xfrm>
+            <a:off x="2409203" y="2990497"/>
+            <a:ext cx="9782797" cy="307777"/>
+          </a:xfrm>
+          <a:prstGeom prst="rect">
+            <a:avLst/>
+          </a:prstGeom>
+          <a:noFill/>
+          <a:ln>
+            <a:noFill/>
+          </a:ln>
+        </p:spPr>
+        <p:txBody>
+          <a:bodyPr wrap="square" rtlCol="0">
+            <a:spAutoFit/>
+          </a:bodyPr>
+          <a:lstStyle>
+            <a:defPPr>
+              <a:defRPr lang="zh-TW"/>
+            </a:defPPr>
+            <a:lvl1pPr>
+              <a:defRPr sz="4000">
+                <a:solidFill>
+                  <a:schemeClr val="bg1"/>
+                </a:solidFill>
+                <a:latin typeface="HGPSoeiKakupoptai" panose="040B0A00000000000000" pitchFamily="82" charset="-128"/>
+                <a:ea typeface="HGPSoeiKakupoptai" panose="040B0A00000000000000" pitchFamily="82" charset="-128"/>
+                <a:cs typeface="ADLaM Display" panose="02010000000000000000" pitchFamily="2" charset="0"/>
+              </a:defRPr>
+            </a:lvl1pPr>
+          </a:lstStyle>
+          <a:p>
+            <a:r>
+              <a:rPr lang="en-US" altLang="zh-TW" sz="1400">
+                <a:solidFill>
+                  <a:srgbClr val="F7E018"/>
+                </a:solidFill>
+              </a:rPr>
+              <a:t>W</a:t>
+            </a:r>
+            <a:endParaRPr lang="zh-TW" altLang="en-US" sz="1400" dirty="0">
+              <a:solidFill>
+                <a:srgbClr val="F7E018"/>
+              </a:solidFill>
+            </a:endParaRPr>
+          </a:p>
+        </p:txBody>
+      </p:sp>
+      <p:sp>
+        <p:nvSpPr>
+          <p:cNvPr id="11" name="文字方塊 10">
+            <a:extLst>
+              <a:ext uri="{FF2B5EF4-FFF2-40B4-BE49-F238E27FC236}">
+                <a16:creationId xmlns:a16="http://schemas.microsoft.com/office/drawing/2014/main" id="{D885FF6E-D1EB-209A-6287-3A7EDF8A97D9}"/>
+              </a:ext>
+            </a:extLst>
+          </p:cNvPr>
+          <p:cNvSpPr txBox="1"/>
+          <p:nvPr/>
+        </p:nvSpPr>
+        <p:spPr>
+          <a:xfrm>
+            <a:off x="2409203" y="3279192"/>
+            <a:ext cx="1542410" cy="707886"/>
+          </a:xfrm>
+          <a:prstGeom prst="rect">
+            <a:avLst/>
+          </a:prstGeom>
+          <a:noFill/>
+          <a:ln>
+            <a:noFill/>
+          </a:ln>
+        </p:spPr>
+        <p:txBody>
+          <a:bodyPr wrap="none" rtlCol="0">
+            <a:spAutoFit/>
+          </a:bodyPr>
+          <a:lstStyle>
+            <a:defPPr>
+              <a:defRPr lang="zh-TW"/>
+            </a:defPPr>
+            <a:lvl1pPr>
+              <a:defRPr sz="4800">
+                <a:solidFill>
+                  <a:schemeClr val="bg1"/>
+                </a:solidFill>
+                <a:latin typeface="ADLaM Display" panose="02010000000000000000" pitchFamily="2" charset="0"/>
+                <a:ea typeface="ADLaM Display" panose="02010000000000000000" pitchFamily="2" charset="0"/>
+                <a:cs typeface="ADLaM Display" panose="02010000000000000000" pitchFamily="2" charset="0"/>
+              </a:defRPr>
+            </a:lvl1pPr>
+          </a:lstStyle>
+          <a:p>
+            <a:r>
+              <a:rPr lang="en-US" altLang="zh-TW" sz="4000" dirty="0">
+                <a:latin typeface="HGPSoeiKakupoptai" panose="040B0A00000000000000" pitchFamily="82" charset="-128"/>
+                <a:ea typeface="HGPSoeiKakupoptai" panose="040B0A00000000000000" pitchFamily="82" charset="-128"/>
+              </a:rPr>
+              <a:t>const</a:t>
+            </a:r>
+            <a:endParaRPr lang="zh-TW" altLang="en-US" sz="4000" dirty="0">
+              <a:latin typeface="HGPSoeiKakupoptai" panose="040B0A00000000000000" pitchFamily="82" charset="-128"/>
+              <a:ea typeface="HGPSoeiKakupoptai" panose="040B0A00000000000000" pitchFamily="82" charset="-128"/>
+            </a:endParaRPr>
+          </a:p>
+        </p:txBody>
+      </p:sp>
+      <p:sp>
+        <p:nvSpPr>
+          <p:cNvPr id="12" name="文字方塊 11">
+            <a:extLst>
+              <a:ext uri="{FF2B5EF4-FFF2-40B4-BE49-F238E27FC236}">
+                <a16:creationId xmlns:a16="http://schemas.microsoft.com/office/drawing/2014/main" id="{99F9D4CA-60AA-FF64-E80A-71C9C0D360A2}"/>
+              </a:ext>
+            </a:extLst>
+          </p:cNvPr>
+          <p:cNvSpPr txBox="1"/>
+          <p:nvPr/>
+        </p:nvSpPr>
+        <p:spPr>
+          <a:xfrm>
+            <a:off x="2409203" y="3967996"/>
+            <a:ext cx="9782797" cy="307777"/>
+          </a:xfrm>
+          <a:prstGeom prst="rect">
+            <a:avLst/>
+          </a:prstGeom>
+          <a:noFill/>
+          <a:ln>
+            <a:noFill/>
+          </a:ln>
+        </p:spPr>
+        <p:txBody>
+          <a:bodyPr wrap="square" rtlCol="0">
+            <a:spAutoFit/>
+          </a:bodyPr>
+          <a:lstStyle>
+            <a:defPPr>
+              <a:defRPr lang="zh-TW"/>
+            </a:defPPr>
+            <a:lvl1pPr>
+              <a:defRPr sz="4000">
+                <a:solidFill>
+                  <a:schemeClr val="bg1"/>
+                </a:solidFill>
+                <a:latin typeface="HGPSoeiKakupoptai" panose="040B0A00000000000000" pitchFamily="82" charset="-128"/>
+                <a:ea typeface="HGPSoeiKakupoptai" panose="040B0A00000000000000" pitchFamily="82" charset="-128"/>
+                <a:cs typeface="ADLaM Display" panose="02010000000000000000" pitchFamily="2" charset="0"/>
+              </a:defRPr>
+            </a:lvl1pPr>
+          </a:lstStyle>
+          <a:p>
+            <a:r>
+              <a:rPr lang="en-US" altLang="zh-TW" sz="1400">
+                <a:solidFill>
+                  <a:srgbClr val="F7E018"/>
+                </a:solidFill>
+              </a:rPr>
+              <a:t>W</a:t>
+            </a:r>
+            <a:endParaRPr lang="zh-TW" altLang="en-US" sz="1400" dirty="0">
+              <a:solidFill>
+                <a:srgbClr val="F7E018"/>
+              </a:solidFill>
+            </a:endParaRPr>
+          </a:p>
+        </p:txBody>
+      </p:sp>
+    </p:spTree>
+    <p:extLst>
+      <p:ext uri="{BB962C8B-B14F-4D97-AF65-F5344CB8AC3E}">
+        <p14:creationId xmlns:p14="http://schemas.microsoft.com/office/powerpoint/2010/main" val="202580617"/>
+      </p:ext>
+    </p:extLst>
+  </p:cSld>
+  <p:clrMapOvr>
+    <a:masterClrMapping/>
+  </p:clrMapOvr>
+</p:sld>
+</file>
+
+<file path=ppt/slides/slide4.xml><?xml version="1.0" encoding="utf-8"?>
+<p:sld xmlns:a="http://schemas.openxmlformats.org/drawingml/2006/main" xmlns:r="http://schemas.openxmlformats.org/officeDocument/2006/relationships" xmlns:p="http://schemas.openxmlformats.org/presentationml/2006/main">
+  <p:cSld>
+    <p:bg>
+      <p:bgPr>
+        <a:solidFill>
+          <a:schemeClr val="tx1"/>
+        </a:solidFill>
+        <a:effectLst/>
+      </p:bgPr>
+    </p:bg>
+    <p:spTree>
+      <p:nvGrpSpPr>
+        <p:cNvPr id="1" name=""/>
+        <p:cNvGrpSpPr/>
+        <p:nvPr/>
+      </p:nvGrpSpPr>
+      <p:grpSpPr>
+        <a:xfrm>
+          <a:off x="0" y="0"/>
+          <a:ext cx="0" cy="0"/>
+          <a:chOff x="0" y="0"/>
+          <a:chExt cx="0" cy="0"/>
+        </a:xfrm>
+      </p:grpSpPr>
+      <p:grpSp>
+        <p:nvGrpSpPr>
+          <p:cNvPr id="28" name="群組 27">
+            <a:extLst>
+              <a:ext uri="{FF2B5EF4-FFF2-40B4-BE49-F238E27FC236}">
+                <a16:creationId xmlns:a16="http://schemas.microsoft.com/office/drawing/2014/main" id="{4037ADCE-A775-44E4-BE80-8718A99C0623}"/>
+              </a:ext>
+            </a:extLst>
+          </p:cNvPr>
+          <p:cNvGrpSpPr/>
+          <p:nvPr/>
+        </p:nvGrpSpPr>
+        <p:grpSpPr>
+          <a:xfrm>
+            <a:off x="106784" y="189000"/>
+            <a:ext cx="3473714" cy="6480000"/>
+            <a:chOff x="106784" y="189000"/>
+            <a:chExt cx="3473714" cy="6480000"/>
+          </a:xfrm>
+        </p:grpSpPr>
+        <p:grpSp>
+          <p:nvGrpSpPr>
+            <p:cNvPr id="31" name="群組 30">
+              <a:extLst>
+                <a:ext uri="{FF2B5EF4-FFF2-40B4-BE49-F238E27FC236}">
+                  <a16:creationId xmlns:a16="http://schemas.microsoft.com/office/drawing/2014/main" id="{9763B9B6-39EF-3E59-5F2B-7087FE53E92E}"/>
+                </a:ext>
+              </a:extLst>
+            </p:cNvPr>
+            <p:cNvGrpSpPr/>
+            <p:nvPr/>
+          </p:nvGrpSpPr>
+          <p:grpSpPr>
+            <a:xfrm>
+              <a:off x="106784" y="189000"/>
+              <a:ext cx="3473714" cy="6480000"/>
+              <a:chOff x="752732" y="1282"/>
+              <a:chExt cx="4266529" cy="6856718"/>
+            </a:xfrm>
+          </p:grpSpPr>
+          <p:pic>
+            <p:nvPicPr>
+              <p:cNvPr id="35" name="Picture 4" descr="What Is JavaScript Used For?">
+                <a:extLst>
+                  <a:ext uri="{FF2B5EF4-FFF2-40B4-BE49-F238E27FC236}">
+                    <a16:creationId xmlns:a16="http://schemas.microsoft.com/office/drawing/2014/main" id="{53A9E0D8-F22F-E928-928D-7EE1B9292AE8}"/>
+                  </a:ext>
+                </a:extLst>
+              </p:cNvPr>
+              <p:cNvPicPr>
+                <a:picLocks noChangeAspect="1" noChangeArrowheads="1"/>
+              </p:cNvPicPr>
+              <p:nvPr/>
+            </p:nvPicPr>
+            <p:blipFill rotWithShape="1">
+              <a:blip r:embed="rId2">
+                <a:alphaModFix amt="85000"/>
+                <a:extLst>
+                  <a:ext uri="{28A0092B-C50C-407E-A947-70E740481C1C}">
+                    <a14:useLocalDpi xmlns:a14="http://schemas.microsoft.com/office/drawing/2010/main" val="0"/>
+                  </a:ext>
+                </a:extLst>
+              </a:blip>
+              <a:srcRect l="6173" t="-2" r="61849" b="20"/>
+              <a:stretch/>
+            </p:blipFill>
+            <p:spPr bwMode="auto">
+              <a:xfrm>
+                <a:off x="752732" y="1282"/>
+                <a:ext cx="3898781" cy="6856718"/>
+              </a:xfrm>
+              <a:prstGeom prst="rect">
+                <a:avLst/>
+              </a:prstGeom>
+              <a:noFill/>
+              <a:extLst>
+                <a:ext uri="{909E8E84-426E-40DD-AFC4-6F175D3DCCD1}">
+                  <a14:hiddenFill xmlns:a14="http://schemas.microsoft.com/office/drawing/2010/main">
+                    <a:solidFill>
+                      <a:srgbClr val="FFFFFF"/>
+                    </a:solidFill>
+                  </a14:hiddenFill>
+                </a:ext>
+              </a:extLst>
+            </p:spPr>
+          </p:pic>
+          <p:sp>
+            <p:nvSpPr>
+              <p:cNvPr id="36" name="矩形 35">
+                <a:extLst>
+                  <a:ext uri="{FF2B5EF4-FFF2-40B4-BE49-F238E27FC236}">
+                    <a16:creationId xmlns:a16="http://schemas.microsoft.com/office/drawing/2014/main" id="{D8F9FE86-688D-6533-26C6-95B79E733541}"/>
+                  </a:ext>
+                </a:extLst>
+              </p:cNvPr>
+              <p:cNvSpPr/>
+              <p:nvPr/>
+            </p:nvSpPr>
+            <p:spPr>
+              <a:xfrm>
+                <a:off x="3667539" y="2166730"/>
+                <a:ext cx="1351722" cy="1938131"/>
+              </a:xfrm>
+              <a:prstGeom prst="rect">
+                <a:avLst/>
+              </a:prstGeom>
+              <a:solidFill>
+                <a:srgbClr val="000000"/>
+              </a:solidFill>
+              <a:ln>
+                <a:noFill/>
+              </a:ln>
+            </p:spPr>
+            <p:style>
+              <a:lnRef idx="2">
+                <a:schemeClr val="accent1">
+                  <a:shade val="15000"/>
+                </a:schemeClr>
+              </a:lnRef>
+              <a:fillRef idx="1">
+                <a:schemeClr val="accent1"/>
+              </a:fillRef>
+              <a:effectRef idx="0">
+                <a:schemeClr val="accent1"/>
+              </a:effectRef>
+              <a:fontRef idx="minor">
+                <a:schemeClr val="lt1"/>
+              </a:fontRef>
+            </p:style>
+            <p:txBody>
+              <a:bodyPr rtlCol="0" anchor="ctr"/>
+              <a:lstStyle/>
+              <a:p>
+                <a:pPr algn="ctr"/>
+                <a:endParaRPr lang="zh-TW" altLang="en-US">
+                  <a:latin typeface="HGPSoeiKakupoptai" panose="040B0A00000000000000" pitchFamily="82" charset="-128"/>
+                  <a:ea typeface="HGPSoeiKakupoptai" panose="040B0A00000000000000" pitchFamily="82" charset="-128"/>
+                </a:endParaRPr>
+              </a:p>
+            </p:txBody>
+          </p:sp>
+        </p:grpSp>
+        <p:grpSp>
+          <p:nvGrpSpPr>
+            <p:cNvPr id="32" name="群組 31">
+              <a:extLst>
+                <a:ext uri="{FF2B5EF4-FFF2-40B4-BE49-F238E27FC236}">
+                  <a16:creationId xmlns:a16="http://schemas.microsoft.com/office/drawing/2014/main" id="{F50D76C6-F98B-006C-E4BB-5567A42DE2D5}"/>
+                </a:ext>
+              </a:extLst>
+            </p:cNvPr>
+            <p:cNvGrpSpPr/>
+            <p:nvPr/>
+          </p:nvGrpSpPr>
+          <p:grpSpPr>
+            <a:xfrm>
+              <a:off x="288060" y="2050479"/>
+              <a:ext cx="1779715" cy="2008572"/>
+              <a:chOff x="3583192" y="-1044343"/>
+              <a:chExt cx="1827083" cy="2052385"/>
+            </a:xfrm>
+            <a:solidFill>
+              <a:srgbClr val="D2BE14"/>
+            </a:solidFill>
+          </p:grpSpPr>
+          <p:sp>
+            <p:nvSpPr>
+              <p:cNvPr id="33" name="矩形 32">
+                <a:extLst>
+                  <a:ext uri="{FF2B5EF4-FFF2-40B4-BE49-F238E27FC236}">
+                    <a16:creationId xmlns:a16="http://schemas.microsoft.com/office/drawing/2014/main" id="{AC544CF1-372E-901B-3719-0B3ABE6C480C}"/>
+                  </a:ext>
+                </a:extLst>
+              </p:cNvPr>
+              <p:cNvSpPr/>
+              <p:nvPr/>
+            </p:nvSpPr>
+            <p:spPr>
+              <a:xfrm>
+                <a:off x="3583192" y="-1044343"/>
+                <a:ext cx="1826757" cy="2052000"/>
+              </a:xfrm>
+              <a:prstGeom prst="rect">
+                <a:avLst/>
+              </a:prstGeom>
+              <a:grpFill/>
+              <a:ln>
+                <a:noFill/>
+              </a:ln>
+            </p:spPr>
+            <p:style>
+              <a:lnRef idx="2">
+                <a:schemeClr val="accent1">
+                  <a:shade val="15000"/>
+                </a:schemeClr>
+              </a:lnRef>
+              <a:fillRef idx="1">
+                <a:schemeClr val="accent1"/>
+              </a:fillRef>
+              <a:effectRef idx="0">
+                <a:schemeClr val="accent1"/>
+              </a:effectRef>
+              <a:fontRef idx="minor">
+                <a:schemeClr val="lt1"/>
+              </a:fontRef>
+            </p:style>
+            <p:txBody>
+              <a:bodyPr rtlCol="0" anchor="ctr"/>
+              <a:lstStyle/>
+              <a:p>
+                <a:pPr algn="ctr"/>
+                <a:endParaRPr lang="zh-TW" altLang="en-US" sz="8800" dirty="0">
+                  <a:latin typeface="HGPSoeiKakupoptai" panose="040B0A00000000000000" pitchFamily="82" charset="-128"/>
+                  <a:ea typeface="HGPSoeiKakupoptai" panose="040B0A00000000000000" pitchFamily="82" charset="-128"/>
+                </a:endParaRPr>
+              </a:p>
+            </p:txBody>
+          </p:sp>
+          <p:sp>
+            <p:nvSpPr>
+              <p:cNvPr id="34" name="文字方塊 33">
+                <a:extLst>
+                  <a:ext uri="{FF2B5EF4-FFF2-40B4-BE49-F238E27FC236}">
+                    <a16:creationId xmlns:a16="http://schemas.microsoft.com/office/drawing/2014/main" id="{24849568-39CF-B868-D50F-C78D76123A74}"/>
+                  </a:ext>
+                </a:extLst>
+              </p:cNvPr>
+              <p:cNvSpPr txBox="1"/>
+              <p:nvPr/>
+            </p:nvSpPr>
+            <p:spPr>
+              <a:xfrm>
+                <a:off x="3858566" y="-438508"/>
+                <a:ext cx="1551709" cy="1446550"/>
+              </a:xfrm>
+              <a:prstGeom prst="rect">
+                <a:avLst/>
+              </a:prstGeom>
+              <a:grpFill/>
+            </p:spPr>
+            <p:txBody>
+              <a:bodyPr wrap="square">
+                <a:spAutoFit/>
+              </a:bodyPr>
+              <a:lstStyle/>
+              <a:p>
+                <a:pPr algn="ctr"/>
+                <a:r>
+                  <a:rPr lang="en-US" altLang="zh-TW" sz="8800" dirty="0">
+                    <a:solidFill>
+                      <a:srgbClr val="000200"/>
+                    </a:solidFill>
+                    <a:latin typeface="HGPSoeiKakupoptai" panose="040B0A00000000000000" pitchFamily="82" charset="-128"/>
+                    <a:ea typeface="HGPSoeiKakupoptai" panose="040B0A00000000000000" pitchFamily="82" charset="-128"/>
+                  </a:rPr>
+                  <a:t>JS</a:t>
+                </a:r>
+                <a:endParaRPr lang="zh-TW" altLang="en-US" sz="8800" dirty="0">
+                  <a:solidFill>
+                    <a:srgbClr val="000200"/>
+                  </a:solidFill>
+                  <a:latin typeface="HGPSoeiKakupoptai" panose="040B0A00000000000000" pitchFamily="82" charset="-128"/>
+                  <a:ea typeface="HGPSoeiKakupoptai" panose="040B0A00000000000000" pitchFamily="82" charset="-128"/>
+                </a:endParaRPr>
+              </a:p>
+            </p:txBody>
+          </p:sp>
+        </p:grpSp>
+      </p:grpSp>
+      <p:sp>
+        <p:nvSpPr>
+          <p:cNvPr id="2" name="文字方塊 1">
+            <a:extLst>
+              <a:ext uri="{FF2B5EF4-FFF2-40B4-BE49-F238E27FC236}">
+                <a16:creationId xmlns:a16="http://schemas.microsoft.com/office/drawing/2014/main" id="{255E5263-1D40-2D6B-99E6-95428D5E92D8}"/>
+              </a:ext>
+            </a:extLst>
+          </p:cNvPr>
+          <p:cNvSpPr txBox="1"/>
+          <p:nvPr/>
+        </p:nvSpPr>
+        <p:spPr>
+          <a:xfrm>
+            <a:off x="111160" y="53700"/>
+            <a:ext cx="8821646" cy="830997"/>
+          </a:xfrm>
+          <a:prstGeom prst="rect">
+            <a:avLst/>
+          </a:prstGeom>
+          <a:solidFill>
+            <a:schemeClr val="tx1"/>
+          </a:solidFill>
+        </p:spPr>
+        <p:txBody>
+          <a:bodyPr wrap="none" rtlCol="0">
+            <a:spAutoFit/>
+          </a:bodyPr>
+          <a:lstStyle/>
+          <a:p>
+            <a:r>
+              <a:rPr lang="en-US" altLang="zh-TW" sz="4800" dirty="0">
+                <a:solidFill>
+                  <a:schemeClr val="bg1"/>
+                </a:solidFill>
+                <a:latin typeface="HGPSoeiKakupoptai" panose="040B0A00000000000000" pitchFamily="82" charset="-128"/>
+                <a:ea typeface="HGPSoeiKakupoptai" panose="040B0A00000000000000" pitchFamily="82" charset="-128"/>
+                <a:cs typeface="ADLaM Display" panose="02010000000000000000" pitchFamily="2" charset="0"/>
+              </a:rPr>
+              <a:t>JavaScript Variables Keyword</a:t>
+            </a:r>
+          </a:p>
+        </p:txBody>
+      </p:sp>
+      <p:cxnSp>
+        <p:nvCxnSpPr>
+          <p:cNvPr id="3" name="直線接點 2">
+            <a:extLst>
+              <a:ext uri="{FF2B5EF4-FFF2-40B4-BE49-F238E27FC236}">
+                <a16:creationId xmlns:a16="http://schemas.microsoft.com/office/drawing/2014/main" id="{1E5DDCB0-4EAA-74EF-76DE-ADA5517C8929}"/>
+              </a:ext>
+            </a:extLst>
+          </p:cNvPr>
+          <p:cNvCxnSpPr>
+            <a:cxnSpLocks/>
+          </p:cNvCxnSpPr>
+          <p:nvPr/>
+        </p:nvCxnSpPr>
+        <p:spPr>
+          <a:xfrm>
+            <a:off x="175095" y="913878"/>
+            <a:ext cx="8617923" cy="0"/>
+          </a:xfrm>
+          <a:prstGeom prst="line">
+            <a:avLst/>
+          </a:prstGeom>
+          <a:ln w="57150">
+            <a:solidFill>
+              <a:schemeClr val="bg1">
+                <a:lumMod val="95000"/>
+              </a:schemeClr>
+            </a:solidFill>
+            <a:headEnd type="none" w="med" len="med"/>
+            <a:tailEnd type="none" w="med" len="med"/>
+          </a:ln>
+        </p:spPr>
+        <p:style>
+          <a:lnRef idx="2">
+            <a:schemeClr val="accent1"/>
+          </a:lnRef>
+          <a:fillRef idx="0">
+            <a:schemeClr val="accent1"/>
+          </a:fillRef>
+          <a:effectRef idx="1">
+            <a:schemeClr val="accent1"/>
+          </a:effectRef>
+          <a:fontRef idx="minor">
+            <a:schemeClr val="tx1"/>
+          </a:fontRef>
+        </p:style>
+      </p:cxnSp>
+      <p:sp>
+        <p:nvSpPr>
+          <p:cNvPr id="6" name="文字方塊 5">
+            <a:extLst>
+              <a:ext uri="{FF2B5EF4-FFF2-40B4-BE49-F238E27FC236}">
+                <a16:creationId xmlns:a16="http://schemas.microsoft.com/office/drawing/2014/main" id="{05B7D367-BAAD-5FF8-93FB-9BA4F14DF6D2}"/>
+              </a:ext>
+            </a:extLst>
+          </p:cNvPr>
+          <p:cNvSpPr txBox="1"/>
+          <p:nvPr/>
+        </p:nvSpPr>
+        <p:spPr>
+          <a:xfrm>
+            <a:off x="2409203" y="1324194"/>
+            <a:ext cx="997389" cy="707886"/>
+          </a:xfrm>
+          <a:prstGeom prst="rect">
+            <a:avLst/>
+          </a:prstGeom>
+          <a:noFill/>
+          <a:ln>
+            <a:noFill/>
+          </a:ln>
+        </p:spPr>
+        <p:txBody>
+          <a:bodyPr wrap="none" rtlCol="0">
+            <a:spAutoFit/>
+          </a:bodyPr>
+          <a:lstStyle>
+            <a:defPPr>
+              <a:defRPr lang="zh-TW"/>
+            </a:defPPr>
+            <a:lvl1pPr>
+              <a:defRPr sz="4800">
+                <a:solidFill>
+                  <a:schemeClr val="bg1"/>
+                </a:solidFill>
+                <a:latin typeface="ADLaM Display" panose="02010000000000000000" pitchFamily="2" charset="0"/>
+                <a:ea typeface="ADLaM Display" panose="02010000000000000000" pitchFamily="2" charset="0"/>
+                <a:cs typeface="ADLaM Display" panose="02010000000000000000" pitchFamily="2" charset="0"/>
+              </a:defRPr>
+            </a:lvl1pPr>
+          </a:lstStyle>
+          <a:p>
+            <a:r>
+              <a:rPr lang="en-US" altLang="zh-TW" sz="4000" dirty="0">
+                <a:latin typeface="HGPSoeiKakupoptai" panose="040B0A00000000000000" pitchFamily="82" charset="-128"/>
+                <a:ea typeface="HGPSoeiKakupoptai" panose="040B0A00000000000000" pitchFamily="82" charset="-128"/>
+              </a:rPr>
+              <a:t>var</a:t>
+            </a:r>
+            <a:endParaRPr lang="zh-TW" altLang="en-US" sz="4000" dirty="0">
+              <a:latin typeface="HGPSoeiKakupoptai" panose="040B0A00000000000000" pitchFamily="82" charset="-128"/>
+              <a:ea typeface="HGPSoeiKakupoptai" panose="040B0A00000000000000" pitchFamily="82" charset="-128"/>
+            </a:endParaRPr>
+          </a:p>
+        </p:txBody>
+      </p:sp>
+      <p:sp>
+        <p:nvSpPr>
+          <p:cNvPr id="7" name="文字方塊 6">
+            <a:extLst>
+              <a:ext uri="{FF2B5EF4-FFF2-40B4-BE49-F238E27FC236}">
+                <a16:creationId xmlns:a16="http://schemas.microsoft.com/office/drawing/2014/main" id="{6C5F6358-95DD-79C3-86DA-72793951E2D8}"/>
+              </a:ext>
+            </a:extLst>
+          </p:cNvPr>
+          <p:cNvSpPr txBox="1"/>
+          <p:nvPr/>
+        </p:nvSpPr>
+        <p:spPr>
+          <a:xfrm>
+            <a:off x="2409203" y="2012998"/>
+            <a:ext cx="9782797" cy="307777"/>
+          </a:xfrm>
+          <a:prstGeom prst="rect">
+            <a:avLst/>
+          </a:prstGeom>
+          <a:noFill/>
+          <a:ln>
+            <a:noFill/>
+          </a:ln>
+        </p:spPr>
+        <p:txBody>
+          <a:bodyPr wrap="square" rtlCol="0">
+            <a:spAutoFit/>
+          </a:bodyPr>
+          <a:lstStyle>
+            <a:defPPr>
+              <a:defRPr lang="zh-TW"/>
+            </a:defPPr>
+            <a:lvl1pPr>
+              <a:defRPr sz="4000">
+                <a:solidFill>
+                  <a:schemeClr val="bg1"/>
+                </a:solidFill>
+                <a:latin typeface="HGPSoeiKakupoptai" panose="040B0A00000000000000" pitchFamily="82" charset="-128"/>
+                <a:ea typeface="HGPSoeiKakupoptai" panose="040B0A00000000000000" pitchFamily="82" charset="-128"/>
+                <a:cs typeface="ADLaM Display" panose="02010000000000000000" pitchFamily="2" charset="0"/>
+              </a:defRPr>
+            </a:lvl1pPr>
+          </a:lstStyle>
+          <a:p>
+            <a:r>
+              <a:rPr lang="en-US" altLang="zh-TW" sz="1400">
+                <a:solidFill>
+                  <a:srgbClr val="F7E018"/>
+                </a:solidFill>
+              </a:rPr>
+              <a:t>W</a:t>
+            </a:r>
+            <a:endParaRPr lang="zh-TW" altLang="en-US" sz="1400" dirty="0">
+              <a:solidFill>
+                <a:srgbClr val="F7E018"/>
+              </a:solidFill>
+            </a:endParaRPr>
+          </a:p>
+        </p:txBody>
+      </p:sp>
+      <p:sp>
+        <p:nvSpPr>
+          <p:cNvPr id="9" name="文字方塊 8">
+            <a:extLst>
+              <a:ext uri="{FF2B5EF4-FFF2-40B4-BE49-F238E27FC236}">
+                <a16:creationId xmlns:a16="http://schemas.microsoft.com/office/drawing/2014/main" id="{AB036923-07B8-E27B-6009-BDAD628C208E}"/>
+              </a:ext>
+            </a:extLst>
+          </p:cNvPr>
+          <p:cNvSpPr txBox="1"/>
+          <p:nvPr/>
+        </p:nvSpPr>
+        <p:spPr>
+          <a:xfrm>
+            <a:off x="2409203" y="2301693"/>
+            <a:ext cx="817853" cy="707886"/>
+          </a:xfrm>
+          <a:prstGeom prst="rect">
+            <a:avLst/>
+          </a:prstGeom>
+          <a:noFill/>
+          <a:ln>
+            <a:noFill/>
+          </a:ln>
+        </p:spPr>
+        <p:txBody>
+          <a:bodyPr wrap="none" rtlCol="0">
+            <a:spAutoFit/>
+          </a:bodyPr>
+          <a:lstStyle>
+            <a:defPPr>
+              <a:defRPr lang="zh-TW"/>
+            </a:defPPr>
+            <a:lvl1pPr>
+              <a:defRPr sz="4800">
+                <a:solidFill>
+                  <a:schemeClr val="bg1"/>
+                </a:solidFill>
+                <a:latin typeface="ADLaM Display" panose="02010000000000000000" pitchFamily="2" charset="0"/>
+                <a:ea typeface="ADLaM Display" panose="02010000000000000000" pitchFamily="2" charset="0"/>
+                <a:cs typeface="ADLaM Display" panose="02010000000000000000" pitchFamily="2" charset="0"/>
+              </a:defRPr>
+            </a:lvl1pPr>
+          </a:lstStyle>
+          <a:p>
+            <a:r>
+              <a:rPr lang="en-US" altLang="zh-TW" sz="4000" dirty="0">
+                <a:latin typeface="HGPSoeiKakupoptai" panose="040B0A00000000000000" pitchFamily="82" charset="-128"/>
+                <a:ea typeface="HGPSoeiKakupoptai" panose="040B0A00000000000000" pitchFamily="82" charset="-128"/>
+              </a:rPr>
+              <a:t>let</a:t>
+            </a:r>
+            <a:endParaRPr lang="zh-TW" altLang="en-US" sz="4000" dirty="0">
+              <a:latin typeface="HGPSoeiKakupoptai" panose="040B0A00000000000000" pitchFamily="82" charset="-128"/>
+              <a:ea typeface="HGPSoeiKakupoptai" panose="040B0A00000000000000" pitchFamily="82" charset="-128"/>
+            </a:endParaRPr>
+          </a:p>
+        </p:txBody>
+      </p:sp>
+      <p:sp>
+        <p:nvSpPr>
+          <p:cNvPr id="10" name="文字方塊 9">
+            <a:extLst>
+              <a:ext uri="{FF2B5EF4-FFF2-40B4-BE49-F238E27FC236}">
+                <a16:creationId xmlns:a16="http://schemas.microsoft.com/office/drawing/2014/main" id="{ACF1A90A-6CFC-1C38-D69D-6A23FE871A02}"/>
+              </a:ext>
+            </a:extLst>
+          </p:cNvPr>
+          <p:cNvSpPr txBox="1"/>
+          <p:nvPr/>
+        </p:nvSpPr>
+        <p:spPr>
+          <a:xfrm>
+            <a:off x="2409203" y="2990497"/>
+            <a:ext cx="9782797" cy="307777"/>
+          </a:xfrm>
+          <a:prstGeom prst="rect">
+            <a:avLst/>
+          </a:prstGeom>
+          <a:noFill/>
+          <a:ln>
+            <a:noFill/>
+          </a:ln>
+        </p:spPr>
+        <p:txBody>
+          <a:bodyPr wrap="square" rtlCol="0">
+            <a:spAutoFit/>
+          </a:bodyPr>
+          <a:lstStyle>
+            <a:defPPr>
+              <a:defRPr lang="zh-TW"/>
+            </a:defPPr>
+            <a:lvl1pPr>
+              <a:defRPr sz="4000">
+                <a:solidFill>
+                  <a:schemeClr val="bg1"/>
+                </a:solidFill>
+                <a:latin typeface="HGPSoeiKakupoptai" panose="040B0A00000000000000" pitchFamily="82" charset="-128"/>
+                <a:ea typeface="HGPSoeiKakupoptai" panose="040B0A00000000000000" pitchFamily="82" charset="-128"/>
+                <a:cs typeface="ADLaM Display" panose="02010000000000000000" pitchFamily="2" charset="0"/>
+              </a:defRPr>
+            </a:lvl1pPr>
+          </a:lstStyle>
+          <a:p>
+            <a:r>
+              <a:rPr lang="en-US" altLang="zh-TW" sz="1400">
+                <a:solidFill>
+                  <a:srgbClr val="F7E018"/>
+                </a:solidFill>
+              </a:rPr>
+              <a:t>W</a:t>
+            </a:r>
+            <a:endParaRPr lang="zh-TW" altLang="en-US" sz="1400" dirty="0">
+              <a:solidFill>
+                <a:srgbClr val="F7E018"/>
+              </a:solidFill>
+            </a:endParaRPr>
+          </a:p>
+        </p:txBody>
+      </p:sp>
+      <p:sp>
+        <p:nvSpPr>
+          <p:cNvPr id="11" name="文字方塊 10">
+            <a:extLst>
+              <a:ext uri="{FF2B5EF4-FFF2-40B4-BE49-F238E27FC236}">
+                <a16:creationId xmlns:a16="http://schemas.microsoft.com/office/drawing/2014/main" id="{D885FF6E-D1EB-209A-6287-3A7EDF8A97D9}"/>
+              </a:ext>
+            </a:extLst>
+          </p:cNvPr>
+          <p:cNvSpPr txBox="1"/>
+          <p:nvPr/>
+        </p:nvSpPr>
+        <p:spPr>
+          <a:xfrm>
+            <a:off x="2409203" y="3279192"/>
+            <a:ext cx="1542410" cy="707886"/>
+          </a:xfrm>
+          <a:prstGeom prst="rect">
+            <a:avLst/>
+          </a:prstGeom>
+          <a:noFill/>
+          <a:ln>
+            <a:noFill/>
+          </a:ln>
+        </p:spPr>
+        <p:txBody>
+          <a:bodyPr wrap="none" rtlCol="0">
+            <a:spAutoFit/>
+          </a:bodyPr>
+          <a:lstStyle>
+            <a:defPPr>
+              <a:defRPr lang="zh-TW"/>
+            </a:defPPr>
+            <a:lvl1pPr>
+              <a:defRPr sz="4800">
+                <a:solidFill>
+                  <a:schemeClr val="bg1"/>
+                </a:solidFill>
+                <a:latin typeface="ADLaM Display" panose="02010000000000000000" pitchFamily="2" charset="0"/>
+                <a:ea typeface="ADLaM Display" panose="02010000000000000000" pitchFamily="2" charset="0"/>
+                <a:cs typeface="ADLaM Display" panose="02010000000000000000" pitchFamily="2" charset="0"/>
+              </a:defRPr>
+            </a:lvl1pPr>
+          </a:lstStyle>
+          <a:p>
+            <a:r>
+              <a:rPr lang="en-US" altLang="zh-TW" sz="4000" dirty="0">
+                <a:latin typeface="HGPSoeiKakupoptai" panose="040B0A00000000000000" pitchFamily="82" charset="-128"/>
+                <a:ea typeface="HGPSoeiKakupoptai" panose="040B0A00000000000000" pitchFamily="82" charset="-128"/>
+              </a:rPr>
+              <a:t>const</a:t>
+            </a:r>
+            <a:endParaRPr lang="zh-TW" altLang="en-US" sz="4000" dirty="0">
+              <a:latin typeface="HGPSoeiKakupoptai" panose="040B0A00000000000000" pitchFamily="82" charset="-128"/>
+              <a:ea typeface="HGPSoeiKakupoptai" panose="040B0A00000000000000" pitchFamily="82" charset="-128"/>
+            </a:endParaRPr>
+          </a:p>
+        </p:txBody>
+      </p:sp>
+      <p:sp>
+        <p:nvSpPr>
+          <p:cNvPr id="12" name="文字方塊 11">
+            <a:extLst>
+              <a:ext uri="{FF2B5EF4-FFF2-40B4-BE49-F238E27FC236}">
+                <a16:creationId xmlns:a16="http://schemas.microsoft.com/office/drawing/2014/main" id="{99F9D4CA-60AA-FF64-E80A-71C9C0D360A2}"/>
+              </a:ext>
+            </a:extLst>
+          </p:cNvPr>
+          <p:cNvSpPr txBox="1"/>
+          <p:nvPr/>
+        </p:nvSpPr>
+        <p:spPr>
+          <a:xfrm>
+            <a:off x="2409203" y="3967996"/>
+            <a:ext cx="9782797" cy="307777"/>
+          </a:xfrm>
+          <a:prstGeom prst="rect">
+            <a:avLst/>
+          </a:prstGeom>
+          <a:noFill/>
+          <a:ln>
+            <a:noFill/>
+          </a:ln>
+        </p:spPr>
+        <p:txBody>
+          <a:bodyPr wrap="square" rtlCol="0">
+            <a:spAutoFit/>
+          </a:bodyPr>
+          <a:lstStyle>
+            <a:defPPr>
+              <a:defRPr lang="zh-TW"/>
+            </a:defPPr>
+            <a:lvl1pPr>
+              <a:defRPr sz="4000">
+                <a:solidFill>
+                  <a:schemeClr val="bg1"/>
+                </a:solidFill>
+                <a:latin typeface="HGPSoeiKakupoptai" panose="040B0A00000000000000" pitchFamily="82" charset="-128"/>
+                <a:ea typeface="HGPSoeiKakupoptai" panose="040B0A00000000000000" pitchFamily="82" charset="-128"/>
+                <a:cs typeface="ADLaM Display" panose="02010000000000000000" pitchFamily="2" charset="0"/>
+              </a:defRPr>
+            </a:lvl1pPr>
+          </a:lstStyle>
+          <a:p>
+            <a:r>
+              <a:rPr lang="en-US" altLang="zh-TW" sz="1400">
+                <a:solidFill>
+                  <a:srgbClr val="F7E018"/>
+                </a:solidFill>
+              </a:rPr>
+              <a:t>W</a:t>
+            </a:r>
+            <a:endParaRPr lang="zh-TW" altLang="en-US" sz="1400" dirty="0">
+              <a:solidFill>
+                <a:srgbClr val="F7E018"/>
+              </a:solidFill>
+            </a:endParaRPr>
+          </a:p>
+        </p:txBody>
+      </p:sp>
+    </p:spTree>
+    <p:extLst>
+      <p:ext uri="{BB962C8B-B14F-4D97-AF65-F5344CB8AC3E}">
+        <p14:creationId xmlns:p14="http://schemas.microsoft.com/office/powerpoint/2010/main" val="1809973126"/>
+      </p:ext>
+    </p:extLst>
+  </p:cSld>
+  <p:clrMapOvr>
+    <a:masterClrMapping/>
+  </p:clrMapOvr>
+</p:sld>
+</file>
+
+<file path=ppt/slides/slide5.xml><?xml version="1.0" encoding="utf-8"?>
+<p:sld xmlns:a="http://schemas.openxmlformats.org/drawingml/2006/main" xmlns:r="http://schemas.openxmlformats.org/officeDocument/2006/relationships" xmlns:p="http://schemas.openxmlformats.org/presentationml/2006/main">
+  <p:cSld>
+    <p:bg>
+      <p:bgPr>
+        <a:solidFill>
+          <a:schemeClr val="tx1"/>
+        </a:solidFill>
+        <a:effectLst/>
+      </p:bgPr>
+    </p:bg>
+    <p:spTree>
+      <p:nvGrpSpPr>
+        <p:cNvPr id="1" name=""/>
+        <p:cNvGrpSpPr/>
+        <p:nvPr/>
+      </p:nvGrpSpPr>
+      <p:grpSpPr>
+        <a:xfrm>
+          <a:off x="0" y="0"/>
+          <a:ext cx="0" cy="0"/>
+          <a:chOff x="0" y="0"/>
+          <a:chExt cx="0" cy="0"/>
+        </a:xfrm>
+      </p:grpSpPr>
+      <p:grpSp>
+        <p:nvGrpSpPr>
+          <p:cNvPr id="28" name="群組 27">
+            <a:extLst>
+              <a:ext uri="{FF2B5EF4-FFF2-40B4-BE49-F238E27FC236}">
+                <a16:creationId xmlns:a16="http://schemas.microsoft.com/office/drawing/2014/main" id="{4037ADCE-A775-44E4-BE80-8718A99C0623}"/>
+              </a:ext>
+            </a:extLst>
+          </p:cNvPr>
+          <p:cNvGrpSpPr/>
+          <p:nvPr/>
+        </p:nvGrpSpPr>
+        <p:grpSpPr>
+          <a:xfrm>
+            <a:off x="106784" y="189000"/>
+            <a:ext cx="3473714" cy="6480000"/>
+            <a:chOff x="106784" y="189000"/>
+            <a:chExt cx="3473714" cy="6480000"/>
+          </a:xfrm>
+        </p:grpSpPr>
+        <p:grpSp>
+          <p:nvGrpSpPr>
+            <p:cNvPr id="31" name="群組 30">
+              <a:extLst>
+                <a:ext uri="{FF2B5EF4-FFF2-40B4-BE49-F238E27FC236}">
+                  <a16:creationId xmlns:a16="http://schemas.microsoft.com/office/drawing/2014/main" id="{9763B9B6-39EF-3E59-5F2B-7087FE53E92E}"/>
+                </a:ext>
+              </a:extLst>
+            </p:cNvPr>
+            <p:cNvGrpSpPr/>
+            <p:nvPr/>
+          </p:nvGrpSpPr>
+          <p:grpSpPr>
+            <a:xfrm>
+              <a:off x="106784" y="189000"/>
+              <a:ext cx="3473714" cy="6480000"/>
+              <a:chOff x="752732" y="1282"/>
+              <a:chExt cx="4266529" cy="6856718"/>
+            </a:xfrm>
+          </p:grpSpPr>
+          <p:pic>
+            <p:nvPicPr>
+              <p:cNvPr id="35" name="Picture 4" descr="What Is JavaScript Used For?">
+                <a:extLst>
+                  <a:ext uri="{FF2B5EF4-FFF2-40B4-BE49-F238E27FC236}">
+                    <a16:creationId xmlns:a16="http://schemas.microsoft.com/office/drawing/2014/main" id="{53A9E0D8-F22F-E928-928D-7EE1B9292AE8}"/>
+                  </a:ext>
+                </a:extLst>
+              </p:cNvPr>
+              <p:cNvPicPr>
+                <a:picLocks noChangeAspect="1" noChangeArrowheads="1"/>
+              </p:cNvPicPr>
+              <p:nvPr/>
+            </p:nvPicPr>
+            <p:blipFill rotWithShape="1">
+              <a:blip r:embed="rId2">
+                <a:alphaModFix amt="85000"/>
+                <a:extLst>
+                  <a:ext uri="{28A0092B-C50C-407E-A947-70E740481C1C}">
+                    <a14:useLocalDpi xmlns:a14="http://schemas.microsoft.com/office/drawing/2010/main" val="0"/>
+                  </a:ext>
+                </a:extLst>
+              </a:blip>
+              <a:srcRect l="6173" t="-2" r="61849" b="20"/>
+              <a:stretch/>
+            </p:blipFill>
+            <p:spPr bwMode="auto">
+              <a:xfrm>
+                <a:off x="752732" y="1282"/>
+                <a:ext cx="3898781" cy="6856718"/>
+              </a:xfrm>
+              <a:prstGeom prst="rect">
+                <a:avLst/>
+              </a:prstGeom>
+              <a:noFill/>
+              <a:extLst>
+                <a:ext uri="{909E8E84-426E-40DD-AFC4-6F175D3DCCD1}">
+                  <a14:hiddenFill xmlns:a14="http://schemas.microsoft.com/office/drawing/2010/main">
+                    <a:solidFill>
+                      <a:srgbClr val="FFFFFF"/>
+                    </a:solidFill>
+                  </a14:hiddenFill>
+                </a:ext>
+              </a:extLst>
+            </p:spPr>
+          </p:pic>
+          <p:sp>
+            <p:nvSpPr>
+              <p:cNvPr id="36" name="矩形 35">
+                <a:extLst>
+                  <a:ext uri="{FF2B5EF4-FFF2-40B4-BE49-F238E27FC236}">
+                    <a16:creationId xmlns:a16="http://schemas.microsoft.com/office/drawing/2014/main" id="{D8F9FE86-688D-6533-26C6-95B79E733541}"/>
+                  </a:ext>
+                </a:extLst>
+              </p:cNvPr>
+              <p:cNvSpPr/>
+              <p:nvPr/>
+            </p:nvSpPr>
+            <p:spPr>
+              <a:xfrm>
+                <a:off x="3667539" y="2166730"/>
+                <a:ext cx="1351722" cy="1938131"/>
+              </a:xfrm>
+              <a:prstGeom prst="rect">
+                <a:avLst/>
+              </a:prstGeom>
+              <a:solidFill>
+                <a:srgbClr val="000000"/>
+              </a:solidFill>
+              <a:ln>
+                <a:noFill/>
+              </a:ln>
+            </p:spPr>
+            <p:style>
+              <a:lnRef idx="2">
+                <a:schemeClr val="accent1">
+                  <a:shade val="15000"/>
+                </a:schemeClr>
+              </a:lnRef>
+              <a:fillRef idx="1">
+                <a:schemeClr val="accent1"/>
+              </a:fillRef>
+              <a:effectRef idx="0">
+                <a:schemeClr val="accent1"/>
+              </a:effectRef>
+              <a:fontRef idx="minor">
+                <a:schemeClr val="lt1"/>
+              </a:fontRef>
+            </p:style>
+            <p:txBody>
+              <a:bodyPr rtlCol="0" anchor="ctr"/>
+              <a:lstStyle/>
+              <a:p>
+                <a:pPr algn="ctr"/>
+                <a:endParaRPr lang="zh-TW" altLang="en-US">
+                  <a:latin typeface="HGPSoeiKakupoptai" panose="040B0A00000000000000" pitchFamily="82" charset="-128"/>
+                  <a:ea typeface="HGPSoeiKakupoptai" panose="040B0A00000000000000" pitchFamily="82" charset="-128"/>
+                </a:endParaRPr>
+              </a:p>
+            </p:txBody>
+          </p:sp>
+        </p:grpSp>
+        <p:grpSp>
+          <p:nvGrpSpPr>
+            <p:cNvPr id="32" name="群組 31">
+              <a:extLst>
+                <a:ext uri="{FF2B5EF4-FFF2-40B4-BE49-F238E27FC236}">
+                  <a16:creationId xmlns:a16="http://schemas.microsoft.com/office/drawing/2014/main" id="{F50D76C6-F98B-006C-E4BB-5567A42DE2D5}"/>
+                </a:ext>
+              </a:extLst>
+            </p:cNvPr>
+            <p:cNvGrpSpPr/>
+            <p:nvPr/>
+          </p:nvGrpSpPr>
+          <p:grpSpPr>
+            <a:xfrm>
+              <a:off x="288060" y="2050479"/>
+              <a:ext cx="1779715" cy="2008572"/>
+              <a:chOff x="3583192" y="-1044343"/>
+              <a:chExt cx="1827083" cy="2052385"/>
+            </a:xfrm>
+            <a:solidFill>
+              <a:srgbClr val="D2BE14"/>
+            </a:solidFill>
+          </p:grpSpPr>
+          <p:sp>
+            <p:nvSpPr>
+              <p:cNvPr id="33" name="矩形 32">
+                <a:extLst>
+                  <a:ext uri="{FF2B5EF4-FFF2-40B4-BE49-F238E27FC236}">
+                    <a16:creationId xmlns:a16="http://schemas.microsoft.com/office/drawing/2014/main" id="{AC544CF1-372E-901B-3719-0B3ABE6C480C}"/>
+                  </a:ext>
+                </a:extLst>
+              </p:cNvPr>
+              <p:cNvSpPr/>
+              <p:nvPr/>
+            </p:nvSpPr>
+            <p:spPr>
+              <a:xfrm>
+                <a:off x="3583192" y="-1044343"/>
+                <a:ext cx="1826757" cy="2052000"/>
+              </a:xfrm>
+              <a:prstGeom prst="rect">
+                <a:avLst/>
+              </a:prstGeom>
+              <a:grpFill/>
+              <a:ln>
+                <a:noFill/>
+              </a:ln>
+            </p:spPr>
+            <p:style>
+              <a:lnRef idx="2">
+                <a:schemeClr val="accent1">
+                  <a:shade val="15000"/>
+                </a:schemeClr>
+              </a:lnRef>
+              <a:fillRef idx="1">
+                <a:schemeClr val="accent1"/>
+              </a:fillRef>
+              <a:effectRef idx="0">
+                <a:schemeClr val="accent1"/>
+              </a:effectRef>
+              <a:fontRef idx="minor">
+                <a:schemeClr val="lt1"/>
+              </a:fontRef>
+            </p:style>
+            <p:txBody>
+              <a:bodyPr rtlCol="0" anchor="ctr"/>
+              <a:lstStyle/>
+              <a:p>
+                <a:pPr algn="ctr"/>
+                <a:endParaRPr lang="zh-TW" altLang="en-US" sz="8800" dirty="0">
+                  <a:latin typeface="HGPSoeiKakupoptai" panose="040B0A00000000000000" pitchFamily="82" charset="-128"/>
+                  <a:ea typeface="HGPSoeiKakupoptai" panose="040B0A00000000000000" pitchFamily="82" charset="-128"/>
+                </a:endParaRPr>
+              </a:p>
+            </p:txBody>
+          </p:sp>
+          <p:sp>
+            <p:nvSpPr>
+              <p:cNvPr id="34" name="文字方塊 33">
+                <a:extLst>
+                  <a:ext uri="{FF2B5EF4-FFF2-40B4-BE49-F238E27FC236}">
+                    <a16:creationId xmlns:a16="http://schemas.microsoft.com/office/drawing/2014/main" id="{24849568-39CF-B868-D50F-C78D76123A74}"/>
+                  </a:ext>
+                </a:extLst>
+              </p:cNvPr>
+              <p:cNvSpPr txBox="1"/>
+              <p:nvPr/>
+            </p:nvSpPr>
+            <p:spPr>
+              <a:xfrm>
+                <a:off x="3858566" y="-438508"/>
+                <a:ext cx="1551709" cy="1446550"/>
+              </a:xfrm>
+              <a:prstGeom prst="rect">
+                <a:avLst/>
+              </a:prstGeom>
+              <a:grpFill/>
+            </p:spPr>
+            <p:txBody>
+              <a:bodyPr wrap="square">
+                <a:spAutoFit/>
+              </a:bodyPr>
+              <a:lstStyle/>
+              <a:p>
+                <a:pPr algn="ctr"/>
+                <a:r>
+                  <a:rPr lang="en-US" altLang="zh-TW" sz="8800" dirty="0">
+                    <a:solidFill>
+                      <a:srgbClr val="000200"/>
+                    </a:solidFill>
+                    <a:latin typeface="HGPSoeiKakupoptai" panose="040B0A00000000000000" pitchFamily="82" charset="-128"/>
+                    <a:ea typeface="HGPSoeiKakupoptai" panose="040B0A00000000000000" pitchFamily="82" charset="-128"/>
+                  </a:rPr>
+                  <a:t>JS</a:t>
+                </a:r>
+                <a:endParaRPr lang="zh-TW" altLang="en-US" sz="8800" dirty="0">
+                  <a:solidFill>
+                    <a:srgbClr val="000200"/>
+                  </a:solidFill>
+                  <a:latin typeface="HGPSoeiKakupoptai" panose="040B0A00000000000000" pitchFamily="82" charset="-128"/>
+                  <a:ea typeface="HGPSoeiKakupoptai" panose="040B0A00000000000000" pitchFamily="82" charset="-128"/>
+                </a:endParaRPr>
+              </a:p>
+            </p:txBody>
+          </p:sp>
+        </p:grpSp>
+      </p:grpSp>
+      <p:sp>
+        <p:nvSpPr>
+          <p:cNvPr id="2" name="文字方塊 1">
+            <a:extLst>
+              <a:ext uri="{FF2B5EF4-FFF2-40B4-BE49-F238E27FC236}">
+                <a16:creationId xmlns:a16="http://schemas.microsoft.com/office/drawing/2014/main" id="{255E5263-1D40-2D6B-99E6-95428D5E92D8}"/>
+              </a:ext>
+            </a:extLst>
+          </p:cNvPr>
+          <p:cNvSpPr txBox="1"/>
+          <p:nvPr/>
+        </p:nvSpPr>
+        <p:spPr>
+          <a:xfrm>
+            <a:off x="111160" y="53700"/>
+            <a:ext cx="8821646" cy="830997"/>
+          </a:xfrm>
+          <a:prstGeom prst="rect">
+            <a:avLst/>
+          </a:prstGeom>
+          <a:solidFill>
+            <a:schemeClr val="tx1"/>
+          </a:solidFill>
+        </p:spPr>
+        <p:txBody>
+          <a:bodyPr wrap="none" rtlCol="0">
+            <a:spAutoFit/>
+          </a:bodyPr>
+          <a:lstStyle/>
+          <a:p>
+            <a:r>
+              <a:rPr lang="en-US" altLang="zh-TW" sz="4800" dirty="0">
+                <a:solidFill>
+                  <a:schemeClr val="bg1"/>
+                </a:solidFill>
+                <a:latin typeface="HGPSoeiKakupoptai" panose="040B0A00000000000000" pitchFamily="82" charset="-128"/>
+                <a:ea typeface="HGPSoeiKakupoptai" panose="040B0A00000000000000" pitchFamily="82" charset="-128"/>
+                <a:cs typeface="ADLaM Display" panose="02010000000000000000" pitchFamily="2" charset="0"/>
+              </a:rPr>
+              <a:t>JavaScript Variables Keyword</a:t>
+            </a:r>
+          </a:p>
+        </p:txBody>
+      </p:sp>
+      <p:cxnSp>
+        <p:nvCxnSpPr>
+          <p:cNvPr id="3" name="直線接點 2">
+            <a:extLst>
+              <a:ext uri="{FF2B5EF4-FFF2-40B4-BE49-F238E27FC236}">
+                <a16:creationId xmlns:a16="http://schemas.microsoft.com/office/drawing/2014/main" id="{1E5DDCB0-4EAA-74EF-76DE-ADA5517C8929}"/>
+              </a:ext>
+            </a:extLst>
+          </p:cNvPr>
+          <p:cNvCxnSpPr>
+            <a:cxnSpLocks/>
+          </p:cNvCxnSpPr>
+          <p:nvPr/>
+        </p:nvCxnSpPr>
+        <p:spPr>
+          <a:xfrm>
+            <a:off x="175095" y="913878"/>
+            <a:ext cx="8617923" cy="0"/>
+          </a:xfrm>
+          <a:prstGeom prst="line">
+            <a:avLst/>
+          </a:prstGeom>
+          <a:ln w="57150">
+            <a:solidFill>
+              <a:schemeClr val="bg1">
+                <a:lumMod val="95000"/>
+              </a:schemeClr>
+            </a:solidFill>
+            <a:headEnd type="none" w="med" len="med"/>
+            <a:tailEnd type="none" w="med" len="med"/>
+          </a:ln>
+        </p:spPr>
+        <p:style>
+          <a:lnRef idx="2">
+            <a:schemeClr val="accent1"/>
+          </a:lnRef>
+          <a:fillRef idx="0">
+            <a:schemeClr val="accent1"/>
+          </a:fillRef>
+          <a:effectRef idx="1">
+            <a:schemeClr val="accent1"/>
+          </a:effectRef>
+          <a:fontRef idx="minor">
+            <a:schemeClr val="tx1"/>
+          </a:fontRef>
+        </p:style>
+      </p:cxnSp>
+      <p:sp>
+        <p:nvSpPr>
+          <p:cNvPr id="6" name="文字方塊 5">
+            <a:extLst>
+              <a:ext uri="{FF2B5EF4-FFF2-40B4-BE49-F238E27FC236}">
+                <a16:creationId xmlns:a16="http://schemas.microsoft.com/office/drawing/2014/main" id="{05B7D367-BAAD-5FF8-93FB-9BA4F14DF6D2}"/>
+              </a:ext>
+            </a:extLst>
+          </p:cNvPr>
+          <p:cNvSpPr txBox="1"/>
+          <p:nvPr/>
+        </p:nvSpPr>
+        <p:spPr>
+          <a:xfrm>
+            <a:off x="2409203" y="1324194"/>
+            <a:ext cx="997389" cy="707886"/>
+          </a:xfrm>
+          <a:prstGeom prst="rect">
+            <a:avLst/>
+          </a:prstGeom>
+          <a:noFill/>
+          <a:ln>
+            <a:noFill/>
+          </a:ln>
+        </p:spPr>
+        <p:txBody>
+          <a:bodyPr wrap="none" rtlCol="0">
+            <a:spAutoFit/>
+          </a:bodyPr>
+          <a:lstStyle>
+            <a:defPPr>
+              <a:defRPr lang="zh-TW"/>
+            </a:defPPr>
+            <a:lvl1pPr>
+              <a:defRPr sz="4800">
+                <a:solidFill>
+                  <a:schemeClr val="bg1"/>
+                </a:solidFill>
+                <a:latin typeface="ADLaM Display" panose="02010000000000000000" pitchFamily="2" charset="0"/>
+                <a:ea typeface="ADLaM Display" panose="02010000000000000000" pitchFamily="2" charset="0"/>
+                <a:cs typeface="ADLaM Display" panose="02010000000000000000" pitchFamily="2" charset="0"/>
+              </a:defRPr>
+            </a:lvl1pPr>
+          </a:lstStyle>
+          <a:p>
+            <a:r>
+              <a:rPr lang="en-US" altLang="zh-TW" sz="4000" dirty="0">
+                <a:latin typeface="HGPSoeiKakupoptai" panose="040B0A00000000000000" pitchFamily="82" charset="-128"/>
+                <a:ea typeface="HGPSoeiKakupoptai" panose="040B0A00000000000000" pitchFamily="82" charset="-128"/>
+              </a:rPr>
+              <a:t>var</a:t>
+            </a:r>
+            <a:endParaRPr lang="zh-TW" altLang="en-US" sz="4000" dirty="0">
+              <a:latin typeface="HGPSoeiKakupoptai" panose="040B0A00000000000000" pitchFamily="82" charset="-128"/>
+              <a:ea typeface="HGPSoeiKakupoptai" panose="040B0A00000000000000" pitchFamily="82" charset="-128"/>
+            </a:endParaRPr>
+          </a:p>
+        </p:txBody>
+      </p:sp>
+      <p:sp>
+        <p:nvSpPr>
+          <p:cNvPr id="7" name="文字方塊 6">
+            <a:extLst>
+              <a:ext uri="{FF2B5EF4-FFF2-40B4-BE49-F238E27FC236}">
+                <a16:creationId xmlns:a16="http://schemas.microsoft.com/office/drawing/2014/main" id="{6C5F6358-95DD-79C3-86DA-72793951E2D8}"/>
+              </a:ext>
+            </a:extLst>
+          </p:cNvPr>
+          <p:cNvSpPr txBox="1"/>
+          <p:nvPr/>
+        </p:nvSpPr>
+        <p:spPr>
+          <a:xfrm>
+            <a:off x="2409203" y="2012998"/>
+            <a:ext cx="9782797" cy="307777"/>
+          </a:xfrm>
+          <a:prstGeom prst="rect">
+            <a:avLst/>
+          </a:prstGeom>
+          <a:noFill/>
+          <a:ln>
+            <a:noFill/>
+          </a:ln>
+        </p:spPr>
+        <p:txBody>
+          <a:bodyPr wrap="square" rtlCol="0">
+            <a:spAutoFit/>
+          </a:bodyPr>
+          <a:lstStyle>
+            <a:defPPr>
+              <a:defRPr lang="zh-TW"/>
+            </a:defPPr>
+            <a:lvl1pPr>
+              <a:defRPr sz="4000">
+                <a:solidFill>
+                  <a:schemeClr val="bg1"/>
+                </a:solidFill>
+                <a:latin typeface="HGPSoeiKakupoptai" panose="040B0A00000000000000" pitchFamily="82" charset="-128"/>
+                <a:ea typeface="HGPSoeiKakupoptai" panose="040B0A00000000000000" pitchFamily="82" charset="-128"/>
+                <a:cs typeface="ADLaM Display" panose="02010000000000000000" pitchFamily="2" charset="0"/>
+              </a:defRPr>
+            </a:lvl1pPr>
+          </a:lstStyle>
+          <a:p>
+            <a:r>
+              <a:rPr lang="en-US" altLang="zh-TW" sz="1400">
+                <a:solidFill>
+                  <a:srgbClr val="F7E018"/>
+                </a:solidFill>
+              </a:rPr>
+              <a:t>W</a:t>
+            </a:r>
+            <a:endParaRPr lang="zh-TW" altLang="en-US" sz="1400" dirty="0">
+              <a:solidFill>
+                <a:srgbClr val="F7E018"/>
+              </a:solidFill>
+            </a:endParaRPr>
+          </a:p>
+        </p:txBody>
+      </p:sp>
+      <p:sp>
+        <p:nvSpPr>
+          <p:cNvPr id="9" name="文字方塊 8">
+            <a:extLst>
+              <a:ext uri="{FF2B5EF4-FFF2-40B4-BE49-F238E27FC236}">
+                <a16:creationId xmlns:a16="http://schemas.microsoft.com/office/drawing/2014/main" id="{AB036923-07B8-E27B-6009-BDAD628C208E}"/>
+              </a:ext>
+            </a:extLst>
+          </p:cNvPr>
+          <p:cNvSpPr txBox="1"/>
+          <p:nvPr/>
+        </p:nvSpPr>
+        <p:spPr>
+          <a:xfrm>
+            <a:off x="2409203" y="2301693"/>
+            <a:ext cx="817853" cy="707886"/>
+          </a:xfrm>
+          <a:prstGeom prst="rect">
+            <a:avLst/>
+          </a:prstGeom>
+          <a:noFill/>
+          <a:ln>
+            <a:noFill/>
+          </a:ln>
+        </p:spPr>
+        <p:txBody>
+          <a:bodyPr wrap="none" rtlCol="0">
+            <a:spAutoFit/>
+          </a:bodyPr>
+          <a:lstStyle>
+            <a:defPPr>
+              <a:defRPr lang="zh-TW"/>
+            </a:defPPr>
+            <a:lvl1pPr>
+              <a:defRPr sz="4800">
+                <a:solidFill>
+                  <a:schemeClr val="bg1"/>
+                </a:solidFill>
+                <a:latin typeface="ADLaM Display" panose="02010000000000000000" pitchFamily="2" charset="0"/>
+                <a:ea typeface="ADLaM Display" panose="02010000000000000000" pitchFamily="2" charset="0"/>
+                <a:cs typeface="ADLaM Display" panose="02010000000000000000" pitchFamily="2" charset="0"/>
+              </a:defRPr>
+            </a:lvl1pPr>
+          </a:lstStyle>
+          <a:p>
+            <a:r>
+              <a:rPr lang="en-US" altLang="zh-TW" sz="4000" dirty="0">
+                <a:latin typeface="HGPSoeiKakupoptai" panose="040B0A00000000000000" pitchFamily="82" charset="-128"/>
+                <a:ea typeface="HGPSoeiKakupoptai" panose="040B0A00000000000000" pitchFamily="82" charset="-128"/>
+              </a:rPr>
+              <a:t>let</a:t>
+            </a:r>
+            <a:endParaRPr lang="zh-TW" altLang="en-US" sz="4000" dirty="0">
+              <a:latin typeface="HGPSoeiKakupoptai" panose="040B0A00000000000000" pitchFamily="82" charset="-128"/>
+              <a:ea typeface="HGPSoeiKakupoptai" panose="040B0A00000000000000" pitchFamily="82" charset="-128"/>
+            </a:endParaRPr>
+          </a:p>
+        </p:txBody>
+      </p:sp>
+      <p:sp>
+        <p:nvSpPr>
+          <p:cNvPr id="10" name="文字方塊 9">
+            <a:extLst>
+              <a:ext uri="{FF2B5EF4-FFF2-40B4-BE49-F238E27FC236}">
+                <a16:creationId xmlns:a16="http://schemas.microsoft.com/office/drawing/2014/main" id="{ACF1A90A-6CFC-1C38-D69D-6A23FE871A02}"/>
+              </a:ext>
+            </a:extLst>
+          </p:cNvPr>
+          <p:cNvSpPr txBox="1"/>
+          <p:nvPr/>
+        </p:nvSpPr>
+        <p:spPr>
+          <a:xfrm>
+            <a:off x="2409203" y="2990497"/>
+            <a:ext cx="9782797" cy="307777"/>
+          </a:xfrm>
+          <a:prstGeom prst="rect">
+            <a:avLst/>
+          </a:prstGeom>
+          <a:noFill/>
+          <a:ln>
+            <a:noFill/>
+          </a:ln>
+        </p:spPr>
+        <p:txBody>
+          <a:bodyPr wrap="square" rtlCol="0">
+            <a:spAutoFit/>
+          </a:bodyPr>
+          <a:lstStyle>
+            <a:defPPr>
+              <a:defRPr lang="zh-TW"/>
+            </a:defPPr>
+            <a:lvl1pPr>
+              <a:defRPr sz="4000">
+                <a:solidFill>
+                  <a:schemeClr val="bg1"/>
+                </a:solidFill>
+                <a:latin typeface="HGPSoeiKakupoptai" panose="040B0A00000000000000" pitchFamily="82" charset="-128"/>
+                <a:ea typeface="HGPSoeiKakupoptai" panose="040B0A00000000000000" pitchFamily="82" charset="-128"/>
+                <a:cs typeface="ADLaM Display" panose="02010000000000000000" pitchFamily="2" charset="0"/>
+              </a:defRPr>
+            </a:lvl1pPr>
+          </a:lstStyle>
+          <a:p>
+            <a:r>
+              <a:rPr lang="en-US" altLang="zh-TW" sz="1400">
+                <a:solidFill>
+                  <a:srgbClr val="F7E018"/>
+                </a:solidFill>
+              </a:rPr>
+              <a:t>W</a:t>
+            </a:r>
+            <a:endParaRPr lang="zh-TW" altLang="en-US" sz="1400" dirty="0">
+              <a:solidFill>
+                <a:srgbClr val="F7E018"/>
+              </a:solidFill>
+            </a:endParaRPr>
+          </a:p>
+        </p:txBody>
+      </p:sp>
+      <p:sp>
+        <p:nvSpPr>
+          <p:cNvPr id="11" name="文字方塊 10">
+            <a:extLst>
+              <a:ext uri="{FF2B5EF4-FFF2-40B4-BE49-F238E27FC236}">
+                <a16:creationId xmlns:a16="http://schemas.microsoft.com/office/drawing/2014/main" id="{D885FF6E-D1EB-209A-6287-3A7EDF8A97D9}"/>
+              </a:ext>
+            </a:extLst>
+          </p:cNvPr>
+          <p:cNvSpPr txBox="1"/>
+          <p:nvPr/>
+        </p:nvSpPr>
+        <p:spPr>
+          <a:xfrm>
+            <a:off x="2409203" y="3279192"/>
+            <a:ext cx="1542410" cy="707886"/>
+          </a:xfrm>
+          <a:prstGeom prst="rect">
+            <a:avLst/>
+          </a:prstGeom>
+          <a:noFill/>
+          <a:ln>
+            <a:noFill/>
+          </a:ln>
+        </p:spPr>
+        <p:txBody>
+          <a:bodyPr wrap="none" rtlCol="0">
+            <a:spAutoFit/>
+          </a:bodyPr>
+          <a:lstStyle>
+            <a:defPPr>
+              <a:defRPr lang="zh-TW"/>
+            </a:defPPr>
+            <a:lvl1pPr>
+              <a:defRPr sz="4800">
+                <a:solidFill>
+                  <a:schemeClr val="bg1"/>
+                </a:solidFill>
+                <a:latin typeface="ADLaM Display" panose="02010000000000000000" pitchFamily="2" charset="0"/>
+                <a:ea typeface="ADLaM Display" panose="02010000000000000000" pitchFamily="2" charset="0"/>
+                <a:cs typeface="ADLaM Display" panose="02010000000000000000" pitchFamily="2" charset="0"/>
+              </a:defRPr>
+            </a:lvl1pPr>
+          </a:lstStyle>
+          <a:p>
+            <a:r>
+              <a:rPr lang="en-US" altLang="zh-TW" sz="4000" dirty="0">
+                <a:latin typeface="HGPSoeiKakupoptai" panose="040B0A00000000000000" pitchFamily="82" charset="-128"/>
+                <a:ea typeface="HGPSoeiKakupoptai" panose="040B0A00000000000000" pitchFamily="82" charset="-128"/>
+              </a:rPr>
+              <a:t>const</a:t>
+            </a:r>
+            <a:endParaRPr lang="zh-TW" altLang="en-US" sz="4000" dirty="0">
+              <a:latin typeface="HGPSoeiKakupoptai" panose="040B0A00000000000000" pitchFamily="82" charset="-128"/>
+              <a:ea typeface="HGPSoeiKakupoptai" panose="040B0A00000000000000" pitchFamily="82" charset="-128"/>
+            </a:endParaRPr>
+          </a:p>
+        </p:txBody>
+      </p:sp>
+      <p:sp>
+        <p:nvSpPr>
+          <p:cNvPr id="12" name="文字方塊 11">
+            <a:extLst>
+              <a:ext uri="{FF2B5EF4-FFF2-40B4-BE49-F238E27FC236}">
+                <a16:creationId xmlns:a16="http://schemas.microsoft.com/office/drawing/2014/main" id="{99F9D4CA-60AA-FF64-E80A-71C9C0D360A2}"/>
+              </a:ext>
+            </a:extLst>
+          </p:cNvPr>
+          <p:cNvSpPr txBox="1"/>
+          <p:nvPr/>
+        </p:nvSpPr>
+        <p:spPr>
+          <a:xfrm>
+            <a:off x="2409203" y="3967996"/>
+            <a:ext cx="9782797" cy="307777"/>
+          </a:xfrm>
+          <a:prstGeom prst="rect">
+            <a:avLst/>
+          </a:prstGeom>
+          <a:noFill/>
+          <a:ln>
+            <a:noFill/>
+          </a:ln>
+        </p:spPr>
+        <p:txBody>
+          <a:bodyPr wrap="square" rtlCol="0">
+            <a:spAutoFit/>
+          </a:bodyPr>
+          <a:lstStyle>
+            <a:defPPr>
+              <a:defRPr lang="zh-TW"/>
+            </a:defPPr>
+            <a:lvl1pPr>
+              <a:defRPr sz="4000">
+                <a:solidFill>
+                  <a:schemeClr val="bg1"/>
+                </a:solidFill>
+                <a:latin typeface="HGPSoeiKakupoptai" panose="040B0A00000000000000" pitchFamily="82" charset="-128"/>
+                <a:ea typeface="HGPSoeiKakupoptai" panose="040B0A00000000000000" pitchFamily="82" charset="-128"/>
+                <a:cs typeface="ADLaM Display" panose="02010000000000000000" pitchFamily="2" charset="0"/>
+              </a:defRPr>
+            </a:lvl1pPr>
+          </a:lstStyle>
+          <a:p>
+            <a:r>
+              <a:rPr lang="en-US" altLang="zh-TW" sz="1400">
+                <a:solidFill>
+                  <a:srgbClr val="F7E018"/>
+                </a:solidFill>
+              </a:rPr>
+              <a:t>W</a:t>
+            </a:r>
+            <a:endParaRPr lang="zh-TW" altLang="en-US" sz="1400" dirty="0">
+              <a:solidFill>
+                <a:srgbClr val="F7E018"/>
+              </a:solidFill>
+            </a:endParaRPr>
+          </a:p>
+        </p:txBody>
+      </p:sp>
+    </p:spTree>
+    <p:extLst>
+      <p:ext uri="{BB962C8B-B14F-4D97-AF65-F5344CB8AC3E}">
+        <p14:creationId xmlns:p14="http://schemas.microsoft.com/office/powerpoint/2010/main" val="277729752"/>
+      </p:ext>
+    </p:extLst>
+  </p:cSld>
+  <p:clrMapOvr>
+    <a:masterClrMapping/>
+  </p:clrMapOvr>
+</p:sld>
+</file>
+
+<file path=ppt/slides/slide6.xml><?xml version="1.0" encoding="utf-8"?>
 <p:sld xmlns:a="http://schemas.openxmlformats.org/drawingml/2006/main" xmlns:r="http://schemas.openxmlformats.org/officeDocument/2006/relationships" xmlns:p="http://schemas.openxmlformats.org/presentationml/2006/main">
   <p:cSld>
     <p:bg>
@@ -4754,7 +10301,7 @@
         <p:spPr>
           <a:xfrm>
             <a:off x="111160" y="53700"/>
-            <a:ext cx="5240537" cy="830997"/>
+            <a:ext cx="6739345" cy="830997"/>
           </a:xfrm>
           <a:prstGeom prst="rect">
             <a:avLst/>
@@ -4778,7 +10325,7 @@
                 <a:ea typeface="HGPSoeiKakupoptai" panose="040B0A00000000000000" pitchFamily="82" charset="-128"/>
                 <a:cs typeface="ADLaM Display" panose="02010000000000000000" pitchFamily="2" charset="0"/>
               </a:rPr>
-              <a:t>JavaScript Types</a:t>
+              <a:t>JavaScript Data Types</a:t>
             </a:r>
           </a:p>
         </p:txBody>
@@ -4797,7 +10344,7 @@
         </p:nvSpPr>
         <p:spPr>
           <a:xfrm>
-            <a:off x="3484831" y="1649027"/>
+            <a:off x="5581482" y="2720439"/>
             <a:ext cx="2640466" cy="707886"/>
           </a:xfrm>
           <a:prstGeom prst="rect">
@@ -4853,7 +10400,7 @@
         </p:nvSpPr>
         <p:spPr>
           <a:xfrm>
-            <a:off x="1664522" y="4241334"/>
+            <a:off x="2431134" y="4241334"/>
             <a:ext cx="2156360" cy="707886"/>
           </a:xfrm>
           <a:prstGeom prst="rect">
@@ -4909,7 +10456,7 @@
         </p:nvSpPr>
         <p:spPr>
           <a:xfrm>
-            <a:off x="6139025" y="526583"/>
+            <a:off x="8235676" y="1597995"/>
             <a:ext cx="1073398" cy="3158726"/>
           </a:xfrm>
           <a:custGeom>
@@ -5146,7 +10693,7 @@
         </p:nvSpPr>
         <p:spPr>
           <a:xfrm>
-            <a:off x="7398711" y="228028"/>
+            <a:off x="9495362" y="1299440"/>
             <a:ext cx="1239442" cy="523220"/>
           </a:xfrm>
           <a:prstGeom prst="rect">
@@ -5201,7 +10748,7 @@
         </p:nvSpPr>
         <p:spPr>
           <a:xfrm>
-            <a:off x="7398711" y="751248"/>
+            <a:off x="9495362" y="1822660"/>
             <a:ext cx="1407758" cy="523220"/>
           </a:xfrm>
           <a:prstGeom prst="rect">
@@ -5256,7 +10803,7 @@
         </p:nvSpPr>
         <p:spPr>
           <a:xfrm>
-            <a:off x="7398711" y="1297540"/>
+            <a:off x="9495362" y="2368952"/>
             <a:ext cx="1441420" cy="523220"/>
           </a:xfrm>
           <a:prstGeom prst="rect">
@@ -5318,7 +10865,7 @@
         </p:nvSpPr>
         <p:spPr>
           <a:xfrm>
-            <a:off x="7398711" y="1820760"/>
+            <a:off x="9495362" y="2892172"/>
             <a:ext cx="763351" cy="523220"/>
           </a:xfrm>
           <a:prstGeom prst="rect">
@@ -5373,7 +10920,7 @@
         </p:nvSpPr>
         <p:spPr>
           <a:xfrm>
-            <a:off x="7398711" y="2346958"/>
+            <a:off x="9495362" y="3418370"/>
             <a:ext cx="1835759" cy="523220"/>
           </a:xfrm>
           <a:prstGeom prst="rect">
@@ -5428,7 +10975,7 @@
         </p:nvSpPr>
         <p:spPr>
           <a:xfrm>
-            <a:off x="7398711" y="2870178"/>
+            <a:off x="9495362" y="3941590"/>
             <a:ext cx="1316386" cy="523220"/>
           </a:xfrm>
           <a:prstGeom prst="rect">
@@ -5483,7 +11030,7 @@
         </p:nvSpPr>
         <p:spPr>
           <a:xfrm>
-            <a:off x="7398711" y="3416470"/>
+            <a:off x="9495362" y="4487882"/>
             <a:ext cx="1149674" cy="523220"/>
           </a:xfrm>
           <a:prstGeom prst="rect">
@@ -5540,13 +11087,15 @@
               </a:ext>
             </a:extLst>
           </p:cNvPr>
-          <p:cNvCxnSpPr/>
+          <p:cNvCxnSpPr>
+            <a:cxnSpLocks/>
+          </p:cNvCxnSpPr>
           <p:nvPr/>
         </p:nvCxnSpPr>
         <p:spPr>
           <a:xfrm>
             <a:off x="175095" y="913878"/>
-            <a:ext cx="4911337" cy="0"/>
+            <a:ext cx="6567450" cy="0"/>
           </a:xfrm>
           <a:prstGeom prst="line">
             <a:avLst/>
@@ -5594,8 +11143,8 @@
         </p:nvCxnSpPr>
         <p:spPr>
           <a:xfrm rot="16200000" flipH="1">
-            <a:off x="2548994" y="1067132"/>
-            <a:ext cx="1118273" cy="753402"/>
+            <a:off x="3436315" y="929214"/>
+            <a:ext cx="2189685" cy="2100649"/>
           </a:xfrm>
           <a:prstGeom prst="curvedConnector2">
             <a:avLst/>
@@ -5636,7 +11185,7 @@
         </p:nvSpPr>
         <p:spPr>
           <a:xfrm>
-            <a:off x="5644440" y="4621643"/>
+            <a:off x="6411052" y="4621643"/>
             <a:ext cx="1255472" cy="523220"/>
           </a:xfrm>
           <a:prstGeom prst="rect">
@@ -5691,7 +11240,7 @@
         </p:nvSpPr>
         <p:spPr>
           <a:xfrm>
-            <a:off x="5588130" y="5436402"/>
+            <a:off x="6354742" y="5436402"/>
             <a:ext cx="1130438" cy="523220"/>
           </a:xfrm>
           <a:prstGeom prst="rect">
@@ -5746,7 +11295,7 @@
         </p:nvSpPr>
         <p:spPr>
           <a:xfrm>
-            <a:off x="4830146" y="6166104"/>
+            <a:off x="5596758" y="6166104"/>
             <a:ext cx="1632178" cy="523220"/>
           </a:xfrm>
           <a:prstGeom prst="rect">
@@ -5805,7 +11354,7 @@
         </p:nvCxnSpPr>
         <p:spPr>
           <a:xfrm>
-            <a:off x="3820882" y="4595277"/>
+            <a:off x="4587494" y="4595277"/>
             <a:ext cx="1823558" cy="287976"/>
           </a:xfrm>
           <a:prstGeom prst="curvedConnector3">
@@ -5853,7 +11402,7 @@
         </p:nvCxnSpPr>
         <p:spPr>
           <a:xfrm>
-            <a:off x="3820882" y="4595277"/>
+            <a:off x="4587494" y="4595277"/>
             <a:ext cx="1767248" cy="1102735"/>
           </a:xfrm>
           <a:prstGeom prst="curvedConnector3">
@@ -5901,7 +11450,7 @@
         </p:nvCxnSpPr>
         <p:spPr>
           <a:xfrm>
-            <a:off x="3820882" y="4595277"/>
+            <a:off x="4587494" y="4595277"/>
             <a:ext cx="1009264" cy="1832437"/>
           </a:xfrm>
           <a:prstGeom prst="curvedConnector3">
@@ -5949,8 +11498,8 @@
         </p:nvCxnSpPr>
         <p:spPr>
           <a:xfrm>
-            <a:off x="2731429" y="884697"/>
-            <a:ext cx="11273" cy="3356637"/>
+            <a:off x="3480833" y="884697"/>
+            <a:ext cx="28481" cy="3356637"/>
           </a:xfrm>
           <a:prstGeom prst="straightConnector1">
             <a:avLst/>
@@ -5990,7 +11539,7 @@
 </p:sld>
 </file>
 
-<file path=ppt/slides/slide3.xml><?xml version="1.0" encoding="utf-8"?>
+<file path=ppt/slides/slide7.xml><?xml version="1.0" encoding="utf-8"?>
 <p:sld xmlns:a="http://schemas.openxmlformats.org/drawingml/2006/main" xmlns:r="http://schemas.openxmlformats.org/officeDocument/2006/relationships" xmlns:p="http://schemas.openxmlformats.org/presentationml/2006/main">
   <p:cSld>
     <p:bg>
@@ -6508,7 +12057,7 @@
 </p:sld>
 </file>
 
-<file path=ppt/slides/slide4.xml><?xml version="1.0" encoding="utf-8"?>
+<file path=ppt/slides/slide8.xml><?xml version="1.0" encoding="utf-8"?>
 <p:sld xmlns:a="http://schemas.openxmlformats.org/drawingml/2006/main" xmlns:r="http://schemas.openxmlformats.org/officeDocument/2006/relationships" xmlns:p="http://schemas.openxmlformats.org/presentationml/2006/main">
   <p:cSld>
     <p:bg>
@@ -6815,7 +12364,7 @@
 </p:sld>
 </file>
 
-<file path=ppt/slides/slide5.xml><?xml version="1.0" encoding="utf-8"?>
+<file path=ppt/slides/slide9.xml><?xml version="1.0" encoding="utf-8"?>
 <p:sld xmlns:a="http://schemas.openxmlformats.org/drawingml/2006/main" xmlns:r="http://schemas.openxmlformats.org/officeDocument/2006/relationships" xmlns:p="http://schemas.openxmlformats.org/presentationml/2006/main">
   <p:cSld>
     <p:bg>
@@ -7582,2818 +13131,6 @@
     <p:extLst>
       <p:ext uri="{BB962C8B-B14F-4D97-AF65-F5344CB8AC3E}">
         <p14:creationId xmlns:p14="http://schemas.microsoft.com/office/powerpoint/2010/main" val="895253795"/>
-      </p:ext>
-    </p:extLst>
-  </p:cSld>
-  <p:clrMapOvr>
-    <a:masterClrMapping/>
-  </p:clrMapOvr>
-</p:sld>
-</file>
-
-<file path=ppt/slides/slide6.xml><?xml version="1.0" encoding="utf-8"?>
-<p:sld xmlns:a="http://schemas.openxmlformats.org/drawingml/2006/main" xmlns:r="http://schemas.openxmlformats.org/officeDocument/2006/relationships" xmlns:p="http://schemas.openxmlformats.org/presentationml/2006/main">
-  <p:cSld>
-    <p:bg>
-      <p:bgPr>
-        <a:solidFill>
-          <a:schemeClr val="tx1"/>
-        </a:solidFill>
-        <a:effectLst/>
-      </p:bgPr>
-    </p:bg>
-    <p:spTree>
-      <p:nvGrpSpPr>
-        <p:cNvPr id="1" name=""/>
-        <p:cNvGrpSpPr/>
-        <p:nvPr/>
-      </p:nvGrpSpPr>
-      <p:grpSpPr>
-        <a:xfrm>
-          <a:off x="0" y="0"/>
-          <a:ext cx="0" cy="0"/>
-          <a:chOff x="0" y="0"/>
-          <a:chExt cx="0" cy="0"/>
-        </a:xfrm>
-      </p:grpSpPr>
-      <p:grpSp>
-        <p:nvGrpSpPr>
-          <p:cNvPr id="28" name="群組 27">
-            <a:extLst>
-              <a:ext uri="{FF2B5EF4-FFF2-40B4-BE49-F238E27FC236}">
-                <a16:creationId xmlns:a16="http://schemas.microsoft.com/office/drawing/2014/main" id="{4037ADCE-A775-44E4-BE80-8718A99C0623}"/>
-              </a:ext>
-            </a:extLst>
-          </p:cNvPr>
-          <p:cNvGrpSpPr/>
-          <p:nvPr/>
-        </p:nvGrpSpPr>
-        <p:grpSpPr>
-          <a:xfrm>
-            <a:off x="106784" y="189000"/>
-            <a:ext cx="3473714" cy="6480000"/>
-            <a:chOff x="106784" y="189000"/>
-            <a:chExt cx="3473714" cy="6480000"/>
-          </a:xfrm>
-        </p:grpSpPr>
-        <p:grpSp>
-          <p:nvGrpSpPr>
-            <p:cNvPr id="31" name="群組 30">
-              <a:extLst>
-                <a:ext uri="{FF2B5EF4-FFF2-40B4-BE49-F238E27FC236}">
-                  <a16:creationId xmlns:a16="http://schemas.microsoft.com/office/drawing/2014/main" id="{9763B9B6-39EF-3E59-5F2B-7087FE53E92E}"/>
-                </a:ext>
-              </a:extLst>
-            </p:cNvPr>
-            <p:cNvGrpSpPr/>
-            <p:nvPr/>
-          </p:nvGrpSpPr>
-          <p:grpSpPr>
-            <a:xfrm>
-              <a:off x="106784" y="189000"/>
-              <a:ext cx="3473714" cy="6480000"/>
-              <a:chOff x="752732" y="1282"/>
-              <a:chExt cx="4266529" cy="6856718"/>
-            </a:xfrm>
-          </p:grpSpPr>
-          <p:pic>
-            <p:nvPicPr>
-              <p:cNvPr id="35" name="Picture 4" descr="What Is JavaScript Used For?">
-                <a:extLst>
-                  <a:ext uri="{FF2B5EF4-FFF2-40B4-BE49-F238E27FC236}">
-                    <a16:creationId xmlns:a16="http://schemas.microsoft.com/office/drawing/2014/main" id="{53A9E0D8-F22F-E928-928D-7EE1B9292AE8}"/>
-                  </a:ext>
-                </a:extLst>
-              </p:cNvPr>
-              <p:cNvPicPr>
-                <a:picLocks noChangeAspect="1" noChangeArrowheads="1"/>
-              </p:cNvPicPr>
-              <p:nvPr/>
-            </p:nvPicPr>
-            <p:blipFill rotWithShape="1">
-              <a:blip r:embed="rId2">
-                <a:alphaModFix amt="85000"/>
-                <a:extLst>
-                  <a:ext uri="{28A0092B-C50C-407E-A947-70E740481C1C}">
-                    <a14:useLocalDpi xmlns:a14="http://schemas.microsoft.com/office/drawing/2010/main" val="0"/>
-                  </a:ext>
-                </a:extLst>
-              </a:blip>
-              <a:srcRect l="6173" t="-2" r="61849" b="20"/>
-              <a:stretch/>
-            </p:blipFill>
-            <p:spPr bwMode="auto">
-              <a:xfrm>
-                <a:off x="752732" y="1282"/>
-                <a:ext cx="3898781" cy="6856718"/>
-              </a:xfrm>
-              <a:prstGeom prst="rect">
-                <a:avLst/>
-              </a:prstGeom>
-              <a:noFill/>
-              <a:extLst>
-                <a:ext uri="{909E8E84-426E-40DD-AFC4-6F175D3DCCD1}">
-                  <a14:hiddenFill xmlns:a14="http://schemas.microsoft.com/office/drawing/2010/main">
-                    <a:solidFill>
-                      <a:srgbClr val="FFFFFF"/>
-                    </a:solidFill>
-                  </a14:hiddenFill>
-                </a:ext>
-              </a:extLst>
-            </p:spPr>
-          </p:pic>
-          <p:sp>
-            <p:nvSpPr>
-              <p:cNvPr id="36" name="矩形 35">
-                <a:extLst>
-                  <a:ext uri="{FF2B5EF4-FFF2-40B4-BE49-F238E27FC236}">
-                    <a16:creationId xmlns:a16="http://schemas.microsoft.com/office/drawing/2014/main" id="{D8F9FE86-688D-6533-26C6-95B79E733541}"/>
-                  </a:ext>
-                </a:extLst>
-              </p:cNvPr>
-              <p:cNvSpPr/>
-              <p:nvPr/>
-            </p:nvSpPr>
-            <p:spPr>
-              <a:xfrm>
-                <a:off x="3667539" y="2166730"/>
-                <a:ext cx="1351722" cy="1938131"/>
-              </a:xfrm>
-              <a:prstGeom prst="rect">
-                <a:avLst/>
-              </a:prstGeom>
-              <a:solidFill>
-                <a:srgbClr val="000000"/>
-              </a:solidFill>
-              <a:ln>
-                <a:noFill/>
-              </a:ln>
-            </p:spPr>
-            <p:style>
-              <a:lnRef idx="2">
-                <a:schemeClr val="accent1">
-                  <a:shade val="15000"/>
-                </a:schemeClr>
-              </a:lnRef>
-              <a:fillRef idx="1">
-                <a:schemeClr val="accent1"/>
-              </a:fillRef>
-              <a:effectRef idx="0">
-                <a:schemeClr val="accent1"/>
-              </a:effectRef>
-              <a:fontRef idx="minor">
-                <a:schemeClr val="lt1"/>
-              </a:fontRef>
-            </p:style>
-            <p:txBody>
-              <a:bodyPr rtlCol="0" anchor="ctr"/>
-              <a:lstStyle/>
-              <a:p>
-                <a:pPr algn="ctr"/>
-                <a:endParaRPr lang="zh-TW" altLang="en-US">
-                  <a:latin typeface="HGPSoeiKakupoptai" panose="040B0A00000000000000" pitchFamily="82" charset="-128"/>
-                  <a:ea typeface="HGPSoeiKakupoptai" panose="040B0A00000000000000" pitchFamily="82" charset="-128"/>
-                </a:endParaRPr>
-              </a:p>
-            </p:txBody>
-          </p:sp>
-        </p:grpSp>
-        <p:grpSp>
-          <p:nvGrpSpPr>
-            <p:cNvPr id="32" name="群組 31">
-              <a:extLst>
-                <a:ext uri="{FF2B5EF4-FFF2-40B4-BE49-F238E27FC236}">
-                  <a16:creationId xmlns:a16="http://schemas.microsoft.com/office/drawing/2014/main" id="{F50D76C6-F98B-006C-E4BB-5567A42DE2D5}"/>
-                </a:ext>
-              </a:extLst>
-            </p:cNvPr>
-            <p:cNvGrpSpPr/>
-            <p:nvPr/>
-          </p:nvGrpSpPr>
-          <p:grpSpPr>
-            <a:xfrm>
-              <a:off x="288060" y="2050479"/>
-              <a:ext cx="1779715" cy="2008572"/>
-              <a:chOff x="3583192" y="-1044343"/>
-              <a:chExt cx="1827083" cy="2052385"/>
-            </a:xfrm>
-            <a:solidFill>
-              <a:srgbClr val="D2BE14"/>
-            </a:solidFill>
-          </p:grpSpPr>
-          <p:sp>
-            <p:nvSpPr>
-              <p:cNvPr id="33" name="矩形 32">
-                <a:extLst>
-                  <a:ext uri="{FF2B5EF4-FFF2-40B4-BE49-F238E27FC236}">
-                    <a16:creationId xmlns:a16="http://schemas.microsoft.com/office/drawing/2014/main" id="{AC544CF1-372E-901B-3719-0B3ABE6C480C}"/>
-                  </a:ext>
-                </a:extLst>
-              </p:cNvPr>
-              <p:cNvSpPr/>
-              <p:nvPr/>
-            </p:nvSpPr>
-            <p:spPr>
-              <a:xfrm>
-                <a:off x="3583192" y="-1044343"/>
-                <a:ext cx="1826757" cy="2052000"/>
-              </a:xfrm>
-              <a:prstGeom prst="rect">
-                <a:avLst/>
-              </a:prstGeom>
-              <a:grpFill/>
-              <a:ln>
-                <a:noFill/>
-              </a:ln>
-            </p:spPr>
-            <p:style>
-              <a:lnRef idx="2">
-                <a:schemeClr val="accent1">
-                  <a:shade val="15000"/>
-                </a:schemeClr>
-              </a:lnRef>
-              <a:fillRef idx="1">
-                <a:schemeClr val="accent1"/>
-              </a:fillRef>
-              <a:effectRef idx="0">
-                <a:schemeClr val="accent1"/>
-              </a:effectRef>
-              <a:fontRef idx="minor">
-                <a:schemeClr val="lt1"/>
-              </a:fontRef>
-            </p:style>
-            <p:txBody>
-              <a:bodyPr rtlCol="0" anchor="ctr"/>
-              <a:lstStyle/>
-              <a:p>
-                <a:pPr algn="ctr"/>
-                <a:endParaRPr lang="zh-TW" altLang="en-US" sz="8800" dirty="0">
-                  <a:latin typeface="HGPSoeiKakupoptai" panose="040B0A00000000000000" pitchFamily="82" charset="-128"/>
-                  <a:ea typeface="HGPSoeiKakupoptai" panose="040B0A00000000000000" pitchFamily="82" charset="-128"/>
-                </a:endParaRPr>
-              </a:p>
-            </p:txBody>
-          </p:sp>
-          <p:sp>
-            <p:nvSpPr>
-              <p:cNvPr id="34" name="文字方塊 33">
-                <a:extLst>
-                  <a:ext uri="{FF2B5EF4-FFF2-40B4-BE49-F238E27FC236}">
-                    <a16:creationId xmlns:a16="http://schemas.microsoft.com/office/drawing/2014/main" id="{24849568-39CF-B868-D50F-C78D76123A74}"/>
-                  </a:ext>
-                </a:extLst>
-              </p:cNvPr>
-              <p:cNvSpPr txBox="1"/>
-              <p:nvPr/>
-            </p:nvSpPr>
-            <p:spPr>
-              <a:xfrm>
-                <a:off x="3858566" y="-438508"/>
-                <a:ext cx="1551709" cy="1446550"/>
-              </a:xfrm>
-              <a:prstGeom prst="rect">
-                <a:avLst/>
-              </a:prstGeom>
-              <a:grpFill/>
-            </p:spPr>
-            <p:txBody>
-              <a:bodyPr wrap="square">
-                <a:spAutoFit/>
-              </a:bodyPr>
-              <a:lstStyle/>
-              <a:p>
-                <a:pPr algn="ctr"/>
-                <a:r>
-                  <a:rPr lang="en-US" altLang="zh-TW" sz="8800" dirty="0">
-                    <a:solidFill>
-                      <a:srgbClr val="000200"/>
-                    </a:solidFill>
-                    <a:latin typeface="HGPSoeiKakupoptai" panose="040B0A00000000000000" pitchFamily="82" charset="-128"/>
-                    <a:ea typeface="HGPSoeiKakupoptai" panose="040B0A00000000000000" pitchFamily="82" charset="-128"/>
-                  </a:rPr>
-                  <a:t>JS</a:t>
-                </a:r>
-                <a:endParaRPr lang="zh-TW" altLang="en-US" sz="8800" dirty="0">
-                  <a:solidFill>
-                    <a:srgbClr val="000200"/>
-                  </a:solidFill>
-                  <a:latin typeface="HGPSoeiKakupoptai" panose="040B0A00000000000000" pitchFamily="82" charset="-128"/>
-                  <a:ea typeface="HGPSoeiKakupoptai" panose="040B0A00000000000000" pitchFamily="82" charset="-128"/>
-                </a:endParaRPr>
-              </a:p>
-            </p:txBody>
-          </p:sp>
-        </p:grpSp>
-      </p:grpSp>
-      <p:grpSp>
-        <p:nvGrpSpPr>
-          <p:cNvPr id="7" name="群組 6">
-            <a:extLst>
-              <a:ext uri="{FF2B5EF4-FFF2-40B4-BE49-F238E27FC236}">
-                <a16:creationId xmlns:a16="http://schemas.microsoft.com/office/drawing/2014/main" id="{DFF7EC9C-5A80-A622-B8B1-2180176C728D}"/>
-              </a:ext>
-            </a:extLst>
-          </p:cNvPr>
-          <p:cNvGrpSpPr/>
-          <p:nvPr/>
-        </p:nvGrpSpPr>
-        <p:grpSpPr>
-          <a:xfrm>
-            <a:off x="111160" y="53700"/>
-            <a:ext cx="4975272" cy="860178"/>
-            <a:chOff x="111160" y="53700"/>
-            <a:chExt cx="4975272" cy="860178"/>
-          </a:xfrm>
-        </p:grpSpPr>
-        <p:sp>
-          <p:nvSpPr>
-            <p:cNvPr id="37" name="文字方塊 36">
-              <a:extLst>
-                <a:ext uri="{FF2B5EF4-FFF2-40B4-BE49-F238E27FC236}">
-                  <a16:creationId xmlns:a16="http://schemas.microsoft.com/office/drawing/2014/main" id="{28760B82-37DF-2F50-F93C-713DD68BF662}"/>
-                </a:ext>
-              </a:extLst>
-            </p:cNvPr>
-            <p:cNvSpPr txBox="1"/>
-            <p:nvPr/>
-          </p:nvSpPr>
-          <p:spPr>
-            <a:xfrm>
-              <a:off x="111160" y="53700"/>
-              <a:ext cx="4951997" cy="830997"/>
-            </a:xfrm>
-            <a:prstGeom prst="rect">
-              <a:avLst/>
-            </a:prstGeom>
-            <a:solidFill>
-              <a:schemeClr val="tx1"/>
-            </a:solidFill>
-          </p:spPr>
-          <p:txBody>
-            <a:bodyPr wrap="none" rtlCol="0">
-              <a:spAutoFit/>
-            </a:bodyPr>
-            <a:lstStyle/>
-            <a:p>
-              <a:r>
-                <a:rPr lang="en-US" altLang="zh-TW" sz="4800" dirty="0">
-                  <a:solidFill>
-                    <a:schemeClr val="bg1"/>
-                  </a:solidFill>
-                  <a:latin typeface="HGPSoeiKakupoptai" panose="040B0A00000000000000" pitchFamily="82" charset="-128"/>
-                  <a:ea typeface="HGPSoeiKakupoptai" panose="040B0A00000000000000" pitchFamily="82" charset="-128"/>
-                  <a:cs typeface="ADLaM Display" panose="02010000000000000000" pitchFamily="2" charset="0"/>
-                </a:rPr>
-                <a:t>JavaScript Copy</a:t>
-              </a:r>
-            </a:p>
-          </p:txBody>
-        </p:sp>
-        <p:cxnSp>
-          <p:nvCxnSpPr>
-            <p:cNvPr id="38" name="直線接點 37">
-              <a:extLst>
-                <a:ext uri="{FF2B5EF4-FFF2-40B4-BE49-F238E27FC236}">
-                  <a16:creationId xmlns:a16="http://schemas.microsoft.com/office/drawing/2014/main" id="{147DE424-9535-8C4C-F878-511191540BD4}"/>
-                </a:ext>
-              </a:extLst>
-            </p:cNvPr>
-            <p:cNvCxnSpPr/>
-            <p:nvPr/>
-          </p:nvCxnSpPr>
-          <p:spPr>
-            <a:xfrm>
-              <a:off x="175095" y="913878"/>
-              <a:ext cx="4911337" cy="0"/>
-            </a:xfrm>
-            <a:prstGeom prst="line">
-              <a:avLst/>
-            </a:prstGeom>
-            <a:ln w="57150">
-              <a:solidFill>
-                <a:schemeClr val="bg1">
-                  <a:lumMod val="95000"/>
-                </a:schemeClr>
-              </a:solidFill>
-              <a:headEnd type="none" w="med" len="med"/>
-              <a:tailEnd type="none" w="med" len="med"/>
-            </a:ln>
-          </p:spPr>
-          <p:style>
-            <a:lnRef idx="2">
-              <a:schemeClr val="accent1"/>
-            </a:lnRef>
-            <a:fillRef idx="0">
-              <a:schemeClr val="accent1"/>
-            </a:fillRef>
-            <a:effectRef idx="1">
-              <a:schemeClr val="accent1"/>
-            </a:effectRef>
-            <a:fontRef idx="minor">
-              <a:schemeClr val="tx1"/>
-            </a:fontRef>
-          </p:style>
-        </p:cxnSp>
-      </p:grpSp>
-      <p:pic>
-        <p:nvPicPr>
-          <p:cNvPr id="14" name="圖片 13" descr="一張含有 文字, 螢幕擷取畫面, 多媒體, 電子裝置 的圖片&#10;&#10;自動產生的描述">
-            <a:extLst>
-              <a:ext uri="{FF2B5EF4-FFF2-40B4-BE49-F238E27FC236}">
-                <a16:creationId xmlns:a16="http://schemas.microsoft.com/office/drawing/2014/main" id="{4B2F5D6A-045D-B40A-6D4A-FAD70CA4ADC0}"/>
-              </a:ext>
-            </a:extLst>
-          </p:cNvPr>
-          <p:cNvPicPr>
-            <a:picLocks noChangeAspect="1"/>
-          </p:cNvPicPr>
-          <p:nvPr/>
-        </p:nvPicPr>
-        <p:blipFill>
-          <a:blip r:embed="rId3">
-            <a:extLst>
-              <a:ext uri="{28A0092B-C50C-407E-A947-70E740481C1C}">
-                <a14:useLocalDpi xmlns:a14="http://schemas.microsoft.com/office/drawing/2010/main" val="0"/>
-              </a:ext>
-            </a:extLst>
-          </a:blip>
-          <a:srcRect l="6439" t="16535" r="9504" b="16535"/>
-          <a:stretch/>
-        </p:blipFill>
-        <p:spPr>
-          <a:xfrm>
-            <a:off x="2730605" y="5074749"/>
-            <a:ext cx="4507663" cy="1728000"/>
-          </a:xfrm>
-          <a:prstGeom prst="rect">
-            <a:avLst/>
-          </a:prstGeom>
-          <a:ln w="19050">
-            <a:solidFill>
-              <a:schemeClr val="bg1"/>
-            </a:solidFill>
-          </a:ln>
-        </p:spPr>
-      </p:pic>
-      <p:pic>
-        <p:nvPicPr>
-          <p:cNvPr id="16" name="圖片 15">
-            <a:extLst>
-              <a:ext uri="{FF2B5EF4-FFF2-40B4-BE49-F238E27FC236}">
-                <a16:creationId xmlns:a16="http://schemas.microsoft.com/office/drawing/2014/main" id="{F96DED12-E205-32C4-4C35-95226CAA3C04}"/>
-              </a:ext>
-            </a:extLst>
-          </p:cNvPr>
-          <p:cNvPicPr>
-            <a:picLocks noChangeAspect="1"/>
-          </p:cNvPicPr>
-          <p:nvPr/>
-        </p:nvPicPr>
-        <p:blipFill>
-          <a:blip r:embed="rId4">
-            <a:extLst>
-              <a:ext uri="{28A0092B-C50C-407E-A947-70E740481C1C}">
-                <a14:useLocalDpi xmlns:a14="http://schemas.microsoft.com/office/drawing/2010/main" val="0"/>
-              </a:ext>
-            </a:extLst>
-          </a:blip>
-          <a:srcRect l="6758" t="9158" r="9184" b="7744"/>
-          <a:stretch/>
-        </p:blipFill>
-        <p:spPr>
-          <a:xfrm>
-            <a:off x="7372034" y="3194673"/>
-            <a:ext cx="4713182" cy="3608075"/>
-          </a:xfrm>
-          <a:prstGeom prst="rect">
-            <a:avLst/>
-          </a:prstGeom>
-          <a:ln w="19050">
-            <a:solidFill>
-              <a:schemeClr val="bg1"/>
-            </a:solidFill>
-          </a:ln>
-        </p:spPr>
-      </p:pic>
-      <p:pic>
-        <p:nvPicPr>
-          <p:cNvPr id="20" name="圖片 19">
-            <a:extLst>
-              <a:ext uri="{FF2B5EF4-FFF2-40B4-BE49-F238E27FC236}">
-                <a16:creationId xmlns:a16="http://schemas.microsoft.com/office/drawing/2014/main" id="{DBEDB47C-E41F-A949-4991-E96FCFC2B920}"/>
-              </a:ext>
-            </a:extLst>
-          </p:cNvPr>
-          <p:cNvPicPr>
-            <a:picLocks noChangeAspect="1"/>
-          </p:cNvPicPr>
-          <p:nvPr/>
-        </p:nvPicPr>
-        <p:blipFill>
-          <a:blip r:embed="rId5">
-            <a:extLst>
-              <a:ext uri="{28A0092B-C50C-407E-A947-70E740481C1C}">
-                <a14:useLocalDpi xmlns:a14="http://schemas.microsoft.com/office/drawing/2010/main" val="0"/>
-              </a:ext>
-            </a:extLst>
-          </a:blip>
-          <a:srcRect l="6288" t="14003" r="6363" b="14084"/>
-          <a:stretch/>
-        </p:blipFill>
-        <p:spPr>
-          <a:xfrm>
-            <a:off x="2730605" y="3194674"/>
-            <a:ext cx="4507663" cy="1728000"/>
-          </a:xfrm>
-          <a:prstGeom prst="rect">
-            <a:avLst/>
-          </a:prstGeom>
-          <a:ln w="19050">
-            <a:solidFill>
-              <a:schemeClr val="bg1"/>
-            </a:solidFill>
-          </a:ln>
-        </p:spPr>
-      </p:pic>
-      <p:sp>
-        <p:nvSpPr>
-          <p:cNvPr id="40" name="文字方塊 39">
-            <a:extLst>
-              <a:ext uri="{FF2B5EF4-FFF2-40B4-BE49-F238E27FC236}">
-                <a16:creationId xmlns:a16="http://schemas.microsoft.com/office/drawing/2014/main" id="{86E0F544-76D3-9E49-3FA6-1F18134D990B}"/>
-              </a:ext>
-            </a:extLst>
-          </p:cNvPr>
-          <p:cNvSpPr txBox="1"/>
-          <p:nvPr/>
-        </p:nvSpPr>
-        <p:spPr>
-          <a:xfrm>
-            <a:off x="2409203" y="1000926"/>
-            <a:ext cx="2640466" cy="707886"/>
-          </a:xfrm>
-          <a:prstGeom prst="rect">
-            <a:avLst/>
-          </a:prstGeom>
-          <a:noFill/>
-          <a:ln>
-            <a:noFill/>
-          </a:ln>
-        </p:spPr>
-        <p:txBody>
-          <a:bodyPr wrap="none" rtlCol="0">
-            <a:spAutoFit/>
-          </a:bodyPr>
-          <a:lstStyle>
-            <a:defPPr>
-              <a:defRPr lang="zh-TW"/>
-            </a:defPPr>
-            <a:lvl1pPr>
-              <a:defRPr sz="4800">
-                <a:solidFill>
-                  <a:schemeClr val="bg1"/>
-                </a:solidFill>
-                <a:latin typeface="ADLaM Display" panose="02010000000000000000" pitchFamily="2" charset="0"/>
-                <a:ea typeface="ADLaM Display" panose="02010000000000000000" pitchFamily="2" charset="0"/>
-                <a:cs typeface="ADLaM Display" panose="02010000000000000000" pitchFamily="2" charset="0"/>
-              </a:defRPr>
-            </a:lvl1pPr>
-          </a:lstStyle>
-          <a:p>
-            <a:r>
-              <a:rPr lang="en-US" altLang="zh-TW" sz="4000" dirty="0">
-                <a:latin typeface="HGPSoeiKakupoptai" panose="040B0A00000000000000" pitchFamily="82" charset="-128"/>
-                <a:ea typeface="HGPSoeiKakupoptai" panose="040B0A00000000000000" pitchFamily="82" charset="-128"/>
-              </a:rPr>
-              <a:t>Deep copy</a:t>
-            </a:r>
-            <a:endParaRPr lang="zh-TW" altLang="en-US" sz="4000" dirty="0">
-              <a:latin typeface="HGPSoeiKakupoptai" panose="040B0A00000000000000" pitchFamily="82" charset="-128"/>
-              <a:ea typeface="HGPSoeiKakupoptai" panose="040B0A00000000000000" pitchFamily="82" charset="-128"/>
-            </a:endParaRPr>
-          </a:p>
-        </p:txBody>
-      </p:sp>
-      <p:sp>
-        <p:nvSpPr>
-          <p:cNvPr id="6" name="文字方塊 5">
-            <a:extLst>
-              <a:ext uri="{FF2B5EF4-FFF2-40B4-BE49-F238E27FC236}">
-                <a16:creationId xmlns:a16="http://schemas.microsoft.com/office/drawing/2014/main" id="{873B5A38-85C0-D609-BB5C-B8414F79EB35}"/>
-              </a:ext>
-            </a:extLst>
-          </p:cNvPr>
-          <p:cNvSpPr txBox="1"/>
-          <p:nvPr/>
-        </p:nvSpPr>
-        <p:spPr>
-          <a:xfrm>
-            <a:off x="2730605" y="1901018"/>
-            <a:ext cx="3026791" cy="369332"/>
-          </a:xfrm>
-          <a:prstGeom prst="rect">
-            <a:avLst/>
-          </a:prstGeom>
-          <a:noFill/>
-          <a:ln>
-            <a:noFill/>
-          </a:ln>
-        </p:spPr>
-        <p:txBody>
-          <a:bodyPr wrap="none" rtlCol="0">
-            <a:spAutoFit/>
-          </a:bodyPr>
-          <a:lstStyle>
-            <a:defPPr>
-              <a:defRPr lang="zh-TW"/>
-            </a:defPPr>
-            <a:lvl1pPr>
-              <a:defRPr sz="4000">
-                <a:solidFill>
-                  <a:schemeClr val="bg1"/>
-                </a:solidFill>
-                <a:latin typeface="HGPSoeiKakupoptai" panose="040B0A00000000000000" pitchFamily="82" charset="-128"/>
-                <a:ea typeface="HGPSoeiKakupoptai" panose="040B0A00000000000000" pitchFamily="82" charset="-128"/>
-                <a:cs typeface="ADLaM Display" panose="02010000000000000000" pitchFamily="2" charset="0"/>
-              </a:defRPr>
-            </a:lvl1pPr>
-          </a:lstStyle>
-          <a:p>
-            <a:r>
-              <a:rPr lang="en-US" altLang="zh-TW" sz="1800" dirty="0"/>
-              <a:t>Entire structure is copied</a:t>
-            </a:r>
-            <a:endParaRPr lang="zh-TW" altLang="en-US" sz="1800" dirty="0"/>
-          </a:p>
-        </p:txBody>
-      </p:sp>
-      <p:sp>
-        <p:nvSpPr>
-          <p:cNvPr id="13" name="文字方塊 12">
-            <a:extLst>
-              <a:ext uri="{FF2B5EF4-FFF2-40B4-BE49-F238E27FC236}">
-                <a16:creationId xmlns:a16="http://schemas.microsoft.com/office/drawing/2014/main" id="{469C5509-20EC-02F9-DF9B-78D9CE5C83FA}"/>
-              </a:ext>
-            </a:extLst>
-          </p:cNvPr>
-          <p:cNvSpPr txBox="1"/>
-          <p:nvPr/>
-        </p:nvSpPr>
-        <p:spPr>
-          <a:xfrm>
-            <a:off x="2730605" y="2700829"/>
-            <a:ext cx="3927678" cy="369332"/>
-          </a:xfrm>
-          <a:prstGeom prst="rect">
-            <a:avLst/>
-          </a:prstGeom>
-          <a:noFill/>
-          <a:ln>
-            <a:noFill/>
-          </a:ln>
-        </p:spPr>
-        <p:txBody>
-          <a:bodyPr wrap="none" rtlCol="0">
-            <a:spAutoFit/>
-          </a:bodyPr>
-          <a:lstStyle>
-            <a:defPPr>
-              <a:defRPr lang="zh-TW"/>
-            </a:defPPr>
-            <a:lvl1pPr>
-              <a:defRPr>
-                <a:solidFill>
-                  <a:schemeClr val="bg1"/>
-                </a:solidFill>
-                <a:latin typeface="HGPSoeiKakupoptai" panose="040B0A00000000000000" pitchFamily="82" charset="-128"/>
-                <a:ea typeface="HGPSoeiKakupoptai" panose="040B0A00000000000000" pitchFamily="82" charset="-128"/>
-                <a:cs typeface="ADLaM Display" panose="02010000000000000000" pitchFamily="2" charset="0"/>
-              </a:defRPr>
-            </a:lvl1pPr>
-          </a:lstStyle>
-          <a:p>
-            <a:r>
-              <a:rPr lang="en-US" altLang="zh-TW" dirty="0"/>
-              <a:t>More complex and time-consuming</a:t>
-            </a:r>
-            <a:endParaRPr lang="zh-TW" altLang="en-US" dirty="0"/>
-          </a:p>
-        </p:txBody>
-      </p:sp>
-      <p:sp>
-        <p:nvSpPr>
-          <p:cNvPr id="10" name="文字方塊 9">
-            <a:extLst>
-              <a:ext uri="{FF2B5EF4-FFF2-40B4-BE49-F238E27FC236}">
-                <a16:creationId xmlns:a16="http://schemas.microsoft.com/office/drawing/2014/main" id="{64B756C7-6E0D-4F80-6483-2CD227A6AED3}"/>
-              </a:ext>
-            </a:extLst>
-          </p:cNvPr>
-          <p:cNvSpPr txBox="1"/>
-          <p:nvPr/>
-        </p:nvSpPr>
-        <p:spPr>
-          <a:xfrm>
-            <a:off x="2730605" y="2297156"/>
-            <a:ext cx="4439036" cy="369332"/>
-          </a:xfrm>
-          <a:prstGeom prst="rect">
-            <a:avLst/>
-          </a:prstGeom>
-          <a:noFill/>
-          <a:ln>
-            <a:noFill/>
-          </a:ln>
-        </p:spPr>
-        <p:txBody>
-          <a:bodyPr wrap="none" rtlCol="0">
-            <a:spAutoFit/>
-          </a:bodyPr>
-          <a:lstStyle>
-            <a:defPPr>
-              <a:defRPr lang="zh-TW"/>
-            </a:defPPr>
-            <a:lvl1pPr>
-              <a:defRPr>
-                <a:solidFill>
-                  <a:schemeClr val="bg1"/>
-                </a:solidFill>
-                <a:latin typeface="HGPSoeiKakupoptai" panose="040B0A00000000000000" pitchFamily="82" charset="-128"/>
-                <a:ea typeface="HGPSoeiKakupoptai" panose="040B0A00000000000000" pitchFamily="82" charset="-128"/>
-                <a:cs typeface="ADLaM Display" panose="02010000000000000000" pitchFamily="2" charset="0"/>
-              </a:defRPr>
-            </a:lvl1pPr>
-          </a:lstStyle>
-          <a:p>
-            <a:r>
-              <a:rPr lang="en-US" altLang="zh-TW" dirty="0"/>
-              <a:t>Changes to nested objects are isolated</a:t>
-            </a:r>
-            <a:endParaRPr lang="zh-TW" altLang="en-US" dirty="0"/>
-          </a:p>
-        </p:txBody>
-      </p:sp>
-      <p:sp>
-        <p:nvSpPr>
-          <p:cNvPr id="11" name="文字方塊 10">
-            <a:extLst>
-              <a:ext uri="{FF2B5EF4-FFF2-40B4-BE49-F238E27FC236}">
-                <a16:creationId xmlns:a16="http://schemas.microsoft.com/office/drawing/2014/main" id="{CB65CA3F-090A-B788-2CDE-BE8E5345D158}"/>
-              </a:ext>
-            </a:extLst>
-          </p:cNvPr>
-          <p:cNvSpPr txBox="1"/>
-          <p:nvPr/>
-        </p:nvSpPr>
-        <p:spPr>
-          <a:xfrm>
-            <a:off x="2409203" y="1613656"/>
-            <a:ext cx="9782797" cy="307777"/>
-          </a:xfrm>
-          <a:prstGeom prst="rect">
-            <a:avLst/>
-          </a:prstGeom>
-          <a:noFill/>
-          <a:ln>
-            <a:noFill/>
-          </a:ln>
-        </p:spPr>
-        <p:txBody>
-          <a:bodyPr wrap="square" rtlCol="0">
-            <a:spAutoFit/>
-          </a:bodyPr>
-          <a:lstStyle>
-            <a:defPPr>
-              <a:defRPr lang="zh-TW"/>
-            </a:defPPr>
-            <a:lvl1pPr>
-              <a:defRPr sz="4000">
-                <a:solidFill>
-                  <a:schemeClr val="bg1"/>
-                </a:solidFill>
-                <a:latin typeface="HGPSoeiKakupoptai" panose="040B0A00000000000000" pitchFamily="82" charset="-128"/>
-                <a:ea typeface="HGPSoeiKakupoptai" panose="040B0A00000000000000" pitchFamily="82" charset="-128"/>
-                <a:cs typeface="ADLaM Display" panose="02010000000000000000" pitchFamily="2" charset="0"/>
-              </a:defRPr>
-            </a:lvl1pPr>
-          </a:lstStyle>
-          <a:p>
-            <a:r>
-              <a:rPr lang="en-US" altLang="zh-TW" sz="1400" dirty="0">
-                <a:solidFill>
-                  <a:srgbClr val="F7E018"/>
-                </a:solidFill>
-              </a:rPr>
-              <a:t>When your object contains nested structures, and you need to ensure complete independence between the copies.</a:t>
-            </a:r>
-            <a:endParaRPr lang="zh-TW" altLang="en-US" sz="1400" dirty="0">
-              <a:solidFill>
-                <a:srgbClr val="F7E018"/>
-              </a:solidFill>
-            </a:endParaRPr>
-          </a:p>
-        </p:txBody>
-      </p:sp>
-    </p:spTree>
-    <p:extLst>
-      <p:ext uri="{BB962C8B-B14F-4D97-AF65-F5344CB8AC3E}">
-        <p14:creationId xmlns:p14="http://schemas.microsoft.com/office/powerpoint/2010/main" val="3858012344"/>
-      </p:ext>
-    </p:extLst>
-  </p:cSld>
-  <p:clrMapOvr>
-    <a:masterClrMapping/>
-  </p:clrMapOvr>
-</p:sld>
-</file>
-
-<file path=ppt/slides/slide7.xml><?xml version="1.0" encoding="utf-8"?>
-<p:sld xmlns:a="http://schemas.openxmlformats.org/drawingml/2006/main" xmlns:r="http://schemas.openxmlformats.org/officeDocument/2006/relationships" xmlns:p="http://schemas.openxmlformats.org/presentationml/2006/main">
-  <p:cSld>
-    <p:bg>
-      <p:bgPr>
-        <a:solidFill>
-          <a:schemeClr val="tx1"/>
-        </a:solidFill>
-        <a:effectLst/>
-      </p:bgPr>
-    </p:bg>
-    <p:spTree>
-      <p:nvGrpSpPr>
-        <p:cNvPr id="1" name=""/>
-        <p:cNvGrpSpPr/>
-        <p:nvPr/>
-      </p:nvGrpSpPr>
-      <p:grpSpPr>
-        <a:xfrm>
-          <a:off x="0" y="0"/>
-          <a:ext cx="0" cy="0"/>
-          <a:chOff x="0" y="0"/>
-          <a:chExt cx="0" cy="0"/>
-        </a:xfrm>
-      </p:grpSpPr>
-      <p:grpSp>
-        <p:nvGrpSpPr>
-          <p:cNvPr id="28" name="群組 27">
-            <a:extLst>
-              <a:ext uri="{FF2B5EF4-FFF2-40B4-BE49-F238E27FC236}">
-                <a16:creationId xmlns:a16="http://schemas.microsoft.com/office/drawing/2014/main" id="{4037ADCE-A775-44E4-BE80-8718A99C0623}"/>
-              </a:ext>
-            </a:extLst>
-          </p:cNvPr>
-          <p:cNvGrpSpPr/>
-          <p:nvPr/>
-        </p:nvGrpSpPr>
-        <p:grpSpPr>
-          <a:xfrm>
-            <a:off x="106784" y="189000"/>
-            <a:ext cx="3473714" cy="6480000"/>
-            <a:chOff x="106784" y="189000"/>
-            <a:chExt cx="3473714" cy="6480000"/>
-          </a:xfrm>
-        </p:grpSpPr>
-        <p:grpSp>
-          <p:nvGrpSpPr>
-            <p:cNvPr id="31" name="群組 30">
-              <a:extLst>
-                <a:ext uri="{FF2B5EF4-FFF2-40B4-BE49-F238E27FC236}">
-                  <a16:creationId xmlns:a16="http://schemas.microsoft.com/office/drawing/2014/main" id="{9763B9B6-39EF-3E59-5F2B-7087FE53E92E}"/>
-                </a:ext>
-              </a:extLst>
-            </p:cNvPr>
-            <p:cNvGrpSpPr/>
-            <p:nvPr/>
-          </p:nvGrpSpPr>
-          <p:grpSpPr>
-            <a:xfrm>
-              <a:off x="106784" y="189000"/>
-              <a:ext cx="3473714" cy="6480000"/>
-              <a:chOff x="752732" y="1282"/>
-              <a:chExt cx="4266529" cy="6856718"/>
-            </a:xfrm>
-          </p:grpSpPr>
-          <p:pic>
-            <p:nvPicPr>
-              <p:cNvPr id="35" name="Picture 4" descr="What Is JavaScript Used For?">
-                <a:extLst>
-                  <a:ext uri="{FF2B5EF4-FFF2-40B4-BE49-F238E27FC236}">
-                    <a16:creationId xmlns:a16="http://schemas.microsoft.com/office/drawing/2014/main" id="{53A9E0D8-F22F-E928-928D-7EE1B9292AE8}"/>
-                  </a:ext>
-                </a:extLst>
-              </p:cNvPr>
-              <p:cNvPicPr>
-                <a:picLocks noChangeAspect="1" noChangeArrowheads="1"/>
-              </p:cNvPicPr>
-              <p:nvPr/>
-            </p:nvPicPr>
-            <p:blipFill rotWithShape="1">
-              <a:blip r:embed="rId2">
-                <a:alphaModFix amt="85000"/>
-                <a:extLst>
-                  <a:ext uri="{28A0092B-C50C-407E-A947-70E740481C1C}">
-                    <a14:useLocalDpi xmlns:a14="http://schemas.microsoft.com/office/drawing/2010/main" val="0"/>
-                  </a:ext>
-                </a:extLst>
-              </a:blip>
-              <a:srcRect l="6173" t="-2" r="61849" b="20"/>
-              <a:stretch/>
-            </p:blipFill>
-            <p:spPr bwMode="auto">
-              <a:xfrm>
-                <a:off x="752732" y="1282"/>
-                <a:ext cx="3898781" cy="6856718"/>
-              </a:xfrm>
-              <a:prstGeom prst="rect">
-                <a:avLst/>
-              </a:prstGeom>
-              <a:noFill/>
-              <a:extLst>
-                <a:ext uri="{909E8E84-426E-40DD-AFC4-6F175D3DCCD1}">
-                  <a14:hiddenFill xmlns:a14="http://schemas.microsoft.com/office/drawing/2010/main">
-                    <a:solidFill>
-                      <a:srgbClr val="FFFFFF"/>
-                    </a:solidFill>
-                  </a14:hiddenFill>
-                </a:ext>
-              </a:extLst>
-            </p:spPr>
-          </p:pic>
-          <p:sp>
-            <p:nvSpPr>
-              <p:cNvPr id="36" name="矩形 35">
-                <a:extLst>
-                  <a:ext uri="{FF2B5EF4-FFF2-40B4-BE49-F238E27FC236}">
-                    <a16:creationId xmlns:a16="http://schemas.microsoft.com/office/drawing/2014/main" id="{D8F9FE86-688D-6533-26C6-95B79E733541}"/>
-                  </a:ext>
-                </a:extLst>
-              </p:cNvPr>
-              <p:cNvSpPr/>
-              <p:nvPr/>
-            </p:nvSpPr>
-            <p:spPr>
-              <a:xfrm>
-                <a:off x="3667539" y="2166730"/>
-                <a:ext cx="1351722" cy="1938131"/>
-              </a:xfrm>
-              <a:prstGeom prst="rect">
-                <a:avLst/>
-              </a:prstGeom>
-              <a:solidFill>
-                <a:srgbClr val="000000"/>
-              </a:solidFill>
-              <a:ln>
-                <a:noFill/>
-              </a:ln>
-            </p:spPr>
-            <p:style>
-              <a:lnRef idx="2">
-                <a:schemeClr val="accent1">
-                  <a:shade val="15000"/>
-                </a:schemeClr>
-              </a:lnRef>
-              <a:fillRef idx="1">
-                <a:schemeClr val="accent1"/>
-              </a:fillRef>
-              <a:effectRef idx="0">
-                <a:schemeClr val="accent1"/>
-              </a:effectRef>
-              <a:fontRef idx="minor">
-                <a:schemeClr val="lt1"/>
-              </a:fontRef>
-            </p:style>
-            <p:txBody>
-              <a:bodyPr rtlCol="0" anchor="ctr"/>
-              <a:lstStyle/>
-              <a:p>
-                <a:pPr algn="ctr"/>
-                <a:endParaRPr lang="zh-TW" altLang="en-US">
-                  <a:latin typeface="HGPSoeiKakupoptai" panose="040B0A00000000000000" pitchFamily="82" charset="-128"/>
-                  <a:ea typeface="HGPSoeiKakupoptai" panose="040B0A00000000000000" pitchFamily="82" charset="-128"/>
-                </a:endParaRPr>
-              </a:p>
-            </p:txBody>
-          </p:sp>
-        </p:grpSp>
-        <p:grpSp>
-          <p:nvGrpSpPr>
-            <p:cNvPr id="32" name="群組 31">
-              <a:extLst>
-                <a:ext uri="{FF2B5EF4-FFF2-40B4-BE49-F238E27FC236}">
-                  <a16:creationId xmlns:a16="http://schemas.microsoft.com/office/drawing/2014/main" id="{F50D76C6-F98B-006C-E4BB-5567A42DE2D5}"/>
-                </a:ext>
-              </a:extLst>
-            </p:cNvPr>
-            <p:cNvGrpSpPr/>
-            <p:nvPr/>
-          </p:nvGrpSpPr>
-          <p:grpSpPr>
-            <a:xfrm>
-              <a:off x="288060" y="2050479"/>
-              <a:ext cx="1779715" cy="2008572"/>
-              <a:chOff x="3583192" y="-1044343"/>
-              <a:chExt cx="1827083" cy="2052385"/>
-            </a:xfrm>
-            <a:solidFill>
-              <a:srgbClr val="D2BE14"/>
-            </a:solidFill>
-          </p:grpSpPr>
-          <p:sp>
-            <p:nvSpPr>
-              <p:cNvPr id="33" name="矩形 32">
-                <a:extLst>
-                  <a:ext uri="{FF2B5EF4-FFF2-40B4-BE49-F238E27FC236}">
-                    <a16:creationId xmlns:a16="http://schemas.microsoft.com/office/drawing/2014/main" id="{AC544CF1-372E-901B-3719-0B3ABE6C480C}"/>
-                  </a:ext>
-                </a:extLst>
-              </p:cNvPr>
-              <p:cNvSpPr/>
-              <p:nvPr/>
-            </p:nvSpPr>
-            <p:spPr>
-              <a:xfrm>
-                <a:off x="3583192" y="-1044343"/>
-                <a:ext cx="1826757" cy="2052000"/>
-              </a:xfrm>
-              <a:prstGeom prst="rect">
-                <a:avLst/>
-              </a:prstGeom>
-              <a:grpFill/>
-              <a:ln>
-                <a:noFill/>
-              </a:ln>
-            </p:spPr>
-            <p:style>
-              <a:lnRef idx="2">
-                <a:schemeClr val="accent1">
-                  <a:shade val="15000"/>
-                </a:schemeClr>
-              </a:lnRef>
-              <a:fillRef idx="1">
-                <a:schemeClr val="accent1"/>
-              </a:fillRef>
-              <a:effectRef idx="0">
-                <a:schemeClr val="accent1"/>
-              </a:effectRef>
-              <a:fontRef idx="minor">
-                <a:schemeClr val="lt1"/>
-              </a:fontRef>
-            </p:style>
-            <p:txBody>
-              <a:bodyPr rtlCol="0" anchor="ctr"/>
-              <a:lstStyle/>
-              <a:p>
-                <a:pPr algn="ctr"/>
-                <a:endParaRPr lang="zh-TW" altLang="en-US" sz="8800" dirty="0">
-                  <a:latin typeface="HGPSoeiKakupoptai" panose="040B0A00000000000000" pitchFamily="82" charset="-128"/>
-                  <a:ea typeface="HGPSoeiKakupoptai" panose="040B0A00000000000000" pitchFamily="82" charset="-128"/>
-                </a:endParaRPr>
-              </a:p>
-            </p:txBody>
-          </p:sp>
-          <p:sp>
-            <p:nvSpPr>
-              <p:cNvPr id="34" name="文字方塊 33">
-                <a:extLst>
-                  <a:ext uri="{FF2B5EF4-FFF2-40B4-BE49-F238E27FC236}">
-                    <a16:creationId xmlns:a16="http://schemas.microsoft.com/office/drawing/2014/main" id="{24849568-39CF-B868-D50F-C78D76123A74}"/>
-                  </a:ext>
-                </a:extLst>
-              </p:cNvPr>
-              <p:cNvSpPr txBox="1"/>
-              <p:nvPr/>
-            </p:nvSpPr>
-            <p:spPr>
-              <a:xfrm>
-                <a:off x="3858566" y="-438508"/>
-                <a:ext cx="1551709" cy="1446550"/>
-              </a:xfrm>
-              <a:prstGeom prst="rect">
-                <a:avLst/>
-              </a:prstGeom>
-              <a:grpFill/>
-            </p:spPr>
-            <p:txBody>
-              <a:bodyPr wrap="square">
-                <a:spAutoFit/>
-              </a:bodyPr>
-              <a:lstStyle/>
-              <a:p>
-                <a:pPr algn="ctr"/>
-                <a:r>
-                  <a:rPr lang="en-US" altLang="zh-TW" sz="8800" dirty="0">
-                    <a:solidFill>
-                      <a:srgbClr val="000200"/>
-                    </a:solidFill>
-                    <a:latin typeface="HGPSoeiKakupoptai" panose="040B0A00000000000000" pitchFamily="82" charset="-128"/>
-                    <a:ea typeface="HGPSoeiKakupoptai" panose="040B0A00000000000000" pitchFamily="82" charset="-128"/>
-                  </a:rPr>
-                  <a:t>JS</a:t>
-                </a:r>
-                <a:endParaRPr lang="zh-TW" altLang="en-US" sz="8800" dirty="0">
-                  <a:solidFill>
-                    <a:srgbClr val="000200"/>
-                  </a:solidFill>
-                  <a:latin typeface="HGPSoeiKakupoptai" panose="040B0A00000000000000" pitchFamily="82" charset="-128"/>
-                  <a:ea typeface="HGPSoeiKakupoptai" panose="040B0A00000000000000" pitchFamily="82" charset="-128"/>
-                </a:endParaRPr>
-              </a:p>
-            </p:txBody>
-          </p:sp>
-        </p:grpSp>
-      </p:grpSp>
-      <p:grpSp>
-        <p:nvGrpSpPr>
-          <p:cNvPr id="2" name="群組 1">
-            <a:extLst>
-              <a:ext uri="{FF2B5EF4-FFF2-40B4-BE49-F238E27FC236}">
-                <a16:creationId xmlns:a16="http://schemas.microsoft.com/office/drawing/2014/main" id="{71A20F00-CA37-239C-F9A3-639A50F17A34}"/>
-              </a:ext>
-            </a:extLst>
-          </p:cNvPr>
-          <p:cNvGrpSpPr/>
-          <p:nvPr/>
-        </p:nvGrpSpPr>
-        <p:grpSpPr>
-          <a:xfrm>
-            <a:off x="111160" y="53700"/>
-            <a:ext cx="5500224" cy="860178"/>
-            <a:chOff x="111160" y="53700"/>
-            <a:chExt cx="5500224" cy="860178"/>
-          </a:xfrm>
-        </p:grpSpPr>
-        <p:sp>
-          <p:nvSpPr>
-            <p:cNvPr id="3" name="文字方塊 2">
-              <a:extLst>
-                <a:ext uri="{FF2B5EF4-FFF2-40B4-BE49-F238E27FC236}">
-                  <a16:creationId xmlns:a16="http://schemas.microsoft.com/office/drawing/2014/main" id="{319B476B-CABA-0A8A-BFAC-579260018600}"/>
-                </a:ext>
-              </a:extLst>
-            </p:cNvPr>
-            <p:cNvSpPr txBox="1"/>
-            <p:nvPr/>
-          </p:nvSpPr>
-          <p:spPr>
-            <a:xfrm>
-              <a:off x="111160" y="53700"/>
-              <a:ext cx="5500224" cy="830997"/>
-            </a:xfrm>
-            <a:prstGeom prst="rect">
-              <a:avLst/>
-            </a:prstGeom>
-            <a:solidFill>
-              <a:schemeClr val="tx1"/>
-            </a:solidFill>
-          </p:spPr>
-          <p:txBody>
-            <a:bodyPr wrap="none" rtlCol="0">
-              <a:spAutoFit/>
-            </a:bodyPr>
-            <a:lstStyle/>
-            <a:p>
-              <a:r>
-                <a:rPr lang="en-US" altLang="zh-TW" sz="4800" dirty="0">
-                  <a:solidFill>
-                    <a:schemeClr val="bg1"/>
-                  </a:solidFill>
-                  <a:latin typeface="HGPSoeiKakupoptai" panose="040B0A00000000000000" pitchFamily="82" charset="-128"/>
-                  <a:ea typeface="HGPSoeiKakupoptai" panose="040B0A00000000000000" pitchFamily="82" charset="-128"/>
-                  <a:cs typeface="ADLaM Display" panose="02010000000000000000" pitchFamily="2" charset="0"/>
-                </a:rPr>
-                <a:t>JavaScript </a:t>
-              </a:r>
-              <a:r>
-                <a:rPr lang="en-US" altLang="zh-TW" sz="4800" dirty="0" err="1">
-                  <a:solidFill>
-                    <a:schemeClr val="bg1"/>
-                  </a:solidFill>
-                  <a:latin typeface="HGPSoeiKakupoptai" panose="040B0A00000000000000" pitchFamily="82" charset="-128"/>
-                  <a:ea typeface="HGPSoeiKakupoptai" panose="040B0A00000000000000" pitchFamily="82" charset="-128"/>
-                  <a:cs typeface="ADLaM Display" panose="02010000000000000000" pitchFamily="2" charset="0"/>
-                </a:rPr>
-                <a:t>Polyfill</a:t>
-              </a:r>
-              <a:endParaRPr lang="en-US" altLang="zh-TW" sz="4800" dirty="0">
-                <a:solidFill>
-                  <a:schemeClr val="bg1"/>
-                </a:solidFill>
-                <a:latin typeface="HGPSoeiKakupoptai" panose="040B0A00000000000000" pitchFamily="82" charset="-128"/>
-                <a:ea typeface="HGPSoeiKakupoptai" panose="040B0A00000000000000" pitchFamily="82" charset="-128"/>
-                <a:cs typeface="ADLaM Display" panose="02010000000000000000" pitchFamily="2" charset="0"/>
-              </a:endParaRPr>
-            </a:p>
-          </p:txBody>
-        </p:sp>
-        <p:cxnSp>
-          <p:nvCxnSpPr>
-            <p:cNvPr id="4" name="直線接點 3">
-              <a:extLst>
-                <a:ext uri="{FF2B5EF4-FFF2-40B4-BE49-F238E27FC236}">
-                  <a16:creationId xmlns:a16="http://schemas.microsoft.com/office/drawing/2014/main" id="{C75C1DD4-AB0A-359C-C12F-05CE904EA98A}"/>
-                </a:ext>
-              </a:extLst>
-            </p:cNvPr>
-            <p:cNvCxnSpPr>
-              <a:cxnSpLocks/>
-            </p:cNvCxnSpPr>
-            <p:nvPr/>
-          </p:nvCxnSpPr>
-          <p:spPr>
-            <a:xfrm>
-              <a:off x="175095" y="913878"/>
-              <a:ext cx="5436289" cy="0"/>
-            </a:xfrm>
-            <a:prstGeom prst="line">
-              <a:avLst/>
-            </a:prstGeom>
-            <a:ln w="57150">
-              <a:solidFill>
-                <a:schemeClr val="bg1">
-                  <a:lumMod val="95000"/>
-                </a:schemeClr>
-              </a:solidFill>
-              <a:headEnd type="none" w="med" len="med"/>
-              <a:tailEnd type="none" w="med" len="med"/>
-            </a:ln>
-          </p:spPr>
-          <p:style>
-            <a:lnRef idx="2">
-              <a:schemeClr val="accent1"/>
-            </a:lnRef>
-            <a:fillRef idx="0">
-              <a:schemeClr val="accent1"/>
-            </a:fillRef>
-            <a:effectRef idx="1">
-              <a:schemeClr val="accent1"/>
-            </a:effectRef>
-            <a:fontRef idx="minor">
-              <a:schemeClr val="tx1"/>
-            </a:fontRef>
-          </p:style>
-        </p:cxnSp>
-      </p:grpSp>
-    </p:spTree>
-    <p:extLst>
-      <p:ext uri="{BB962C8B-B14F-4D97-AF65-F5344CB8AC3E}">
-        <p14:creationId xmlns:p14="http://schemas.microsoft.com/office/powerpoint/2010/main" val="2947613727"/>
-      </p:ext>
-    </p:extLst>
-  </p:cSld>
-  <p:clrMapOvr>
-    <a:masterClrMapping/>
-  </p:clrMapOvr>
-</p:sld>
-</file>
-
-<file path=ppt/slides/slide8.xml><?xml version="1.0" encoding="utf-8"?>
-<p:sld xmlns:a="http://schemas.openxmlformats.org/drawingml/2006/main" xmlns:r="http://schemas.openxmlformats.org/officeDocument/2006/relationships" xmlns:p="http://schemas.openxmlformats.org/presentationml/2006/main">
-  <p:cSld>
-    <p:bg>
-      <p:bgPr>
-        <a:solidFill>
-          <a:schemeClr val="tx1"/>
-        </a:solidFill>
-        <a:effectLst/>
-      </p:bgPr>
-    </p:bg>
-    <p:spTree>
-      <p:nvGrpSpPr>
-        <p:cNvPr id="1" name=""/>
-        <p:cNvGrpSpPr/>
-        <p:nvPr/>
-      </p:nvGrpSpPr>
-      <p:grpSpPr>
-        <a:xfrm>
-          <a:off x="0" y="0"/>
-          <a:ext cx="0" cy="0"/>
-          <a:chOff x="0" y="0"/>
-          <a:chExt cx="0" cy="0"/>
-        </a:xfrm>
-      </p:grpSpPr>
-      <p:grpSp>
-        <p:nvGrpSpPr>
-          <p:cNvPr id="28" name="群組 27">
-            <a:extLst>
-              <a:ext uri="{FF2B5EF4-FFF2-40B4-BE49-F238E27FC236}">
-                <a16:creationId xmlns:a16="http://schemas.microsoft.com/office/drawing/2014/main" id="{4037ADCE-A775-44E4-BE80-8718A99C0623}"/>
-              </a:ext>
-            </a:extLst>
-          </p:cNvPr>
-          <p:cNvGrpSpPr/>
-          <p:nvPr/>
-        </p:nvGrpSpPr>
-        <p:grpSpPr>
-          <a:xfrm>
-            <a:off x="106784" y="189000"/>
-            <a:ext cx="3473714" cy="6480000"/>
-            <a:chOff x="106784" y="189000"/>
-            <a:chExt cx="3473714" cy="6480000"/>
-          </a:xfrm>
-        </p:grpSpPr>
-        <p:grpSp>
-          <p:nvGrpSpPr>
-            <p:cNvPr id="31" name="群組 30">
-              <a:extLst>
-                <a:ext uri="{FF2B5EF4-FFF2-40B4-BE49-F238E27FC236}">
-                  <a16:creationId xmlns:a16="http://schemas.microsoft.com/office/drawing/2014/main" id="{9763B9B6-39EF-3E59-5F2B-7087FE53E92E}"/>
-                </a:ext>
-              </a:extLst>
-            </p:cNvPr>
-            <p:cNvGrpSpPr/>
-            <p:nvPr/>
-          </p:nvGrpSpPr>
-          <p:grpSpPr>
-            <a:xfrm>
-              <a:off x="106784" y="189000"/>
-              <a:ext cx="3473714" cy="6480000"/>
-              <a:chOff x="752732" y="1282"/>
-              <a:chExt cx="4266529" cy="6856718"/>
-            </a:xfrm>
-          </p:grpSpPr>
-          <p:pic>
-            <p:nvPicPr>
-              <p:cNvPr id="35" name="Picture 4" descr="What Is JavaScript Used For?">
-                <a:extLst>
-                  <a:ext uri="{FF2B5EF4-FFF2-40B4-BE49-F238E27FC236}">
-                    <a16:creationId xmlns:a16="http://schemas.microsoft.com/office/drawing/2014/main" id="{53A9E0D8-F22F-E928-928D-7EE1B9292AE8}"/>
-                  </a:ext>
-                </a:extLst>
-              </p:cNvPr>
-              <p:cNvPicPr>
-                <a:picLocks noChangeAspect="1" noChangeArrowheads="1"/>
-              </p:cNvPicPr>
-              <p:nvPr/>
-            </p:nvPicPr>
-            <p:blipFill rotWithShape="1">
-              <a:blip r:embed="rId2">
-                <a:alphaModFix amt="85000"/>
-                <a:extLst>
-                  <a:ext uri="{28A0092B-C50C-407E-A947-70E740481C1C}">
-                    <a14:useLocalDpi xmlns:a14="http://schemas.microsoft.com/office/drawing/2010/main" val="0"/>
-                  </a:ext>
-                </a:extLst>
-              </a:blip>
-              <a:srcRect l="6173" t="-2" r="61849" b="20"/>
-              <a:stretch/>
-            </p:blipFill>
-            <p:spPr bwMode="auto">
-              <a:xfrm>
-                <a:off x="752732" y="1282"/>
-                <a:ext cx="3898781" cy="6856718"/>
-              </a:xfrm>
-              <a:prstGeom prst="rect">
-                <a:avLst/>
-              </a:prstGeom>
-              <a:noFill/>
-              <a:extLst>
-                <a:ext uri="{909E8E84-426E-40DD-AFC4-6F175D3DCCD1}">
-                  <a14:hiddenFill xmlns:a14="http://schemas.microsoft.com/office/drawing/2010/main">
-                    <a:solidFill>
-                      <a:srgbClr val="FFFFFF"/>
-                    </a:solidFill>
-                  </a14:hiddenFill>
-                </a:ext>
-              </a:extLst>
-            </p:spPr>
-          </p:pic>
-          <p:sp>
-            <p:nvSpPr>
-              <p:cNvPr id="36" name="矩形 35">
-                <a:extLst>
-                  <a:ext uri="{FF2B5EF4-FFF2-40B4-BE49-F238E27FC236}">
-                    <a16:creationId xmlns:a16="http://schemas.microsoft.com/office/drawing/2014/main" id="{D8F9FE86-688D-6533-26C6-95B79E733541}"/>
-                  </a:ext>
-                </a:extLst>
-              </p:cNvPr>
-              <p:cNvSpPr/>
-              <p:nvPr/>
-            </p:nvSpPr>
-            <p:spPr>
-              <a:xfrm>
-                <a:off x="3667539" y="2166730"/>
-                <a:ext cx="1351722" cy="1938131"/>
-              </a:xfrm>
-              <a:prstGeom prst="rect">
-                <a:avLst/>
-              </a:prstGeom>
-              <a:solidFill>
-                <a:srgbClr val="000000"/>
-              </a:solidFill>
-              <a:ln>
-                <a:noFill/>
-              </a:ln>
-            </p:spPr>
-            <p:style>
-              <a:lnRef idx="2">
-                <a:schemeClr val="accent1">
-                  <a:shade val="15000"/>
-                </a:schemeClr>
-              </a:lnRef>
-              <a:fillRef idx="1">
-                <a:schemeClr val="accent1"/>
-              </a:fillRef>
-              <a:effectRef idx="0">
-                <a:schemeClr val="accent1"/>
-              </a:effectRef>
-              <a:fontRef idx="minor">
-                <a:schemeClr val="lt1"/>
-              </a:fontRef>
-            </p:style>
-            <p:txBody>
-              <a:bodyPr rtlCol="0" anchor="ctr"/>
-              <a:lstStyle/>
-              <a:p>
-                <a:pPr algn="ctr"/>
-                <a:endParaRPr lang="zh-TW" altLang="en-US">
-                  <a:latin typeface="HGPSoeiKakupoptai" panose="040B0A00000000000000" pitchFamily="82" charset="-128"/>
-                  <a:ea typeface="HGPSoeiKakupoptai" panose="040B0A00000000000000" pitchFamily="82" charset="-128"/>
-                </a:endParaRPr>
-              </a:p>
-            </p:txBody>
-          </p:sp>
-        </p:grpSp>
-        <p:grpSp>
-          <p:nvGrpSpPr>
-            <p:cNvPr id="32" name="群組 31">
-              <a:extLst>
-                <a:ext uri="{FF2B5EF4-FFF2-40B4-BE49-F238E27FC236}">
-                  <a16:creationId xmlns:a16="http://schemas.microsoft.com/office/drawing/2014/main" id="{F50D76C6-F98B-006C-E4BB-5567A42DE2D5}"/>
-                </a:ext>
-              </a:extLst>
-            </p:cNvPr>
-            <p:cNvGrpSpPr/>
-            <p:nvPr/>
-          </p:nvGrpSpPr>
-          <p:grpSpPr>
-            <a:xfrm>
-              <a:off x="288060" y="2050479"/>
-              <a:ext cx="1779715" cy="2008572"/>
-              <a:chOff x="3583192" y="-1044343"/>
-              <a:chExt cx="1827083" cy="2052385"/>
-            </a:xfrm>
-            <a:solidFill>
-              <a:srgbClr val="D2BE14"/>
-            </a:solidFill>
-          </p:grpSpPr>
-          <p:sp>
-            <p:nvSpPr>
-              <p:cNvPr id="33" name="矩形 32">
-                <a:extLst>
-                  <a:ext uri="{FF2B5EF4-FFF2-40B4-BE49-F238E27FC236}">
-                    <a16:creationId xmlns:a16="http://schemas.microsoft.com/office/drawing/2014/main" id="{AC544CF1-372E-901B-3719-0B3ABE6C480C}"/>
-                  </a:ext>
-                </a:extLst>
-              </p:cNvPr>
-              <p:cNvSpPr/>
-              <p:nvPr/>
-            </p:nvSpPr>
-            <p:spPr>
-              <a:xfrm>
-                <a:off x="3583192" y="-1044343"/>
-                <a:ext cx="1826757" cy="2052000"/>
-              </a:xfrm>
-              <a:prstGeom prst="rect">
-                <a:avLst/>
-              </a:prstGeom>
-              <a:grpFill/>
-              <a:ln>
-                <a:noFill/>
-              </a:ln>
-            </p:spPr>
-            <p:style>
-              <a:lnRef idx="2">
-                <a:schemeClr val="accent1">
-                  <a:shade val="15000"/>
-                </a:schemeClr>
-              </a:lnRef>
-              <a:fillRef idx="1">
-                <a:schemeClr val="accent1"/>
-              </a:fillRef>
-              <a:effectRef idx="0">
-                <a:schemeClr val="accent1"/>
-              </a:effectRef>
-              <a:fontRef idx="minor">
-                <a:schemeClr val="lt1"/>
-              </a:fontRef>
-            </p:style>
-            <p:txBody>
-              <a:bodyPr rtlCol="0" anchor="ctr"/>
-              <a:lstStyle/>
-              <a:p>
-                <a:pPr algn="ctr"/>
-                <a:endParaRPr lang="zh-TW" altLang="en-US" sz="8800" dirty="0">
-                  <a:latin typeface="HGPSoeiKakupoptai" panose="040B0A00000000000000" pitchFamily="82" charset="-128"/>
-                  <a:ea typeface="HGPSoeiKakupoptai" panose="040B0A00000000000000" pitchFamily="82" charset="-128"/>
-                </a:endParaRPr>
-              </a:p>
-            </p:txBody>
-          </p:sp>
-          <p:sp>
-            <p:nvSpPr>
-              <p:cNvPr id="34" name="文字方塊 33">
-                <a:extLst>
-                  <a:ext uri="{FF2B5EF4-FFF2-40B4-BE49-F238E27FC236}">
-                    <a16:creationId xmlns:a16="http://schemas.microsoft.com/office/drawing/2014/main" id="{24849568-39CF-B868-D50F-C78D76123A74}"/>
-                  </a:ext>
-                </a:extLst>
-              </p:cNvPr>
-              <p:cNvSpPr txBox="1"/>
-              <p:nvPr/>
-            </p:nvSpPr>
-            <p:spPr>
-              <a:xfrm>
-                <a:off x="3858566" y="-438508"/>
-                <a:ext cx="1551709" cy="1446550"/>
-              </a:xfrm>
-              <a:prstGeom prst="rect">
-                <a:avLst/>
-              </a:prstGeom>
-              <a:grpFill/>
-            </p:spPr>
-            <p:txBody>
-              <a:bodyPr wrap="square">
-                <a:spAutoFit/>
-              </a:bodyPr>
-              <a:lstStyle/>
-              <a:p>
-                <a:pPr algn="ctr"/>
-                <a:r>
-                  <a:rPr lang="en-US" altLang="zh-TW" sz="8800" dirty="0">
-                    <a:solidFill>
-                      <a:srgbClr val="000200"/>
-                    </a:solidFill>
-                    <a:latin typeface="HGPSoeiKakupoptai" panose="040B0A00000000000000" pitchFamily="82" charset="-128"/>
-                    <a:ea typeface="HGPSoeiKakupoptai" panose="040B0A00000000000000" pitchFamily="82" charset="-128"/>
-                  </a:rPr>
-                  <a:t>JS</a:t>
-                </a:r>
-                <a:endParaRPr lang="zh-TW" altLang="en-US" sz="8800" dirty="0">
-                  <a:solidFill>
-                    <a:srgbClr val="000200"/>
-                  </a:solidFill>
-                  <a:latin typeface="HGPSoeiKakupoptai" panose="040B0A00000000000000" pitchFamily="82" charset="-128"/>
-                  <a:ea typeface="HGPSoeiKakupoptai" panose="040B0A00000000000000" pitchFamily="82" charset="-128"/>
-                </a:endParaRPr>
-              </a:p>
-            </p:txBody>
-          </p:sp>
-        </p:grpSp>
-      </p:grpSp>
-      <p:grpSp>
-        <p:nvGrpSpPr>
-          <p:cNvPr id="2" name="群組 1">
-            <a:extLst>
-              <a:ext uri="{FF2B5EF4-FFF2-40B4-BE49-F238E27FC236}">
-                <a16:creationId xmlns:a16="http://schemas.microsoft.com/office/drawing/2014/main" id="{71A20F00-CA37-239C-F9A3-639A50F17A34}"/>
-              </a:ext>
-            </a:extLst>
-          </p:cNvPr>
-          <p:cNvGrpSpPr/>
-          <p:nvPr/>
-        </p:nvGrpSpPr>
-        <p:grpSpPr>
-          <a:xfrm>
-            <a:off x="111160" y="53700"/>
-            <a:ext cx="5500224" cy="860178"/>
-            <a:chOff x="111160" y="53700"/>
-            <a:chExt cx="5500224" cy="860178"/>
-          </a:xfrm>
-        </p:grpSpPr>
-        <p:sp>
-          <p:nvSpPr>
-            <p:cNvPr id="3" name="文字方塊 2">
-              <a:extLst>
-                <a:ext uri="{FF2B5EF4-FFF2-40B4-BE49-F238E27FC236}">
-                  <a16:creationId xmlns:a16="http://schemas.microsoft.com/office/drawing/2014/main" id="{319B476B-CABA-0A8A-BFAC-579260018600}"/>
-                </a:ext>
-              </a:extLst>
-            </p:cNvPr>
-            <p:cNvSpPr txBox="1"/>
-            <p:nvPr/>
-          </p:nvSpPr>
-          <p:spPr>
-            <a:xfrm>
-              <a:off x="111160" y="53700"/>
-              <a:ext cx="5460149" cy="830997"/>
-            </a:xfrm>
-            <a:prstGeom prst="rect">
-              <a:avLst/>
-            </a:prstGeom>
-            <a:solidFill>
-              <a:schemeClr val="tx1"/>
-            </a:solidFill>
-          </p:spPr>
-          <p:txBody>
-            <a:bodyPr wrap="none" rtlCol="0">
-              <a:spAutoFit/>
-            </a:bodyPr>
-            <a:lstStyle/>
-            <a:p>
-              <a:r>
-                <a:rPr lang="en-US" altLang="zh-TW" sz="4800" dirty="0">
-                  <a:solidFill>
-                    <a:schemeClr val="bg1"/>
-                  </a:solidFill>
-                  <a:latin typeface="HGPSoeiKakupoptai" panose="040B0A00000000000000" pitchFamily="82" charset="-128"/>
-                  <a:ea typeface="HGPSoeiKakupoptai" panose="040B0A00000000000000" pitchFamily="82" charset="-128"/>
-                  <a:cs typeface="ADLaM Display" panose="02010000000000000000" pitchFamily="2" charset="0"/>
-                </a:rPr>
-                <a:t>JavaScript Output</a:t>
-              </a:r>
-            </a:p>
-          </p:txBody>
-        </p:sp>
-        <p:cxnSp>
-          <p:nvCxnSpPr>
-            <p:cNvPr id="4" name="直線接點 3">
-              <a:extLst>
-                <a:ext uri="{FF2B5EF4-FFF2-40B4-BE49-F238E27FC236}">
-                  <a16:creationId xmlns:a16="http://schemas.microsoft.com/office/drawing/2014/main" id="{C75C1DD4-AB0A-359C-C12F-05CE904EA98A}"/>
-                </a:ext>
-              </a:extLst>
-            </p:cNvPr>
-            <p:cNvCxnSpPr>
-              <a:cxnSpLocks/>
-            </p:cNvCxnSpPr>
-            <p:nvPr/>
-          </p:nvCxnSpPr>
-          <p:spPr>
-            <a:xfrm>
-              <a:off x="175095" y="913878"/>
-              <a:ext cx="5436289" cy="0"/>
-            </a:xfrm>
-            <a:prstGeom prst="line">
-              <a:avLst/>
-            </a:prstGeom>
-            <a:ln w="57150">
-              <a:solidFill>
-                <a:schemeClr val="bg1">
-                  <a:lumMod val="95000"/>
-                </a:schemeClr>
-              </a:solidFill>
-              <a:headEnd type="none" w="med" len="med"/>
-              <a:tailEnd type="none" w="med" len="med"/>
-            </a:ln>
-          </p:spPr>
-          <p:style>
-            <a:lnRef idx="2">
-              <a:schemeClr val="accent1"/>
-            </a:lnRef>
-            <a:fillRef idx="0">
-              <a:schemeClr val="accent1"/>
-            </a:fillRef>
-            <a:effectRef idx="1">
-              <a:schemeClr val="accent1"/>
-            </a:effectRef>
-            <a:fontRef idx="minor">
-              <a:schemeClr val="tx1"/>
-            </a:fontRef>
-          </p:style>
-        </p:cxnSp>
-      </p:grpSp>
-      <p:sp>
-        <p:nvSpPr>
-          <p:cNvPr id="6" name="文字方塊 5">
-            <a:extLst>
-              <a:ext uri="{FF2B5EF4-FFF2-40B4-BE49-F238E27FC236}">
-                <a16:creationId xmlns:a16="http://schemas.microsoft.com/office/drawing/2014/main" id="{D801272F-BF1C-BD83-AD6F-00C9C9A33CB3}"/>
-              </a:ext>
-            </a:extLst>
-          </p:cNvPr>
-          <p:cNvSpPr txBox="1"/>
-          <p:nvPr/>
-        </p:nvSpPr>
-        <p:spPr>
-          <a:xfrm>
-            <a:off x="2409203" y="1000926"/>
-            <a:ext cx="7670690" cy="707886"/>
-          </a:xfrm>
-          <a:prstGeom prst="rect">
-            <a:avLst/>
-          </a:prstGeom>
-          <a:noFill/>
-          <a:ln>
-            <a:noFill/>
-          </a:ln>
-        </p:spPr>
-        <p:txBody>
-          <a:bodyPr wrap="none" rtlCol="0">
-            <a:spAutoFit/>
-          </a:bodyPr>
-          <a:lstStyle>
-            <a:defPPr>
-              <a:defRPr lang="zh-TW"/>
-            </a:defPPr>
-            <a:lvl1pPr>
-              <a:defRPr sz="4800">
-                <a:solidFill>
-                  <a:schemeClr val="bg1"/>
-                </a:solidFill>
-                <a:latin typeface="ADLaM Display" panose="02010000000000000000" pitchFamily="2" charset="0"/>
-                <a:ea typeface="ADLaM Display" panose="02010000000000000000" pitchFamily="2" charset="0"/>
-                <a:cs typeface="ADLaM Display" panose="02010000000000000000" pitchFamily="2" charset="0"/>
-              </a:defRPr>
-            </a:lvl1pPr>
-          </a:lstStyle>
-          <a:p>
-            <a:r>
-              <a:rPr lang="en-US" altLang="zh-TW" sz="4000" dirty="0">
-                <a:latin typeface="HGPSoeiKakupoptai" panose="040B0A00000000000000" pitchFamily="82" charset="-128"/>
-                <a:ea typeface="HGPSoeiKakupoptai" panose="040B0A00000000000000" pitchFamily="82" charset="-128"/>
-              </a:rPr>
-              <a:t>JavaScript Display Possibilities</a:t>
-            </a:r>
-            <a:endParaRPr lang="zh-TW" altLang="en-US" sz="4000" dirty="0">
-              <a:latin typeface="HGPSoeiKakupoptai" panose="040B0A00000000000000" pitchFamily="82" charset="-128"/>
-              <a:ea typeface="HGPSoeiKakupoptai" panose="040B0A00000000000000" pitchFamily="82" charset="-128"/>
-            </a:endParaRPr>
-          </a:p>
-        </p:txBody>
-      </p:sp>
-      <p:sp>
-        <p:nvSpPr>
-          <p:cNvPr id="7" name="文字方塊 6">
-            <a:extLst>
-              <a:ext uri="{FF2B5EF4-FFF2-40B4-BE49-F238E27FC236}">
-                <a16:creationId xmlns:a16="http://schemas.microsoft.com/office/drawing/2014/main" id="{309ADC28-264B-9AF1-83CF-7390ADDB7E02}"/>
-              </a:ext>
-            </a:extLst>
-          </p:cNvPr>
-          <p:cNvSpPr txBox="1"/>
-          <p:nvPr/>
-        </p:nvSpPr>
-        <p:spPr>
-          <a:xfrm>
-            <a:off x="2730605" y="1901018"/>
-            <a:ext cx="6976590" cy="369332"/>
-          </a:xfrm>
-          <a:prstGeom prst="rect">
-            <a:avLst/>
-          </a:prstGeom>
-          <a:noFill/>
-          <a:ln>
-            <a:noFill/>
-          </a:ln>
-        </p:spPr>
-        <p:txBody>
-          <a:bodyPr wrap="square" rtlCol="0">
-            <a:spAutoFit/>
-          </a:bodyPr>
-          <a:lstStyle>
-            <a:defPPr>
-              <a:defRPr lang="zh-TW"/>
-            </a:defPPr>
-            <a:lvl1pPr>
-              <a:defRPr sz="4000">
-                <a:solidFill>
-                  <a:schemeClr val="bg1"/>
-                </a:solidFill>
-                <a:latin typeface="HGPSoeiKakupoptai" panose="040B0A00000000000000" pitchFamily="82" charset="-128"/>
-                <a:ea typeface="HGPSoeiKakupoptai" panose="040B0A00000000000000" pitchFamily="82" charset="-128"/>
-                <a:cs typeface="ADLaM Display" panose="02010000000000000000" pitchFamily="2" charset="0"/>
-              </a:defRPr>
-            </a:lvl1pPr>
-          </a:lstStyle>
-          <a:p>
-            <a:r>
-              <a:rPr lang="en-US" altLang="zh-TW" sz="1800" dirty="0" err="1"/>
-              <a:t>document.getElementById</a:t>
-            </a:r>
-            <a:r>
-              <a:rPr lang="en-US" altLang="zh-TW" sz="1800" dirty="0"/>
-              <a:t>(</a:t>
-            </a:r>
-            <a:r>
-              <a:rPr lang="en-US" altLang="zh-TW" sz="1800" dirty="0" err="1"/>
-              <a:t>DOM_object_Id</a:t>
-            </a:r>
-            <a:r>
-              <a:rPr lang="en-US" altLang="zh-TW" sz="1800" dirty="0"/>
-              <a:t>).</a:t>
-            </a:r>
-            <a:r>
-              <a:rPr lang="en-US" altLang="zh-TW" sz="1800" dirty="0" err="1"/>
-              <a:t>innerHTML</a:t>
-            </a:r>
-            <a:r>
-              <a:rPr lang="en-US" altLang="zh-TW" sz="1800" dirty="0"/>
-              <a:t> = message</a:t>
-            </a:r>
-            <a:endParaRPr lang="zh-TW" altLang="en-US" sz="1800" dirty="0"/>
-          </a:p>
-        </p:txBody>
-      </p:sp>
-      <p:sp>
-        <p:nvSpPr>
-          <p:cNvPr id="8" name="文字方塊 7">
-            <a:extLst>
-              <a:ext uri="{FF2B5EF4-FFF2-40B4-BE49-F238E27FC236}">
-                <a16:creationId xmlns:a16="http://schemas.microsoft.com/office/drawing/2014/main" id="{758C9106-9B55-ABD0-F2D9-A9DC8AD6306A}"/>
-              </a:ext>
-            </a:extLst>
-          </p:cNvPr>
-          <p:cNvSpPr txBox="1"/>
-          <p:nvPr/>
-        </p:nvSpPr>
-        <p:spPr>
-          <a:xfrm>
-            <a:off x="2730605" y="3433010"/>
-            <a:ext cx="2414444" cy="369332"/>
-          </a:xfrm>
-          <a:prstGeom prst="rect">
-            <a:avLst/>
-          </a:prstGeom>
-          <a:noFill/>
-          <a:ln>
-            <a:noFill/>
-          </a:ln>
-        </p:spPr>
-        <p:txBody>
-          <a:bodyPr wrap="none" rtlCol="0">
-            <a:spAutoFit/>
-          </a:bodyPr>
-          <a:lstStyle>
-            <a:defPPr>
-              <a:defRPr lang="zh-TW"/>
-            </a:defPPr>
-            <a:lvl1pPr>
-              <a:defRPr>
-                <a:solidFill>
-                  <a:schemeClr val="bg1"/>
-                </a:solidFill>
-                <a:latin typeface="HGPSoeiKakupoptai" panose="040B0A00000000000000" pitchFamily="82" charset="-128"/>
-                <a:ea typeface="HGPSoeiKakupoptai" panose="040B0A00000000000000" pitchFamily="82" charset="-128"/>
-                <a:cs typeface="ADLaM Display" panose="02010000000000000000" pitchFamily="2" charset="0"/>
-              </a:defRPr>
-            </a:lvl1pPr>
-          </a:lstStyle>
-          <a:p>
-            <a:r>
-              <a:rPr lang="en-US" altLang="zh-TW" dirty="0"/>
-              <a:t>console.log(message)</a:t>
-            </a:r>
-            <a:endParaRPr lang="zh-TW" altLang="en-US" dirty="0"/>
-          </a:p>
-        </p:txBody>
-      </p:sp>
-      <p:sp>
-        <p:nvSpPr>
-          <p:cNvPr id="9" name="文字方塊 8">
-            <a:extLst>
-              <a:ext uri="{FF2B5EF4-FFF2-40B4-BE49-F238E27FC236}">
-                <a16:creationId xmlns:a16="http://schemas.microsoft.com/office/drawing/2014/main" id="{7EE6C02B-30B8-2171-E8AD-4BF8FDDA2451}"/>
-              </a:ext>
-            </a:extLst>
-          </p:cNvPr>
-          <p:cNvSpPr txBox="1"/>
-          <p:nvPr/>
-        </p:nvSpPr>
-        <p:spPr>
-          <a:xfrm>
-            <a:off x="2730605" y="2662397"/>
-            <a:ext cx="2896947" cy="369332"/>
-          </a:xfrm>
-          <a:prstGeom prst="rect">
-            <a:avLst/>
-          </a:prstGeom>
-          <a:noFill/>
-          <a:ln>
-            <a:noFill/>
-          </a:ln>
-        </p:spPr>
-        <p:txBody>
-          <a:bodyPr wrap="square" rtlCol="0">
-            <a:spAutoFit/>
-          </a:bodyPr>
-          <a:lstStyle>
-            <a:defPPr>
-              <a:defRPr lang="zh-TW"/>
-            </a:defPPr>
-            <a:lvl1pPr>
-              <a:defRPr>
-                <a:solidFill>
-                  <a:schemeClr val="bg1"/>
-                </a:solidFill>
-                <a:latin typeface="HGPSoeiKakupoptai" panose="040B0A00000000000000" pitchFamily="82" charset="-128"/>
-                <a:ea typeface="HGPSoeiKakupoptai" panose="040B0A00000000000000" pitchFamily="82" charset="-128"/>
-                <a:cs typeface="ADLaM Display" panose="02010000000000000000" pitchFamily="2" charset="0"/>
-              </a:defRPr>
-            </a:lvl1pPr>
-          </a:lstStyle>
-          <a:p>
-            <a:r>
-              <a:rPr lang="en-US" altLang="zh-TW" dirty="0" err="1"/>
-              <a:t>document.write</a:t>
-            </a:r>
-            <a:r>
-              <a:rPr lang="en-US" altLang="zh-TW" dirty="0"/>
-              <a:t>(message)</a:t>
-            </a:r>
-            <a:endParaRPr lang="zh-TW" altLang="en-US" dirty="0"/>
-          </a:p>
-        </p:txBody>
-      </p:sp>
-      <p:sp>
-        <p:nvSpPr>
-          <p:cNvPr id="10" name="文字方塊 9">
-            <a:extLst>
-              <a:ext uri="{FF2B5EF4-FFF2-40B4-BE49-F238E27FC236}">
-                <a16:creationId xmlns:a16="http://schemas.microsoft.com/office/drawing/2014/main" id="{2CA83901-DE81-E9D3-84F3-CFEBB1514AE7}"/>
-              </a:ext>
-            </a:extLst>
-          </p:cNvPr>
-          <p:cNvSpPr txBox="1"/>
-          <p:nvPr/>
-        </p:nvSpPr>
-        <p:spPr>
-          <a:xfrm>
-            <a:off x="2730605" y="4214844"/>
-            <a:ext cx="2605200" cy="369332"/>
-          </a:xfrm>
-          <a:prstGeom prst="rect">
-            <a:avLst/>
-          </a:prstGeom>
-          <a:noFill/>
-          <a:ln>
-            <a:noFill/>
-          </a:ln>
-        </p:spPr>
-        <p:txBody>
-          <a:bodyPr wrap="none" rtlCol="0">
-            <a:spAutoFit/>
-          </a:bodyPr>
-          <a:lstStyle>
-            <a:defPPr>
-              <a:defRPr lang="zh-TW"/>
-            </a:defPPr>
-            <a:lvl1pPr>
-              <a:defRPr>
-                <a:solidFill>
-                  <a:schemeClr val="bg1"/>
-                </a:solidFill>
-                <a:latin typeface="HGPSoeiKakupoptai" panose="040B0A00000000000000" pitchFamily="82" charset="-128"/>
-                <a:ea typeface="HGPSoeiKakupoptai" panose="040B0A00000000000000" pitchFamily="82" charset="-128"/>
-                <a:cs typeface="ADLaM Display" panose="02010000000000000000" pitchFamily="2" charset="0"/>
-              </a:defRPr>
-            </a:lvl1pPr>
-          </a:lstStyle>
-          <a:p>
-            <a:r>
-              <a:rPr lang="en-US" altLang="zh-TW" dirty="0" err="1"/>
-              <a:t>window.alert</a:t>
-            </a:r>
-            <a:r>
-              <a:rPr lang="en-US" altLang="zh-TW" dirty="0"/>
-              <a:t>(message)</a:t>
-            </a:r>
-            <a:endParaRPr lang="zh-TW" altLang="en-US" dirty="0"/>
-          </a:p>
-        </p:txBody>
-      </p:sp>
-      <p:sp>
-        <p:nvSpPr>
-          <p:cNvPr id="11" name="文字方塊 10">
-            <a:extLst>
-              <a:ext uri="{FF2B5EF4-FFF2-40B4-BE49-F238E27FC236}">
-                <a16:creationId xmlns:a16="http://schemas.microsoft.com/office/drawing/2014/main" id="{7FFE53C5-0EA1-15DD-7C97-83FD3DE66A3E}"/>
-              </a:ext>
-            </a:extLst>
-          </p:cNvPr>
-          <p:cNvSpPr txBox="1"/>
-          <p:nvPr/>
-        </p:nvSpPr>
-        <p:spPr>
-          <a:xfrm>
-            <a:off x="2998462" y="2270350"/>
-            <a:ext cx="6976590" cy="307777"/>
-          </a:xfrm>
-          <a:prstGeom prst="rect">
-            <a:avLst/>
-          </a:prstGeom>
-          <a:noFill/>
-          <a:ln>
-            <a:noFill/>
-          </a:ln>
-        </p:spPr>
-        <p:txBody>
-          <a:bodyPr wrap="square" rtlCol="0">
-            <a:spAutoFit/>
-          </a:bodyPr>
-          <a:lstStyle>
-            <a:defPPr>
-              <a:defRPr lang="zh-TW"/>
-            </a:defPPr>
-            <a:lvl1pPr>
-              <a:defRPr sz="4000">
-                <a:solidFill>
-                  <a:schemeClr val="bg1"/>
-                </a:solidFill>
-                <a:latin typeface="HGPSoeiKakupoptai" panose="040B0A00000000000000" pitchFamily="82" charset="-128"/>
-                <a:ea typeface="HGPSoeiKakupoptai" panose="040B0A00000000000000" pitchFamily="82" charset="-128"/>
-                <a:cs typeface="ADLaM Display" panose="02010000000000000000" pitchFamily="2" charset="0"/>
-              </a:defRPr>
-            </a:lvl1pPr>
-          </a:lstStyle>
-          <a:p>
-            <a:r>
-              <a:rPr lang="en-US" altLang="zh-TW" sz="1400" dirty="0">
-                <a:solidFill>
-                  <a:srgbClr val="F7E018"/>
-                </a:solidFill>
-              </a:rPr>
-              <a:t>Writing message into a HTML element</a:t>
-            </a:r>
-            <a:endParaRPr lang="zh-TW" altLang="en-US" sz="1400" dirty="0">
-              <a:solidFill>
-                <a:srgbClr val="F7E018"/>
-              </a:solidFill>
-            </a:endParaRPr>
-          </a:p>
-        </p:txBody>
-      </p:sp>
-      <p:sp>
-        <p:nvSpPr>
-          <p:cNvPr id="12" name="文字方塊 11">
-            <a:extLst>
-              <a:ext uri="{FF2B5EF4-FFF2-40B4-BE49-F238E27FC236}">
-                <a16:creationId xmlns:a16="http://schemas.microsoft.com/office/drawing/2014/main" id="{A1788063-787B-8AC0-C1D2-E3584A73E3E3}"/>
-              </a:ext>
-            </a:extLst>
-          </p:cNvPr>
-          <p:cNvSpPr txBox="1"/>
-          <p:nvPr/>
-        </p:nvSpPr>
-        <p:spPr>
-          <a:xfrm>
-            <a:off x="2998462" y="3033524"/>
-            <a:ext cx="6976590" cy="307777"/>
-          </a:xfrm>
-          <a:prstGeom prst="rect">
-            <a:avLst/>
-          </a:prstGeom>
-          <a:noFill/>
-          <a:ln>
-            <a:noFill/>
-          </a:ln>
-        </p:spPr>
-        <p:txBody>
-          <a:bodyPr wrap="square" rtlCol="0">
-            <a:spAutoFit/>
-          </a:bodyPr>
-          <a:lstStyle>
-            <a:defPPr>
-              <a:defRPr lang="zh-TW"/>
-            </a:defPPr>
-            <a:lvl1pPr>
-              <a:defRPr sz="4000">
-                <a:solidFill>
-                  <a:schemeClr val="bg1"/>
-                </a:solidFill>
-                <a:latin typeface="HGPSoeiKakupoptai" panose="040B0A00000000000000" pitchFamily="82" charset="-128"/>
-                <a:ea typeface="HGPSoeiKakupoptai" panose="040B0A00000000000000" pitchFamily="82" charset="-128"/>
-                <a:cs typeface="ADLaM Display" panose="02010000000000000000" pitchFamily="2" charset="0"/>
-              </a:defRPr>
-            </a:lvl1pPr>
-          </a:lstStyle>
-          <a:p>
-            <a:r>
-              <a:rPr lang="en-US" altLang="zh-TW" sz="1400" dirty="0">
-                <a:solidFill>
-                  <a:srgbClr val="F7E018"/>
-                </a:solidFill>
-              </a:rPr>
-              <a:t>Writing message into the HTML output </a:t>
-            </a:r>
-            <a:endParaRPr lang="zh-TW" altLang="en-US" sz="1400" dirty="0">
-              <a:solidFill>
-                <a:srgbClr val="F7E018"/>
-              </a:solidFill>
-            </a:endParaRPr>
-          </a:p>
-        </p:txBody>
-      </p:sp>
-      <p:sp>
-        <p:nvSpPr>
-          <p:cNvPr id="13" name="文字方塊 12">
-            <a:extLst>
-              <a:ext uri="{FF2B5EF4-FFF2-40B4-BE49-F238E27FC236}">
-                <a16:creationId xmlns:a16="http://schemas.microsoft.com/office/drawing/2014/main" id="{91F20939-877A-7A33-51B8-836736697109}"/>
-              </a:ext>
-            </a:extLst>
-          </p:cNvPr>
-          <p:cNvSpPr txBox="1"/>
-          <p:nvPr/>
-        </p:nvSpPr>
-        <p:spPr>
-          <a:xfrm>
-            <a:off x="2998462" y="3802627"/>
-            <a:ext cx="6976590" cy="307777"/>
-          </a:xfrm>
-          <a:prstGeom prst="rect">
-            <a:avLst/>
-          </a:prstGeom>
-          <a:noFill/>
-          <a:ln>
-            <a:noFill/>
-          </a:ln>
-        </p:spPr>
-        <p:txBody>
-          <a:bodyPr wrap="square" rtlCol="0">
-            <a:spAutoFit/>
-          </a:bodyPr>
-          <a:lstStyle>
-            <a:defPPr>
-              <a:defRPr lang="zh-TW"/>
-            </a:defPPr>
-            <a:lvl1pPr>
-              <a:defRPr sz="4000">
-                <a:solidFill>
-                  <a:schemeClr val="bg1"/>
-                </a:solidFill>
-                <a:latin typeface="HGPSoeiKakupoptai" panose="040B0A00000000000000" pitchFamily="82" charset="-128"/>
-                <a:ea typeface="HGPSoeiKakupoptai" panose="040B0A00000000000000" pitchFamily="82" charset="-128"/>
-                <a:cs typeface="ADLaM Display" panose="02010000000000000000" pitchFamily="2" charset="0"/>
-              </a:defRPr>
-            </a:lvl1pPr>
-          </a:lstStyle>
-          <a:p>
-            <a:r>
-              <a:rPr lang="en-US" altLang="zh-TW" sz="1400" dirty="0">
-                <a:solidFill>
-                  <a:srgbClr val="F7E018"/>
-                </a:solidFill>
-              </a:rPr>
-              <a:t>Writing message into the browser console</a:t>
-            </a:r>
-            <a:endParaRPr lang="zh-TW" altLang="en-US" sz="1400" dirty="0">
-              <a:solidFill>
-                <a:srgbClr val="F7E018"/>
-              </a:solidFill>
-            </a:endParaRPr>
-          </a:p>
-        </p:txBody>
-      </p:sp>
-      <p:sp>
-        <p:nvSpPr>
-          <p:cNvPr id="14" name="文字方塊 13">
-            <a:extLst>
-              <a:ext uri="{FF2B5EF4-FFF2-40B4-BE49-F238E27FC236}">
-                <a16:creationId xmlns:a16="http://schemas.microsoft.com/office/drawing/2014/main" id="{9B53248B-B392-F2AF-7B71-590672ABEF5F}"/>
-              </a:ext>
-            </a:extLst>
-          </p:cNvPr>
-          <p:cNvSpPr txBox="1"/>
-          <p:nvPr/>
-        </p:nvSpPr>
-        <p:spPr>
-          <a:xfrm>
-            <a:off x="2998462" y="4584176"/>
-            <a:ext cx="6976590" cy="307777"/>
-          </a:xfrm>
-          <a:prstGeom prst="rect">
-            <a:avLst/>
-          </a:prstGeom>
-          <a:noFill/>
-          <a:ln>
-            <a:noFill/>
-          </a:ln>
-        </p:spPr>
-        <p:txBody>
-          <a:bodyPr wrap="square" rtlCol="0">
-            <a:spAutoFit/>
-          </a:bodyPr>
-          <a:lstStyle>
-            <a:defPPr>
-              <a:defRPr lang="zh-TW"/>
-            </a:defPPr>
-            <a:lvl1pPr>
-              <a:defRPr sz="4000">
-                <a:solidFill>
-                  <a:schemeClr val="bg1"/>
-                </a:solidFill>
-                <a:latin typeface="HGPSoeiKakupoptai" panose="040B0A00000000000000" pitchFamily="82" charset="-128"/>
-                <a:ea typeface="HGPSoeiKakupoptai" panose="040B0A00000000000000" pitchFamily="82" charset="-128"/>
-                <a:cs typeface="ADLaM Display" panose="02010000000000000000" pitchFamily="2" charset="0"/>
-              </a:defRPr>
-            </a:lvl1pPr>
-          </a:lstStyle>
-          <a:p>
-            <a:r>
-              <a:rPr lang="en-US" altLang="zh-TW" sz="1400" dirty="0">
-                <a:solidFill>
-                  <a:srgbClr val="F7E018"/>
-                </a:solidFill>
-              </a:rPr>
-              <a:t>Writing message into an alert box</a:t>
-            </a:r>
-            <a:endParaRPr lang="zh-TW" altLang="en-US" sz="1400" dirty="0">
-              <a:solidFill>
-                <a:srgbClr val="F7E018"/>
-              </a:solidFill>
-            </a:endParaRPr>
-          </a:p>
-        </p:txBody>
-      </p:sp>
-    </p:spTree>
-    <p:extLst>
-      <p:ext uri="{BB962C8B-B14F-4D97-AF65-F5344CB8AC3E}">
-        <p14:creationId xmlns:p14="http://schemas.microsoft.com/office/powerpoint/2010/main" val="1450579242"/>
-      </p:ext>
-    </p:extLst>
-  </p:cSld>
-  <p:clrMapOvr>
-    <a:masterClrMapping/>
-  </p:clrMapOvr>
-</p:sld>
-</file>
-
-<file path=ppt/slides/slide9.xml><?xml version="1.0" encoding="utf-8"?>
-<p:sld xmlns:a="http://schemas.openxmlformats.org/drawingml/2006/main" xmlns:r="http://schemas.openxmlformats.org/officeDocument/2006/relationships" xmlns:p="http://schemas.openxmlformats.org/presentationml/2006/main">
-  <p:cSld>
-    <p:bg>
-      <p:bgPr>
-        <a:solidFill>
-          <a:schemeClr val="tx1"/>
-        </a:solidFill>
-        <a:effectLst/>
-      </p:bgPr>
-    </p:bg>
-    <p:spTree>
-      <p:nvGrpSpPr>
-        <p:cNvPr id="1" name=""/>
-        <p:cNvGrpSpPr/>
-        <p:nvPr/>
-      </p:nvGrpSpPr>
-      <p:grpSpPr>
-        <a:xfrm>
-          <a:off x="0" y="0"/>
-          <a:ext cx="0" cy="0"/>
-          <a:chOff x="0" y="0"/>
-          <a:chExt cx="0" cy="0"/>
-        </a:xfrm>
-      </p:grpSpPr>
-      <p:grpSp>
-        <p:nvGrpSpPr>
-          <p:cNvPr id="28" name="群組 27">
-            <a:extLst>
-              <a:ext uri="{FF2B5EF4-FFF2-40B4-BE49-F238E27FC236}">
-                <a16:creationId xmlns:a16="http://schemas.microsoft.com/office/drawing/2014/main" id="{4037ADCE-A775-44E4-BE80-8718A99C0623}"/>
-              </a:ext>
-            </a:extLst>
-          </p:cNvPr>
-          <p:cNvGrpSpPr/>
-          <p:nvPr/>
-        </p:nvGrpSpPr>
-        <p:grpSpPr>
-          <a:xfrm>
-            <a:off x="106784" y="189000"/>
-            <a:ext cx="3473714" cy="6480000"/>
-            <a:chOff x="106784" y="189000"/>
-            <a:chExt cx="3473714" cy="6480000"/>
-          </a:xfrm>
-        </p:grpSpPr>
-        <p:grpSp>
-          <p:nvGrpSpPr>
-            <p:cNvPr id="31" name="群組 30">
-              <a:extLst>
-                <a:ext uri="{FF2B5EF4-FFF2-40B4-BE49-F238E27FC236}">
-                  <a16:creationId xmlns:a16="http://schemas.microsoft.com/office/drawing/2014/main" id="{9763B9B6-39EF-3E59-5F2B-7087FE53E92E}"/>
-                </a:ext>
-              </a:extLst>
-            </p:cNvPr>
-            <p:cNvGrpSpPr/>
-            <p:nvPr/>
-          </p:nvGrpSpPr>
-          <p:grpSpPr>
-            <a:xfrm>
-              <a:off x="106784" y="189000"/>
-              <a:ext cx="3473714" cy="6480000"/>
-              <a:chOff x="752732" y="1282"/>
-              <a:chExt cx="4266529" cy="6856718"/>
-            </a:xfrm>
-          </p:grpSpPr>
-          <p:pic>
-            <p:nvPicPr>
-              <p:cNvPr id="35" name="Picture 4" descr="What Is JavaScript Used For?">
-                <a:extLst>
-                  <a:ext uri="{FF2B5EF4-FFF2-40B4-BE49-F238E27FC236}">
-                    <a16:creationId xmlns:a16="http://schemas.microsoft.com/office/drawing/2014/main" id="{53A9E0D8-F22F-E928-928D-7EE1B9292AE8}"/>
-                  </a:ext>
-                </a:extLst>
-              </p:cNvPr>
-              <p:cNvPicPr>
-                <a:picLocks noChangeAspect="1" noChangeArrowheads="1"/>
-              </p:cNvPicPr>
-              <p:nvPr/>
-            </p:nvPicPr>
-            <p:blipFill rotWithShape="1">
-              <a:blip r:embed="rId2">
-                <a:alphaModFix amt="85000"/>
-                <a:extLst>
-                  <a:ext uri="{28A0092B-C50C-407E-A947-70E740481C1C}">
-                    <a14:useLocalDpi xmlns:a14="http://schemas.microsoft.com/office/drawing/2010/main" val="0"/>
-                  </a:ext>
-                </a:extLst>
-              </a:blip>
-              <a:srcRect l="6173" t="-2" r="61849" b="20"/>
-              <a:stretch/>
-            </p:blipFill>
-            <p:spPr bwMode="auto">
-              <a:xfrm>
-                <a:off x="752732" y="1282"/>
-                <a:ext cx="3898781" cy="6856718"/>
-              </a:xfrm>
-              <a:prstGeom prst="rect">
-                <a:avLst/>
-              </a:prstGeom>
-              <a:noFill/>
-              <a:extLst>
-                <a:ext uri="{909E8E84-426E-40DD-AFC4-6F175D3DCCD1}">
-                  <a14:hiddenFill xmlns:a14="http://schemas.microsoft.com/office/drawing/2010/main">
-                    <a:solidFill>
-                      <a:srgbClr val="FFFFFF"/>
-                    </a:solidFill>
-                  </a14:hiddenFill>
-                </a:ext>
-              </a:extLst>
-            </p:spPr>
-          </p:pic>
-          <p:sp>
-            <p:nvSpPr>
-              <p:cNvPr id="36" name="矩形 35">
-                <a:extLst>
-                  <a:ext uri="{FF2B5EF4-FFF2-40B4-BE49-F238E27FC236}">
-                    <a16:creationId xmlns:a16="http://schemas.microsoft.com/office/drawing/2014/main" id="{D8F9FE86-688D-6533-26C6-95B79E733541}"/>
-                  </a:ext>
-                </a:extLst>
-              </p:cNvPr>
-              <p:cNvSpPr/>
-              <p:nvPr/>
-            </p:nvSpPr>
-            <p:spPr>
-              <a:xfrm>
-                <a:off x="3667539" y="2166730"/>
-                <a:ext cx="1351722" cy="1938131"/>
-              </a:xfrm>
-              <a:prstGeom prst="rect">
-                <a:avLst/>
-              </a:prstGeom>
-              <a:solidFill>
-                <a:srgbClr val="000000"/>
-              </a:solidFill>
-              <a:ln>
-                <a:noFill/>
-              </a:ln>
-            </p:spPr>
-            <p:style>
-              <a:lnRef idx="2">
-                <a:schemeClr val="accent1">
-                  <a:shade val="15000"/>
-                </a:schemeClr>
-              </a:lnRef>
-              <a:fillRef idx="1">
-                <a:schemeClr val="accent1"/>
-              </a:fillRef>
-              <a:effectRef idx="0">
-                <a:schemeClr val="accent1"/>
-              </a:effectRef>
-              <a:fontRef idx="minor">
-                <a:schemeClr val="lt1"/>
-              </a:fontRef>
-            </p:style>
-            <p:txBody>
-              <a:bodyPr rtlCol="0" anchor="ctr"/>
-              <a:lstStyle/>
-              <a:p>
-                <a:pPr algn="ctr"/>
-                <a:endParaRPr lang="zh-TW" altLang="en-US">
-                  <a:latin typeface="HGPSoeiKakupoptai" panose="040B0A00000000000000" pitchFamily="82" charset="-128"/>
-                  <a:ea typeface="HGPSoeiKakupoptai" panose="040B0A00000000000000" pitchFamily="82" charset="-128"/>
-                </a:endParaRPr>
-              </a:p>
-            </p:txBody>
-          </p:sp>
-        </p:grpSp>
-        <p:grpSp>
-          <p:nvGrpSpPr>
-            <p:cNvPr id="32" name="群組 31">
-              <a:extLst>
-                <a:ext uri="{FF2B5EF4-FFF2-40B4-BE49-F238E27FC236}">
-                  <a16:creationId xmlns:a16="http://schemas.microsoft.com/office/drawing/2014/main" id="{F50D76C6-F98B-006C-E4BB-5567A42DE2D5}"/>
-                </a:ext>
-              </a:extLst>
-            </p:cNvPr>
-            <p:cNvGrpSpPr/>
-            <p:nvPr/>
-          </p:nvGrpSpPr>
-          <p:grpSpPr>
-            <a:xfrm>
-              <a:off x="288060" y="2050479"/>
-              <a:ext cx="1779715" cy="2008572"/>
-              <a:chOff x="3583192" y="-1044343"/>
-              <a:chExt cx="1827083" cy="2052385"/>
-            </a:xfrm>
-            <a:solidFill>
-              <a:srgbClr val="D2BE14"/>
-            </a:solidFill>
-          </p:grpSpPr>
-          <p:sp>
-            <p:nvSpPr>
-              <p:cNvPr id="33" name="矩形 32">
-                <a:extLst>
-                  <a:ext uri="{FF2B5EF4-FFF2-40B4-BE49-F238E27FC236}">
-                    <a16:creationId xmlns:a16="http://schemas.microsoft.com/office/drawing/2014/main" id="{AC544CF1-372E-901B-3719-0B3ABE6C480C}"/>
-                  </a:ext>
-                </a:extLst>
-              </p:cNvPr>
-              <p:cNvSpPr/>
-              <p:nvPr/>
-            </p:nvSpPr>
-            <p:spPr>
-              <a:xfrm>
-                <a:off x="3583192" y="-1044343"/>
-                <a:ext cx="1826757" cy="2052000"/>
-              </a:xfrm>
-              <a:prstGeom prst="rect">
-                <a:avLst/>
-              </a:prstGeom>
-              <a:grpFill/>
-              <a:ln>
-                <a:noFill/>
-              </a:ln>
-            </p:spPr>
-            <p:style>
-              <a:lnRef idx="2">
-                <a:schemeClr val="accent1">
-                  <a:shade val="15000"/>
-                </a:schemeClr>
-              </a:lnRef>
-              <a:fillRef idx="1">
-                <a:schemeClr val="accent1"/>
-              </a:fillRef>
-              <a:effectRef idx="0">
-                <a:schemeClr val="accent1"/>
-              </a:effectRef>
-              <a:fontRef idx="minor">
-                <a:schemeClr val="lt1"/>
-              </a:fontRef>
-            </p:style>
-            <p:txBody>
-              <a:bodyPr rtlCol="0" anchor="ctr"/>
-              <a:lstStyle/>
-              <a:p>
-                <a:pPr algn="ctr"/>
-                <a:endParaRPr lang="zh-TW" altLang="en-US" sz="8800" dirty="0">
-                  <a:latin typeface="HGPSoeiKakupoptai" panose="040B0A00000000000000" pitchFamily="82" charset="-128"/>
-                  <a:ea typeface="HGPSoeiKakupoptai" panose="040B0A00000000000000" pitchFamily="82" charset="-128"/>
-                </a:endParaRPr>
-              </a:p>
-            </p:txBody>
-          </p:sp>
-          <p:sp>
-            <p:nvSpPr>
-              <p:cNvPr id="34" name="文字方塊 33">
-                <a:extLst>
-                  <a:ext uri="{FF2B5EF4-FFF2-40B4-BE49-F238E27FC236}">
-                    <a16:creationId xmlns:a16="http://schemas.microsoft.com/office/drawing/2014/main" id="{24849568-39CF-B868-D50F-C78D76123A74}"/>
-                  </a:ext>
-                </a:extLst>
-              </p:cNvPr>
-              <p:cNvSpPr txBox="1"/>
-              <p:nvPr/>
-            </p:nvSpPr>
-            <p:spPr>
-              <a:xfrm>
-                <a:off x="3858566" y="-438508"/>
-                <a:ext cx="1551709" cy="1446550"/>
-              </a:xfrm>
-              <a:prstGeom prst="rect">
-                <a:avLst/>
-              </a:prstGeom>
-              <a:grpFill/>
-            </p:spPr>
-            <p:txBody>
-              <a:bodyPr wrap="square">
-                <a:spAutoFit/>
-              </a:bodyPr>
-              <a:lstStyle/>
-              <a:p>
-                <a:pPr algn="ctr"/>
-                <a:r>
-                  <a:rPr lang="en-US" altLang="zh-TW" sz="8800" dirty="0">
-                    <a:solidFill>
-                      <a:srgbClr val="000200"/>
-                    </a:solidFill>
-                    <a:latin typeface="HGPSoeiKakupoptai" panose="040B0A00000000000000" pitchFamily="82" charset="-128"/>
-                    <a:ea typeface="HGPSoeiKakupoptai" panose="040B0A00000000000000" pitchFamily="82" charset="-128"/>
-                  </a:rPr>
-                  <a:t>JS</a:t>
-                </a:r>
-                <a:endParaRPr lang="zh-TW" altLang="en-US" sz="8800" dirty="0">
-                  <a:solidFill>
-                    <a:srgbClr val="000200"/>
-                  </a:solidFill>
-                  <a:latin typeface="HGPSoeiKakupoptai" panose="040B0A00000000000000" pitchFamily="82" charset="-128"/>
-                  <a:ea typeface="HGPSoeiKakupoptai" panose="040B0A00000000000000" pitchFamily="82" charset="-128"/>
-                </a:endParaRPr>
-              </a:p>
-            </p:txBody>
-          </p:sp>
-        </p:grpSp>
-      </p:grpSp>
-      <p:grpSp>
-        <p:nvGrpSpPr>
-          <p:cNvPr id="2" name="群組 1">
-            <a:extLst>
-              <a:ext uri="{FF2B5EF4-FFF2-40B4-BE49-F238E27FC236}">
-                <a16:creationId xmlns:a16="http://schemas.microsoft.com/office/drawing/2014/main" id="{5D741B49-1FBF-0CCB-BD86-0AD34D010AF6}"/>
-              </a:ext>
-            </a:extLst>
-          </p:cNvPr>
-          <p:cNvGrpSpPr/>
-          <p:nvPr/>
-        </p:nvGrpSpPr>
-        <p:grpSpPr>
-          <a:xfrm>
-            <a:off x="111160" y="53700"/>
-            <a:ext cx="6773008" cy="860178"/>
-            <a:chOff x="111160" y="53700"/>
-            <a:chExt cx="6773008" cy="860178"/>
-          </a:xfrm>
-        </p:grpSpPr>
-        <p:sp>
-          <p:nvSpPr>
-            <p:cNvPr id="3" name="文字方塊 2">
-              <a:extLst>
-                <a:ext uri="{FF2B5EF4-FFF2-40B4-BE49-F238E27FC236}">
-                  <a16:creationId xmlns:a16="http://schemas.microsoft.com/office/drawing/2014/main" id="{2FB846D8-1701-5394-5741-AD4167869026}"/>
-                </a:ext>
-              </a:extLst>
-            </p:cNvPr>
-            <p:cNvSpPr txBox="1"/>
-            <p:nvPr/>
-          </p:nvSpPr>
-          <p:spPr>
-            <a:xfrm>
-              <a:off x="111160" y="53700"/>
-              <a:ext cx="6773008" cy="830997"/>
-            </a:xfrm>
-            <a:prstGeom prst="rect">
-              <a:avLst/>
-            </a:prstGeom>
-            <a:solidFill>
-              <a:schemeClr val="tx1"/>
-            </a:solidFill>
-          </p:spPr>
-          <p:txBody>
-            <a:bodyPr wrap="none" rtlCol="0">
-              <a:spAutoFit/>
-            </a:bodyPr>
-            <a:lstStyle/>
-            <a:p>
-              <a:r>
-                <a:rPr lang="en-US" altLang="zh-TW" sz="4800" dirty="0">
-                  <a:solidFill>
-                    <a:schemeClr val="bg1"/>
-                  </a:solidFill>
-                  <a:latin typeface="HGPSoeiKakupoptai" panose="040B0A00000000000000" pitchFamily="82" charset="-128"/>
-                  <a:ea typeface="HGPSoeiKakupoptai" panose="040B0A00000000000000" pitchFamily="82" charset="-128"/>
-                  <a:cs typeface="ADLaM Display" panose="02010000000000000000" pitchFamily="2" charset="0"/>
-                </a:rPr>
-                <a:t>JavaScript Event Loop</a:t>
-              </a:r>
-            </a:p>
-          </p:txBody>
-        </p:sp>
-        <p:cxnSp>
-          <p:nvCxnSpPr>
-            <p:cNvPr id="4" name="直線接點 3">
-              <a:extLst>
-                <a:ext uri="{FF2B5EF4-FFF2-40B4-BE49-F238E27FC236}">
-                  <a16:creationId xmlns:a16="http://schemas.microsoft.com/office/drawing/2014/main" id="{33C3EE17-33A6-343C-301C-4DAD29876850}"/>
-                </a:ext>
-              </a:extLst>
-            </p:cNvPr>
-            <p:cNvCxnSpPr>
-              <a:cxnSpLocks/>
-            </p:cNvCxnSpPr>
-            <p:nvPr/>
-          </p:nvCxnSpPr>
-          <p:spPr>
-            <a:xfrm>
-              <a:off x="175095" y="913878"/>
-              <a:ext cx="6502796" cy="0"/>
-            </a:xfrm>
-            <a:prstGeom prst="line">
-              <a:avLst/>
-            </a:prstGeom>
-            <a:ln w="57150">
-              <a:solidFill>
-                <a:schemeClr val="bg1">
-                  <a:lumMod val="95000"/>
-                </a:schemeClr>
-              </a:solidFill>
-              <a:headEnd type="none" w="med" len="med"/>
-              <a:tailEnd type="none" w="med" len="med"/>
-            </a:ln>
-          </p:spPr>
-          <p:style>
-            <a:lnRef idx="2">
-              <a:schemeClr val="accent1"/>
-            </a:lnRef>
-            <a:fillRef idx="0">
-              <a:schemeClr val="accent1"/>
-            </a:fillRef>
-            <a:effectRef idx="1">
-              <a:schemeClr val="accent1"/>
-            </a:effectRef>
-            <a:fontRef idx="minor">
-              <a:schemeClr val="tx1"/>
-            </a:fontRef>
-          </p:style>
-        </p:cxnSp>
-      </p:grpSp>
-      <p:sp>
-        <p:nvSpPr>
-          <p:cNvPr id="5" name="文字方塊 4">
-            <a:extLst>
-              <a:ext uri="{FF2B5EF4-FFF2-40B4-BE49-F238E27FC236}">
-                <a16:creationId xmlns:a16="http://schemas.microsoft.com/office/drawing/2014/main" id="{A4D679C0-CE9C-4454-AD23-D46B259BD16E}"/>
-              </a:ext>
-            </a:extLst>
-          </p:cNvPr>
-          <p:cNvSpPr txBox="1"/>
-          <p:nvPr/>
-        </p:nvSpPr>
-        <p:spPr>
-          <a:xfrm>
-            <a:off x="2177249" y="1000926"/>
-            <a:ext cx="10006265" cy="461665"/>
-          </a:xfrm>
-          <a:prstGeom prst="rect">
-            <a:avLst/>
-          </a:prstGeom>
-          <a:noFill/>
-          <a:ln>
-            <a:noFill/>
-          </a:ln>
-        </p:spPr>
-        <p:txBody>
-          <a:bodyPr wrap="none" rtlCol="0">
-            <a:spAutoFit/>
-          </a:bodyPr>
-          <a:lstStyle>
-            <a:defPPr>
-              <a:defRPr lang="zh-TW"/>
-            </a:defPPr>
-            <a:lvl1pPr>
-              <a:defRPr sz="4800">
-                <a:solidFill>
-                  <a:schemeClr val="bg1"/>
-                </a:solidFill>
-                <a:latin typeface="ADLaM Display" panose="02010000000000000000" pitchFamily="2" charset="0"/>
-                <a:ea typeface="ADLaM Display" panose="02010000000000000000" pitchFamily="2" charset="0"/>
-                <a:cs typeface="ADLaM Display" panose="02010000000000000000" pitchFamily="2" charset="0"/>
-              </a:defRPr>
-            </a:lvl1pPr>
-          </a:lstStyle>
-          <a:p>
-            <a:r>
-              <a:rPr lang="en-US" altLang="zh-TW" sz="2400" dirty="0">
-                <a:latin typeface="HGPSoeiKakupoptai" panose="040B0A00000000000000" pitchFamily="82" charset="-128"/>
-                <a:ea typeface="HGPSoeiKakupoptai" panose="040B0A00000000000000" pitchFamily="82" charset="-128"/>
-              </a:rPr>
-              <a:t>For enabling non-blocking execution despite being single-threaded.</a:t>
-            </a:r>
-            <a:endParaRPr lang="zh-TW" altLang="en-US" sz="2400" dirty="0">
-              <a:latin typeface="HGPSoeiKakupoptai" panose="040B0A00000000000000" pitchFamily="82" charset="-128"/>
-              <a:ea typeface="HGPSoeiKakupoptai" panose="040B0A00000000000000" pitchFamily="82" charset="-128"/>
-            </a:endParaRPr>
-          </a:p>
-        </p:txBody>
-      </p:sp>
-      <p:sp>
-        <p:nvSpPr>
-          <p:cNvPr id="18" name="文字方塊 17">
-            <a:extLst>
-              <a:ext uri="{FF2B5EF4-FFF2-40B4-BE49-F238E27FC236}">
-                <a16:creationId xmlns:a16="http://schemas.microsoft.com/office/drawing/2014/main" id="{9D686AF7-471A-E48D-CE01-F860E286A432}"/>
-              </a:ext>
-            </a:extLst>
-          </p:cNvPr>
-          <p:cNvSpPr txBox="1"/>
-          <p:nvPr/>
-        </p:nvSpPr>
-        <p:spPr>
-          <a:xfrm>
-            <a:off x="2177249" y="1657581"/>
-            <a:ext cx="2553904" cy="707886"/>
-          </a:xfrm>
-          <a:prstGeom prst="rect">
-            <a:avLst/>
-          </a:prstGeom>
-          <a:noFill/>
-          <a:ln>
-            <a:noFill/>
-          </a:ln>
-        </p:spPr>
-        <p:txBody>
-          <a:bodyPr wrap="none" rtlCol="0">
-            <a:spAutoFit/>
-          </a:bodyPr>
-          <a:lstStyle>
-            <a:defPPr>
-              <a:defRPr lang="zh-TW"/>
-            </a:defPPr>
-            <a:lvl1pPr>
-              <a:defRPr sz="4800">
-                <a:solidFill>
-                  <a:schemeClr val="bg1"/>
-                </a:solidFill>
-                <a:latin typeface="ADLaM Display" panose="02010000000000000000" pitchFamily="2" charset="0"/>
-                <a:ea typeface="ADLaM Display" panose="02010000000000000000" pitchFamily="2" charset="0"/>
-                <a:cs typeface="ADLaM Display" panose="02010000000000000000" pitchFamily="2" charset="0"/>
-              </a:defRPr>
-            </a:lvl1pPr>
-          </a:lstStyle>
-          <a:p>
-            <a:r>
-              <a:rPr lang="en-US" altLang="zh-TW" sz="4000" dirty="0">
-                <a:latin typeface="HGPSoeiKakupoptai" panose="040B0A00000000000000" pitchFamily="82" charset="-128"/>
-                <a:ea typeface="HGPSoeiKakupoptai" panose="040B0A00000000000000" pitchFamily="82" charset="-128"/>
-              </a:rPr>
-              <a:t>Call Stack</a:t>
-            </a:r>
-            <a:endParaRPr lang="zh-TW" altLang="en-US" sz="4000" dirty="0">
-              <a:latin typeface="HGPSoeiKakupoptai" panose="040B0A00000000000000" pitchFamily="82" charset="-128"/>
-              <a:ea typeface="HGPSoeiKakupoptai" panose="040B0A00000000000000" pitchFamily="82" charset="-128"/>
-            </a:endParaRPr>
-          </a:p>
-        </p:txBody>
-      </p:sp>
-      <p:sp>
-        <p:nvSpPr>
-          <p:cNvPr id="19" name="文字方塊 18">
-            <a:extLst>
-              <a:ext uri="{FF2B5EF4-FFF2-40B4-BE49-F238E27FC236}">
-                <a16:creationId xmlns:a16="http://schemas.microsoft.com/office/drawing/2014/main" id="{874EAFEA-C99D-4016-37F2-C48FC79F08A8}"/>
-              </a:ext>
-            </a:extLst>
-          </p:cNvPr>
-          <p:cNvSpPr txBox="1"/>
-          <p:nvPr/>
-        </p:nvSpPr>
-        <p:spPr>
-          <a:xfrm>
-            <a:off x="2177249" y="4067122"/>
-            <a:ext cx="2882520" cy="707886"/>
-          </a:xfrm>
-          <a:prstGeom prst="rect">
-            <a:avLst/>
-          </a:prstGeom>
-          <a:noFill/>
-          <a:ln>
-            <a:noFill/>
-          </a:ln>
-        </p:spPr>
-        <p:txBody>
-          <a:bodyPr wrap="none" rtlCol="0">
-            <a:spAutoFit/>
-          </a:bodyPr>
-          <a:lstStyle>
-            <a:defPPr>
-              <a:defRPr lang="zh-TW"/>
-            </a:defPPr>
-            <a:lvl1pPr>
-              <a:defRPr sz="4800">
-                <a:solidFill>
-                  <a:schemeClr val="bg1"/>
-                </a:solidFill>
-                <a:latin typeface="ADLaM Display" panose="02010000000000000000" pitchFamily="2" charset="0"/>
-                <a:ea typeface="ADLaM Display" panose="02010000000000000000" pitchFamily="2" charset="0"/>
-                <a:cs typeface="ADLaM Display" panose="02010000000000000000" pitchFamily="2" charset="0"/>
-              </a:defRPr>
-            </a:lvl1pPr>
-          </a:lstStyle>
-          <a:p>
-            <a:r>
-              <a:rPr lang="en-US" altLang="zh-TW" sz="4000">
-                <a:latin typeface="HGPSoeiKakupoptai" panose="040B0A00000000000000" pitchFamily="82" charset="-128"/>
-                <a:ea typeface="HGPSoeiKakupoptai" panose="040B0A00000000000000" pitchFamily="82" charset="-128"/>
-              </a:rPr>
-              <a:t>Task Queue</a:t>
-            </a:r>
-            <a:endParaRPr lang="zh-TW" altLang="en-US" sz="4000" dirty="0">
-              <a:latin typeface="HGPSoeiKakupoptai" panose="040B0A00000000000000" pitchFamily="82" charset="-128"/>
-              <a:ea typeface="HGPSoeiKakupoptai" panose="040B0A00000000000000" pitchFamily="82" charset="-128"/>
-            </a:endParaRPr>
-          </a:p>
-        </p:txBody>
-      </p:sp>
-    </p:spTree>
-    <p:extLst>
-      <p:ext uri="{BB962C8B-B14F-4D97-AF65-F5344CB8AC3E}">
-        <p14:creationId xmlns:p14="http://schemas.microsoft.com/office/powerpoint/2010/main" val="1867200880"/>
       </p:ext>
     </p:extLst>
   </p:cSld>
